--- a/functional-programming/reactiveui/object-functional-programming/OOP.to.OFP.pptx
+++ b/functional-programming/reactiveui/object-functional-programming/OOP.to.OFP.pptx
@@ -8,14 +8,18 @@
     <p:sldId id="256" r:id="rId2"/>
     <p:sldId id="263" r:id="rId3"/>
     <p:sldId id="264" r:id="rId4"/>
-    <p:sldId id="257" r:id="rId5"/>
-    <p:sldId id="258" r:id="rId6"/>
-    <p:sldId id="259" r:id="rId7"/>
-    <p:sldId id="265" r:id="rId8"/>
-    <p:sldId id="266" r:id="rId9"/>
-    <p:sldId id="260" r:id="rId10"/>
-    <p:sldId id="261" r:id="rId11"/>
-    <p:sldId id="262" r:id="rId12"/>
+    <p:sldId id="267" r:id="rId5"/>
+    <p:sldId id="257" r:id="rId6"/>
+    <p:sldId id="258" r:id="rId7"/>
+    <p:sldId id="259" r:id="rId8"/>
+    <p:sldId id="265" r:id="rId9"/>
+    <p:sldId id="266" r:id="rId10"/>
+    <p:sldId id="260" r:id="rId11"/>
+    <p:sldId id="261" r:id="rId12"/>
+    <p:sldId id="262" r:id="rId13"/>
+    <p:sldId id="268" r:id="rId14"/>
+    <p:sldId id="269" r:id="rId15"/>
+    <p:sldId id="270" r:id="rId16"/>
   </p:sldIdLst>
   <p:sldSz cx="12192000" cy="6858000"/>
   <p:notesSz cx="6858000" cy="9144000"/>
@@ -122,6 +126,7 @@
             <p14:sldId id="256"/>
             <p14:sldId id="263"/>
             <p14:sldId id="264"/>
+            <p14:sldId id="267"/>
           </p14:sldIdLst>
         </p14:section>
         <p14:section name="Object-Oriented Primer" id="{6306E64A-CBB2-7A49-ADAC-FC7CC69199B0}">
@@ -148,7 +153,17 @@
             <p14:sldId id="262"/>
           </p14:sldIdLst>
         </p14:section>
+        <p14:section name="The Domain" id="{AD814AAB-0515-2E42-BE61-45C81900E46E}">
+          <p14:sldIdLst>
+            <p14:sldId id="268"/>
+            <p14:sldId id="269"/>
+            <p14:sldId id="270"/>
+          </p14:sldIdLst>
+        </p14:section>
       </p14:sectionLst>
+    </p:ext>
+    <p:ext uri="{EFAFB233-063F-42B5-8137-9DF3F51BA10A}">
+      <p15:sldGuideLst xmlns:p15="http://schemas.microsoft.com/office/powerpoint/2012/main"/>
     </p:ext>
   </p:extLst>
 </p:presentation>
@@ -400,7 +415,7 @@
             <a:fld id="{B61BEF0D-F0BB-DE4B-95CE-6DB70DBA9567}" type="datetimeFigureOut">
               <a:rPr lang="en-US" smtClean="0"/>
               <a:pPr/>
-              <a:t>1/5/23</a:t>
+              <a:t>1/10/23</a:t>
             </a:fld>
             <a:endParaRPr lang="en-US" dirty="0"/>
           </a:p>
@@ -664,7 +679,7 @@
             <a:fld id="{B61BEF0D-F0BB-DE4B-95CE-6DB70DBA9567}" type="datetimeFigureOut">
               <a:rPr lang="en-US" smtClean="0"/>
               <a:pPr/>
-              <a:t>1/5/23</a:t>
+              <a:t>1/10/23</a:t>
             </a:fld>
             <a:endParaRPr lang="en-US" dirty="0"/>
           </a:p>
@@ -901,7 +916,7 @@
             <a:fld id="{B61BEF0D-F0BB-DE4B-95CE-6DB70DBA9567}" type="datetimeFigureOut">
               <a:rPr lang="en-US" smtClean="0"/>
               <a:pPr/>
-              <a:t>1/5/23</a:t>
+              <a:t>1/10/23</a:t>
             </a:fld>
             <a:endParaRPr lang="en-US" dirty="0"/>
           </a:p>
@@ -1143,7 +1158,7 @@
             <a:fld id="{B61BEF0D-F0BB-DE4B-95CE-6DB70DBA9567}" type="datetimeFigureOut">
               <a:rPr lang="en-US" smtClean="0"/>
               <a:pPr/>
-              <a:t>1/5/23</a:t>
+              <a:t>1/10/23</a:t>
             </a:fld>
             <a:endParaRPr lang="en-US" dirty="0"/>
           </a:p>
@@ -1452,7 +1467,7 @@
             <a:fld id="{B61BEF0D-F0BB-DE4B-95CE-6DB70DBA9567}" type="datetimeFigureOut">
               <a:rPr lang="en-US" smtClean="0"/>
               <a:pPr/>
-              <a:t>1/5/23</a:t>
+              <a:t>1/10/23</a:t>
             </a:fld>
             <a:endParaRPr lang="en-US" dirty="0"/>
           </a:p>
@@ -1756,7 +1771,7 @@
             <a:fld id="{B61BEF0D-F0BB-DE4B-95CE-6DB70DBA9567}" type="datetimeFigureOut">
               <a:rPr lang="en-US" smtClean="0"/>
               <a:pPr/>
-              <a:t>1/5/23</a:t>
+              <a:t>1/10/23</a:t>
             </a:fld>
             <a:endParaRPr lang="en-US" dirty="0"/>
           </a:p>
@@ -2180,7 +2195,7 @@
             <a:fld id="{B61BEF0D-F0BB-DE4B-95CE-6DB70DBA9567}" type="datetimeFigureOut">
               <a:rPr lang="en-US" smtClean="0"/>
               <a:pPr/>
-              <a:t>1/5/23</a:t>
+              <a:t>1/10/23</a:t>
             </a:fld>
             <a:endParaRPr lang="en-US" dirty="0"/>
           </a:p>
@@ -2344,7 +2359,7 @@
             <a:fld id="{B61BEF0D-F0BB-DE4B-95CE-6DB70DBA9567}" type="datetimeFigureOut">
               <a:rPr lang="en-US" smtClean="0"/>
               <a:pPr/>
-              <a:t>1/5/23</a:t>
+              <a:t>1/10/23</a:t>
             </a:fld>
             <a:endParaRPr lang="en-US" dirty="0"/>
           </a:p>
@@ -2441,7 +2456,7 @@
             <a:fld id="{B61BEF0D-F0BB-DE4B-95CE-6DB70DBA9567}" type="datetimeFigureOut">
               <a:rPr lang="en-US" smtClean="0"/>
               <a:pPr/>
-              <a:t>1/5/23</a:t>
+              <a:t>1/10/23</a:t>
             </a:fld>
             <a:endParaRPr lang="en-US" dirty="0"/>
           </a:p>
@@ -2821,7 +2836,7 @@
             <a:fld id="{B61BEF0D-F0BB-DE4B-95CE-6DB70DBA9567}" type="datetimeFigureOut">
               <a:rPr lang="en-US" smtClean="0"/>
               <a:pPr/>
-              <a:t>1/5/23</a:t>
+              <a:t>1/10/23</a:t>
             </a:fld>
             <a:endParaRPr lang="en-US" dirty="0"/>
           </a:p>
@@ -3112,7 +3127,7 @@
             <a:fld id="{B61BEF0D-F0BB-DE4B-95CE-6DB70DBA9567}" type="datetimeFigureOut">
               <a:rPr lang="en-US" smtClean="0"/>
               <a:pPr/>
-              <a:t>1/5/23</a:t>
+              <a:t>1/10/23</a:t>
             </a:fld>
             <a:endParaRPr lang="en-US" dirty="0"/>
           </a:p>
@@ -3325,7 +3340,7 @@
             <a:fld id="{B61BEF0D-F0BB-DE4B-95CE-6DB70DBA9567}" type="datetimeFigureOut">
               <a:rPr lang="en-US" smtClean="0"/>
               <a:pPr/>
-              <a:t>1/5/23</a:t>
+              <a:t>1/10/23</a:t>
             </a:fld>
             <a:endParaRPr lang="en-US" dirty="0"/>
           </a:p>
@@ -4019,7 +4034,7 @@
           <p:cNvPr id="2" name="Title 1">
             <a:extLst>
               <a:ext uri="{FF2B5EF4-FFF2-40B4-BE49-F238E27FC236}">
-                <a16:creationId xmlns:a16="http://schemas.microsoft.com/office/drawing/2014/main" id="{C669F73A-6A32-3B1C-89CF-C0BA819133A4}"/>
+                <a16:creationId xmlns:a16="http://schemas.microsoft.com/office/drawing/2014/main" id="{956A72C7-137C-C7B9-9CF9-388F46523C00}"/>
               </a:ext>
             </a:extLst>
           </p:cNvPr>
@@ -4038,17 +4053,17 @@
             <a:pPr algn="ctr"/>
             <a:r>
               <a:rPr lang="en-US" dirty="0"/>
-              <a:t>OO vs FP</a:t>
-            </a:r>
-          </a:p>
-        </p:txBody>
-      </p:sp>
-      <p:sp>
-        <p:nvSpPr>
-          <p:cNvPr id="4" name="Text Placeholder 3">
+              <a:t>The Silver Bullet: Reactive Extensions</a:t>
+            </a:r>
+          </a:p>
+        </p:txBody>
+      </p:sp>
+      <p:sp>
+        <p:nvSpPr>
+          <p:cNvPr id="3" name="Content Placeholder 2">
             <a:extLst>
               <a:ext uri="{FF2B5EF4-FFF2-40B4-BE49-F238E27FC236}">
-                <a16:creationId xmlns:a16="http://schemas.microsoft.com/office/drawing/2014/main" id="{2CD1933E-9261-6FC5-22F2-E5F4ABCF0B33}"/>
+                <a16:creationId xmlns:a16="http://schemas.microsoft.com/office/drawing/2014/main" id="{14E14430-C0A5-1652-6FDD-EA60D4233023}"/>
               </a:ext>
             </a:extLst>
           </p:cNvPr>
@@ -4056,7 +4071,7 @@
             <a:spLocks noGrp="1"/>
           </p:cNvSpPr>
           <p:nvPr>
-            <p:ph type="body" idx="1"/>
+            <p:ph idx="1"/>
           </p:nvPr>
         </p:nvSpPr>
         <p:spPr/>
@@ -4066,115 +4081,19 @@
           <a:p>
             <a:r>
               <a:rPr lang="en-US" dirty="0"/>
-              <a:t>Object Oriented</a:t>
-            </a:r>
-          </a:p>
-        </p:txBody>
-      </p:sp>
-      <p:sp>
-        <p:nvSpPr>
-          <p:cNvPr id="5" name="Content Placeholder 4">
-            <a:extLst>
-              <a:ext uri="{FF2B5EF4-FFF2-40B4-BE49-F238E27FC236}">
-                <a16:creationId xmlns:a16="http://schemas.microsoft.com/office/drawing/2014/main" id="{87BD4B55-A754-BD30-FA36-529119184273}"/>
-              </a:ext>
-            </a:extLst>
-          </p:cNvPr>
-          <p:cNvSpPr>
-            <a:spLocks noGrp="1"/>
-          </p:cNvSpPr>
-          <p:nvPr>
-            <p:ph sz="half" idx="2"/>
-          </p:nvPr>
-        </p:nvSpPr>
-        <p:spPr/>
-        <p:txBody>
-          <a:bodyPr/>
-          <a:lstStyle/>
+              <a:t>Not a silver bullet</a:t>
+            </a:r>
+          </a:p>
           <a:p>
             <a:r>
               <a:rPr lang="en-US" dirty="0"/>
-              <a:t>Errors expected to be handled in scope</a:t>
+              <a:t>Still have to handle FP concerns (learned this the hard way)</a:t>
             </a:r>
           </a:p>
           <a:p>
             <a:r>
               <a:rPr lang="en-US" dirty="0"/>
-              <a:t>Encapsulation is difficult to achieve</a:t>
-            </a:r>
-          </a:p>
-          <a:p>
-            <a:r>
-              <a:rPr lang="en-US" dirty="0"/>
-              <a:t>Mutability as a Design Pattern (MVVM)</a:t>
-            </a:r>
-          </a:p>
-        </p:txBody>
-      </p:sp>
-      <p:sp>
-        <p:nvSpPr>
-          <p:cNvPr id="6" name="Text Placeholder 5">
-            <a:extLst>
-              <a:ext uri="{FF2B5EF4-FFF2-40B4-BE49-F238E27FC236}">
-                <a16:creationId xmlns:a16="http://schemas.microsoft.com/office/drawing/2014/main" id="{C772AB53-0924-E202-2607-C211507F0E7A}"/>
-              </a:ext>
-            </a:extLst>
-          </p:cNvPr>
-          <p:cNvSpPr>
-            <a:spLocks noGrp="1"/>
-          </p:cNvSpPr>
-          <p:nvPr>
-            <p:ph type="body" sz="quarter" idx="3"/>
-          </p:nvPr>
-        </p:nvSpPr>
-        <p:spPr/>
-        <p:txBody>
-          <a:bodyPr/>
-          <a:lstStyle/>
-          <a:p>
-            <a:r>
-              <a:rPr lang="en-US" dirty="0"/>
-              <a:t>Functional</a:t>
-            </a:r>
-          </a:p>
-        </p:txBody>
-      </p:sp>
-      <p:sp>
-        <p:nvSpPr>
-          <p:cNvPr id="7" name="Content Placeholder 6">
-            <a:extLst>
-              <a:ext uri="{FF2B5EF4-FFF2-40B4-BE49-F238E27FC236}">
-                <a16:creationId xmlns:a16="http://schemas.microsoft.com/office/drawing/2014/main" id="{9E9F99CD-E302-19BD-5C10-8FE48B34A89A}"/>
-              </a:ext>
-            </a:extLst>
-          </p:cNvPr>
-          <p:cNvSpPr>
-            <a:spLocks noGrp="1"/>
-          </p:cNvSpPr>
-          <p:nvPr>
-            <p:ph sz="quarter" idx="4"/>
-          </p:nvPr>
-        </p:nvSpPr>
-        <p:spPr/>
-        <p:txBody>
-          <a:bodyPr/>
-          <a:lstStyle/>
-          <a:p>
-            <a:r>
-              <a:rPr lang="en-US" dirty="0"/>
-              <a:t>Errors handled in line</a:t>
-            </a:r>
-          </a:p>
-          <a:p>
-            <a:r>
-              <a:rPr lang="en-US" dirty="0"/>
-              <a:t>Encapsulation is enforced by scope</a:t>
-            </a:r>
-          </a:p>
-          <a:p>
-            <a:r>
-              <a:rPr lang="en-US" dirty="0"/>
-              <a:t>Immutability as a Design Pattern</a:t>
+              <a:t>Have to move modeling away from objects and towards a “pipeline” approach</a:t>
             </a:r>
           </a:p>
         </p:txBody>
@@ -4182,7 +4101,7 @@
     </p:spTree>
     <p:extLst>
       <p:ext uri="{BB962C8B-B14F-4D97-AF65-F5344CB8AC3E}">
-        <p14:creationId xmlns:p14="http://schemas.microsoft.com/office/powerpoint/2010/main" val="560232502"/>
+        <p14:creationId xmlns:p14="http://schemas.microsoft.com/office/powerpoint/2010/main" val="788130530"/>
       </p:ext>
     </p:extLst>
   </p:cSld>
@@ -4214,6 +4133,201 @@
           <p:cNvPr id="2" name="Title 1">
             <a:extLst>
               <a:ext uri="{FF2B5EF4-FFF2-40B4-BE49-F238E27FC236}">
+                <a16:creationId xmlns:a16="http://schemas.microsoft.com/office/drawing/2014/main" id="{C669F73A-6A32-3B1C-89CF-C0BA819133A4}"/>
+              </a:ext>
+            </a:extLst>
+          </p:cNvPr>
+          <p:cNvSpPr>
+            <a:spLocks noGrp="1"/>
+          </p:cNvSpPr>
+          <p:nvPr>
+            <p:ph type="title"/>
+          </p:nvPr>
+        </p:nvSpPr>
+        <p:spPr/>
+        <p:txBody>
+          <a:bodyPr/>
+          <a:lstStyle/>
+          <a:p>
+            <a:pPr algn="ctr"/>
+            <a:r>
+              <a:rPr lang="en-US" dirty="0"/>
+              <a:t>OO vs F</a:t>
+            </a:r>
+          </a:p>
+        </p:txBody>
+      </p:sp>
+      <p:sp>
+        <p:nvSpPr>
+          <p:cNvPr id="4" name="Text Placeholder 3">
+            <a:extLst>
+              <a:ext uri="{FF2B5EF4-FFF2-40B4-BE49-F238E27FC236}">
+                <a16:creationId xmlns:a16="http://schemas.microsoft.com/office/drawing/2014/main" id="{2CD1933E-9261-6FC5-22F2-E5F4ABCF0B33}"/>
+              </a:ext>
+            </a:extLst>
+          </p:cNvPr>
+          <p:cNvSpPr>
+            <a:spLocks noGrp="1"/>
+          </p:cNvSpPr>
+          <p:nvPr>
+            <p:ph type="body" idx="1"/>
+          </p:nvPr>
+        </p:nvSpPr>
+        <p:spPr/>
+        <p:txBody>
+          <a:bodyPr/>
+          <a:lstStyle/>
+          <a:p>
+            <a:r>
+              <a:rPr lang="en-US" dirty="0"/>
+              <a:t>Object-Oriented</a:t>
+            </a:r>
+          </a:p>
+        </p:txBody>
+      </p:sp>
+      <p:sp>
+        <p:nvSpPr>
+          <p:cNvPr id="5" name="Content Placeholder 4">
+            <a:extLst>
+              <a:ext uri="{FF2B5EF4-FFF2-40B4-BE49-F238E27FC236}">
+                <a16:creationId xmlns:a16="http://schemas.microsoft.com/office/drawing/2014/main" id="{87BD4B55-A754-BD30-FA36-529119184273}"/>
+              </a:ext>
+            </a:extLst>
+          </p:cNvPr>
+          <p:cNvSpPr>
+            <a:spLocks noGrp="1"/>
+          </p:cNvSpPr>
+          <p:nvPr>
+            <p:ph sz="half" idx="2"/>
+          </p:nvPr>
+        </p:nvSpPr>
+        <p:spPr/>
+        <p:txBody>
+          <a:bodyPr/>
+          <a:lstStyle/>
+          <a:p>
+            <a:r>
+              <a:rPr lang="en-US" dirty="0"/>
+              <a:t>Errors expected to be handled in scope</a:t>
+            </a:r>
+          </a:p>
+          <a:p>
+            <a:r>
+              <a:rPr lang="en-US" dirty="0"/>
+              <a:t>Encapsulation is difficult to achieve</a:t>
+            </a:r>
+          </a:p>
+          <a:p>
+            <a:r>
+              <a:rPr lang="en-US" dirty="0"/>
+              <a:t>Mutability as a Design Pattern (MVVM)</a:t>
+            </a:r>
+          </a:p>
+        </p:txBody>
+      </p:sp>
+      <p:sp>
+        <p:nvSpPr>
+          <p:cNvPr id="6" name="Text Placeholder 5">
+            <a:extLst>
+              <a:ext uri="{FF2B5EF4-FFF2-40B4-BE49-F238E27FC236}">
+                <a16:creationId xmlns:a16="http://schemas.microsoft.com/office/drawing/2014/main" id="{C772AB53-0924-E202-2607-C211507F0E7A}"/>
+              </a:ext>
+            </a:extLst>
+          </p:cNvPr>
+          <p:cNvSpPr>
+            <a:spLocks noGrp="1"/>
+          </p:cNvSpPr>
+          <p:nvPr>
+            <p:ph type="body" sz="quarter" idx="3"/>
+          </p:nvPr>
+        </p:nvSpPr>
+        <p:spPr/>
+        <p:txBody>
+          <a:bodyPr/>
+          <a:lstStyle/>
+          <a:p>
+            <a:r>
+              <a:rPr lang="en-US" dirty="0"/>
+              <a:t>Functional</a:t>
+            </a:r>
+          </a:p>
+        </p:txBody>
+      </p:sp>
+      <p:sp>
+        <p:nvSpPr>
+          <p:cNvPr id="7" name="Content Placeholder 6">
+            <a:extLst>
+              <a:ext uri="{FF2B5EF4-FFF2-40B4-BE49-F238E27FC236}">
+                <a16:creationId xmlns:a16="http://schemas.microsoft.com/office/drawing/2014/main" id="{9E9F99CD-E302-19BD-5C10-8FE48B34A89A}"/>
+              </a:ext>
+            </a:extLst>
+          </p:cNvPr>
+          <p:cNvSpPr>
+            <a:spLocks noGrp="1"/>
+          </p:cNvSpPr>
+          <p:nvPr>
+            <p:ph sz="quarter" idx="4"/>
+          </p:nvPr>
+        </p:nvSpPr>
+        <p:spPr/>
+        <p:txBody>
+          <a:bodyPr/>
+          <a:lstStyle/>
+          <a:p>
+            <a:r>
+              <a:rPr lang="en-US" dirty="0"/>
+              <a:t>Errors handled in line</a:t>
+            </a:r>
+          </a:p>
+          <a:p>
+            <a:r>
+              <a:rPr lang="en-US" dirty="0"/>
+              <a:t>Encapsulation is enforced by scope</a:t>
+            </a:r>
+          </a:p>
+          <a:p>
+            <a:r>
+              <a:rPr lang="en-US" dirty="0"/>
+              <a:t>Immutability as a Design Pattern (MVU)</a:t>
+            </a:r>
+          </a:p>
+        </p:txBody>
+      </p:sp>
+    </p:spTree>
+    <p:extLst>
+      <p:ext uri="{BB962C8B-B14F-4D97-AF65-F5344CB8AC3E}">
+        <p14:creationId xmlns:p14="http://schemas.microsoft.com/office/powerpoint/2010/main" val="560232502"/>
+      </p:ext>
+    </p:extLst>
+  </p:cSld>
+  <p:clrMapOvr>
+    <a:masterClrMapping/>
+  </p:clrMapOvr>
+</p:sld>
+</file>
+
+<file path=ppt/slides/slide12.xml><?xml version="1.0" encoding="utf-8"?>
+<p:sld xmlns:a="http://schemas.openxmlformats.org/drawingml/2006/main" xmlns:r="http://schemas.openxmlformats.org/officeDocument/2006/relationships" xmlns:p="http://schemas.openxmlformats.org/presentationml/2006/main">
+  <p:cSld>
+    <p:spTree>
+      <p:nvGrpSpPr>
+        <p:cNvPr id="1" name=""/>
+        <p:cNvGrpSpPr/>
+        <p:nvPr/>
+      </p:nvGrpSpPr>
+      <p:grpSpPr>
+        <a:xfrm>
+          <a:off x="0" y="0"/>
+          <a:ext cx="0" cy="0"/>
+          <a:chOff x="0" y="0"/>
+          <a:chExt cx="0" cy="0"/>
+        </a:xfrm>
+      </p:grpSpPr>
+      <p:sp>
+        <p:nvSpPr>
+          <p:cNvPr id="2" name="Title 1">
+            <a:extLst>
+              <a:ext uri="{FF2B5EF4-FFF2-40B4-BE49-F238E27FC236}">
                 <a16:creationId xmlns:a16="http://schemas.microsoft.com/office/drawing/2014/main" id="{28934750-B15D-63C0-A469-BC1A059ABF1A}"/>
               </a:ext>
             </a:extLst>
@@ -4269,6 +4383,359 @@
     <p:extLst>
       <p:ext uri="{BB962C8B-B14F-4D97-AF65-F5344CB8AC3E}">
         <p14:creationId xmlns:p14="http://schemas.microsoft.com/office/powerpoint/2010/main" val="2494897114"/>
+      </p:ext>
+    </p:extLst>
+  </p:cSld>
+  <p:clrMapOvr>
+    <a:masterClrMapping/>
+  </p:clrMapOvr>
+</p:sld>
+</file>
+
+<file path=ppt/slides/slide13.xml><?xml version="1.0" encoding="utf-8"?>
+<p:sld xmlns:a="http://schemas.openxmlformats.org/drawingml/2006/main" xmlns:r="http://schemas.openxmlformats.org/officeDocument/2006/relationships" xmlns:p="http://schemas.openxmlformats.org/presentationml/2006/main">
+  <p:cSld>
+    <p:spTree>
+      <p:nvGrpSpPr>
+        <p:cNvPr id="1" name=""/>
+        <p:cNvGrpSpPr/>
+        <p:nvPr/>
+      </p:nvGrpSpPr>
+      <p:grpSpPr>
+        <a:xfrm>
+          <a:off x="0" y="0"/>
+          <a:ext cx="0" cy="0"/>
+          <a:chOff x="0" y="0"/>
+          <a:chExt cx="0" cy="0"/>
+        </a:xfrm>
+      </p:grpSpPr>
+      <p:sp>
+        <p:nvSpPr>
+          <p:cNvPr id="4" name="Title 3">
+            <a:extLst>
+              <a:ext uri="{FF2B5EF4-FFF2-40B4-BE49-F238E27FC236}">
+                <a16:creationId xmlns:a16="http://schemas.microsoft.com/office/drawing/2014/main" id="{AF7F977F-8F09-112C-F86B-BE958B8E176E}"/>
+              </a:ext>
+            </a:extLst>
+          </p:cNvPr>
+          <p:cNvSpPr>
+            <a:spLocks noGrp="1"/>
+          </p:cNvSpPr>
+          <p:nvPr>
+            <p:ph type="title"/>
+          </p:nvPr>
+        </p:nvSpPr>
+        <p:spPr/>
+        <p:txBody>
+          <a:bodyPr/>
+          <a:lstStyle/>
+          <a:p>
+            <a:r>
+              <a:rPr lang="en-US" dirty="0"/>
+              <a:t>Authentication</a:t>
+            </a:r>
+          </a:p>
+        </p:txBody>
+      </p:sp>
+      <p:sp>
+        <p:nvSpPr>
+          <p:cNvPr id="5" name="Text Placeholder 4">
+            <a:extLst>
+              <a:ext uri="{FF2B5EF4-FFF2-40B4-BE49-F238E27FC236}">
+                <a16:creationId xmlns:a16="http://schemas.microsoft.com/office/drawing/2014/main" id="{5E2000F3-E1AA-0624-4B52-0E5BA7A76791}"/>
+              </a:ext>
+            </a:extLst>
+          </p:cNvPr>
+          <p:cNvSpPr>
+            <a:spLocks noGrp="1"/>
+          </p:cNvSpPr>
+          <p:nvPr>
+            <p:ph type="body" idx="1"/>
+          </p:nvPr>
+        </p:nvSpPr>
+        <p:spPr/>
+        <p:txBody>
+          <a:bodyPr/>
+          <a:lstStyle/>
+          <a:p>
+            <a:r>
+              <a:rPr lang="en-US" dirty="0"/>
+              <a:t>Something every application must handle at some point</a:t>
+            </a:r>
+          </a:p>
+        </p:txBody>
+      </p:sp>
+    </p:spTree>
+    <p:extLst>
+      <p:ext uri="{BB962C8B-B14F-4D97-AF65-F5344CB8AC3E}">
+        <p14:creationId xmlns:p14="http://schemas.microsoft.com/office/powerpoint/2010/main" val="1845297437"/>
+      </p:ext>
+    </p:extLst>
+  </p:cSld>
+  <p:clrMapOvr>
+    <a:masterClrMapping/>
+  </p:clrMapOvr>
+</p:sld>
+</file>
+
+<file path=ppt/slides/slide14.xml><?xml version="1.0" encoding="utf-8"?>
+<p:sld xmlns:a="http://schemas.openxmlformats.org/drawingml/2006/main" xmlns:r="http://schemas.openxmlformats.org/officeDocument/2006/relationships" xmlns:p="http://schemas.openxmlformats.org/presentationml/2006/main">
+  <p:cSld>
+    <p:spTree>
+      <p:nvGrpSpPr>
+        <p:cNvPr id="1" name=""/>
+        <p:cNvGrpSpPr/>
+        <p:nvPr/>
+      </p:nvGrpSpPr>
+      <p:grpSpPr>
+        <a:xfrm>
+          <a:off x="0" y="0"/>
+          <a:ext cx="0" cy="0"/>
+          <a:chOff x="0" y="0"/>
+          <a:chExt cx="0" cy="0"/>
+        </a:xfrm>
+      </p:grpSpPr>
+      <p:sp>
+        <p:nvSpPr>
+          <p:cNvPr id="11" name="Title 10">
+            <a:extLst>
+              <a:ext uri="{FF2B5EF4-FFF2-40B4-BE49-F238E27FC236}">
+                <a16:creationId xmlns:a16="http://schemas.microsoft.com/office/drawing/2014/main" id="{A27890CE-57B8-7F5C-6A57-4558F1628DC2}"/>
+              </a:ext>
+            </a:extLst>
+          </p:cNvPr>
+          <p:cNvSpPr>
+            <a:spLocks noGrp="1"/>
+          </p:cNvSpPr>
+          <p:nvPr>
+            <p:ph type="title"/>
+          </p:nvPr>
+        </p:nvSpPr>
+        <p:spPr/>
+        <p:txBody>
+          <a:bodyPr/>
+          <a:lstStyle/>
+          <a:p>
+            <a:pPr algn="ctr"/>
+            <a:r>
+              <a:rPr lang="en-US" dirty="0"/>
+              <a:t>The question I always hear</a:t>
+            </a:r>
+          </a:p>
+        </p:txBody>
+      </p:sp>
+      <p:sp>
+        <p:nvSpPr>
+          <p:cNvPr id="5" name="Content Placeholder 4">
+            <a:extLst>
+              <a:ext uri="{FF2B5EF4-FFF2-40B4-BE49-F238E27FC236}">
+                <a16:creationId xmlns:a16="http://schemas.microsoft.com/office/drawing/2014/main" id="{51D7A7F4-BEFA-12AB-0BBD-87E3C900EBE6}"/>
+              </a:ext>
+            </a:extLst>
+          </p:cNvPr>
+          <p:cNvSpPr>
+            <a:spLocks noGrp="1"/>
+          </p:cNvSpPr>
+          <p:nvPr>
+            <p:ph idx="1"/>
+          </p:nvPr>
+        </p:nvSpPr>
+        <p:spPr>
+          <a:xfrm>
+            <a:off x="2707225" y="2222059"/>
+            <a:ext cx="6777550" cy="3678303"/>
+          </a:xfrm>
+        </p:spPr>
+        <p:txBody>
+          <a:bodyPr/>
+          <a:lstStyle/>
+          <a:p>
+            <a:pPr marL="0" indent="0">
+              <a:buNone/>
+            </a:pPr>
+            <a:r>
+              <a:rPr lang="en-US" dirty="0"/>
+              <a:t>“Rodney, Rx and </a:t>
+            </a:r>
+            <a:r>
+              <a:rPr lang="en-US" dirty="0" err="1"/>
+              <a:t>Fp</a:t>
+            </a:r>
+            <a:r>
+              <a:rPr lang="en-US" dirty="0"/>
+              <a:t> are great, I’m sure.  Can you show a side-by-side example so I can understand </a:t>
+            </a:r>
+            <a:r>
+              <a:rPr lang="en-US" b="1" i="1" dirty="0"/>
+              <a:t>why</a:t>
+            </a:r>
+            <a:r>
+              <a:rPr lang="en-US" dirty="0"/>
+              <a:t> this approach is ’elegant’?!”</a:t>
+            </a:r>
+            <a:endParaRPr lang="en-US" b="1" i="1" dirty="0"/>
+          </a:p>
+        </p:txBody>
+      </p:sp>
+      <p:sp>
+        <p:nvSpPr>
+          <p:cNvPr id="12" name="TextBox 11">
+            <a:extLst>
+              <a:ext uri="{FF2B5EF4-FFF2-40B4-BE49-F238E27FC236}">
+                <a16:creationId xmlns:a16="http://schemas.microsoft.com/office/drawing/2014/main" id="{7FDA79C4-B856-A5D9-9B77-1EADCF56D945}"/>
+              </a:ext>
+            </a:extLst>
+          </p:cNvPr>
+          <p:cNvSpPr txBox="1"/>
+          <p:nvPr/>
+        </p:nvSpPr>
+        <p:spPr>
+          <a:xfrm>
+            <a:off x="5560725" y="5236502"/>
+            <a:ext cx="535275" cy="369332"/>
+          </a:xfrm>
+          <a:prstGeom prst="rect">
+            <a:avLst/>
+          </a:prstGeom>
+          <a:noFill/>
+        </p:spPr>
+        <p:txBody>
+          <a:bodyPr wrap="none" rtlCol="0">
+            <a:spAutoFit/>
+          </a:bodyPr>
+          <a:lstStyle/>
+          <a:p>
+            <a:r>
+              <a:rPr lang="en-US" dirty="0"/>
+              <a:t>No.</a:t>
+            </a:r>
+          </a:p>
+        </p:txBody>
+      </p:sp>
+    </p:spTree>
+    <p:extLst>
+      <p:ext uri="{BB962C8B-B14F-4D97-AF65-F5344CB8AC3E}">
+        <p14:creationId xmlns:p14="http://schemas.microsoft.com/office/powerpoint/2010/main" val="212114766"/>
+      </p:ext>
+    </p:extLst>
+  </p:cSld>
+  <p:clrMapOvr>
+    <a:masterClrMapping/>
+  </p:clrMapOvr>
+</p:sld>
+</file>
+
+<file path=ppt/slides/slide15.xml><?xml version="1.0" encoding="utf-8"?>
+<p:sld xmlns:a="http://schemas.openxmlformats.org/drawingml/2006/main" xmlns:r="http://schemas.openxmlformats.org/officeDocument/2006/relationships" xmlns:p="http://schemas.openxmlformats.org/presentationml/2006/main">
+  <p:cSld>
+    <p:spTree>
+      <p:nvGrpSpPr>
+        <p:cNvPr id="1" name=""/>
+        <p:cNvGrpSpPr/>
+        <p:nvPr/>
+      </p:nvGrpSpPr>
+      <p:grpSpPr>
+        <a:xfrm>
+          <a:off x="0" y="0"/>
+          <a:ext cx="0" cy="0"/>
+          <a:chOff x="0" y="0"/>
+          <a:chExt cx="0" cy="0"/>
+        </a:xfrm>
+      </p:grpSpPr>
+      <p:sp>
+        <p:nvSpPr>
+          <p:cNvPr id="2" name="Title 1">
+            <a:extLst>
+              <a:ext uri="{FF2B5EF4-FFF2-40B4-BE49-F238E27FC236}">
+                <a16:creationId xmlns:a16="http://schemas.microsoft.com/office/drawing/2014/main" id="{32C5CAD7-13A1-D1C4-B80A-ED64E0267210}"/>
+              </a:ext>
+            </a:extLst>
+          </p:cNvPr>
+          <p:cNvSpPr>
+            <a:spLocks noGrp="1"/>
+          </p:cNvSpPr>
+          <p:nvPr>
+            <p:ph type="title"/>
+          </p:nvPr>
+        </p:nvSpPr>
+        <p:spPr/>
+        <p:txBody>
+          <a:bodyPr/>
+          <a:lstStyle/>
+          <a:p>
+            <a:pPr algn="ctr"/>
+            <a:r>
+              <a:rPr lang="en-US" dirty="0"/>
+              <a:t>A domain everyone has code for</a:t>
+            </a:r>
+          </a:p>
+        </p:txBody>
+      </p:sp>
+      <p:sp>
+        <p:nvSpPr>
+          <p:cNvPr id="3" name="Content Placeholder 2">
+            <a:extLst>
+              <a:ext uri="{FF2B5EF4-FFF2-40B4-BE49-F238E27FC236}">
+                <a16:creationId xmlns:a16="http://schemas.microsoft.com/office/drawing/2014/main" id="{A38D9EB6-961B-83BC-31C3-4A11B1CF3266}"/>
+              </a:ext>
+            </a:extLst>
+          </p:cNvPr>
+          <p:cNvSpPr>
+            <a:spLocks noGrp="1"/>
+          </p:cNvSpPr>
+          <p:nvPr>
+            <p:ph idx="1"/>
+          </p:nvPr>
+        </p:nvSpPr>
+        <p:spPr/>
+        <p:txBody>
+          <a:bodyPr/>
+          <a:lstStyle/>
+          <a:p>
+            <a:r>
+              <a:rPr lang="en-US" dirty="0"/>
+              <a:t>Allow unauthenticated users</a:t>
+            </a:r>
+          </a:p>
+          <a:p>
+            <a:r>
+              <a:rPr lang="en-US" dirty="0"/>
+              <a:t>Check for a stored user id</a:t>
+            </a:r>
+          </a:p>
+          <a:p>
+            <a:pPr lvl="1"/>
+            <a:r>
+              <a:rPr lang="en-US" dirty="0"/>
+              <a:t>Attempt to send users down the login path</a:t>
+            </a:r>
+          </a:p>
+          <a:p>
+            <a:pPr lvl="2"/>
+            <a:r>
+              <a:rPr lang="en-US" dirty="0"/>
+              <a:t>Obtain Access Token</a:t>
+            </a:r>
+          </a:p>
+          <a:p>
+            <a:pPr lvl="2"/>
+            <a:r>
+              <a:rPr lang="en-US" dirty="0"/>
+              <a:t>Obtain Refresh Token</a:t>
+            </a:r>
+          </a:p>
+          <a:p>
+            <a:r>
+              <a:rPr lang="en-US" dirty="0"/>
+              <a:t>Store User Account</a:t>
+            </a:r>
+          </a:p>
+        </p:txBody>
+      </p:sp>
+    </p:spTree>
+    <p:extLst>
+      <p:ext uri="{BB962C8B-B14F-4D97-AF65-F5344CB8AC3E}">
+        <p14:creationId xmlns:p14="http://schemas.microsoft.com/office/powerpoint/2010/main" val="471470999"/>
       </p:ext>
     </p:extLst>
   </p:cSld>
@@ -4478,6 +4945,76 @@
           </a:p>
         </p:txBody>
       </p:sp>
+      <p:sp>
+        <p:nvSpPr>
+          <p:cNvPr id="2" name="TextBox 1">
+            <a:extLst>
+              <a:ext uri="{FF2B5EF4-FFF2-40B4-BE49-F238E27FC236}">
+                <a16:creationId xmlns:a16="http://schemas.microsoft.com/office/drawing/2014/main" id="{780597A1-CAA1-FEF8-3AE8-CB7358E3F754}"/>
+              </a:ext>
+            </a:extLst>
+          </p:cNvPr>
+          <p:cNvSpPr txBox="1"/>
+          <p:nvPr/>
+        </p:nvSpPr>
+        <p:spPr>
+          <a:xfrm>
+            <a:off x="3776870" y="1800402"/>
+            <a:ext cx="4041876" cy="369332"/>
+          </a:xfrm>
+          <a:prstGeom prst="rect">
+            <a:avLst/>
+          </a:prstGeom>
+          <a:noFill/>
+        </p:spPr>
+        <p:txBody>
+          <a:bodyPr wrap="none" rtlCol="0">
+            <a:spAutoFit/>
+          </a:bodyPr>
+          <a:lstStyle/>
+          <a:p>
+            <a:r>
+              <a:rPr lang="en-US" dirty="0"/>
+              <a:t>I thought I knew Functional Programming</a:t>
+            </a:r>
+          </a:p>
+        </p:txBody>
+      </p:sp>
+      <p:sp>
+        <p:nvSpPr>
+          <p:cNvPr id="3" name="TextBox 2">
+            <a:extLst>
+              <a:ext uri="{FF2B5EF4-FFF2-40B4-BE49-F238E27FC236}">
+                <a16:creationId xmlns:a16="http://schemas.microsoft.com/office/drawing/2014/main" id="{7F8A9971-8C21-70A7-1B72-76CE919CD1CC}"/>
+              </a:ext>
+            </a:extLst>
+          </p:cNvPr>
+          <p:cNvSpPr txBox="1"/>
+          <p:nvPr/>
+        </p:nvSpPr>
+        <p:spPr>
+          <a:xfrm>
+            <a:off x="5145630" y="1124542"/>
+            <a:ext cx="1142620" cy="369332"/>
+          </a:xfrm>
+          <a:prstGeom prst="rect">
+            <a:avLst/>
+          </a:prstGeom>
+          <a:noFill/>
+        </p:spPr>
+        <p:txBody>
+          <a:bodyPr wrap="none" rtlCol="0">
+            <a:spAutoFit/>
+          </a:bodyPr>
+          <a:lstStyle/>
+          <a:p>
+            <a:r>
+              <a:rPr lang="en-US" dirty="0"/>
+              <a:t>I know Rx</a:t>
+            </a:r>
+          </a:p>
+        </p:txBody>
+      </p:sp>
     </p:spTree>
     <p:extLst>
       <p:ext uri="{BB962C8B-B14F-4D97-AF65-F5344CB8AC3E}">
@@ -4513,7 +5050,7 @@
           <p:cNvPr id="2" name="Title 1">
             <a:extLst>
               <a:ext uri="{FF2B5EF4-FFF2-40B4-BE49-F238E27FC236}">
-                <a16:creationId xmlns:a16="http://schemas.microsoft.com/office/drawing/2014/main" id="{AC9E3651-7C1D-74E4-3F6D-AC9399C17DF4}"/>
+                <a16:creationId xmlns:a16="http://schemas.microsoft.com/office/drawing/2014/main" id="{63031C47-55FA-30B0-0183-9945C6ADF993}"/>
               </a:ext>
             </a:extLst>
           </p:cNvPr>
@@ -4531,17 +5068,17 @@
           <a:p>
             <a:r>
               <a:rPr lang="en-US" dirty="0"/>
-              <a:t>Objective</a:t>
-            </a:r>
-          </a:p>
-        </p:txBody>
-      </p:sp>
-      <p:sp>
-        <p:nvSpPr>
-          <p:cNvPr id="3" name="Text Placeholder 2">
+              <a:t>disclaimers</a:t>
+            </a:r>
+          </a:p>
+        </p:txBody>
+      </p:sp>
+      <p:sp>
+        <p:nvSpPr>
+          <p:cNvPr id="3" name="Content Placeholder 2">
             <a:extLst>
               <a:ext uri="{FF2B5EF4-FFF2-40B4-BE49-F238E27FC236}">
-                <a16:creationId xmlns:a16="http://schemas.microsoft.com/office/drawing/2014/main" id="{E4C2F727-A449-49B3-7A97-F1DF5EEADC0D}"/>
+                <a16:creationId xmlns:a16="http://schemas.microsoft.com/office/drawing/2014/main" id="{94768E96-1F05-F2E5-9436-450DF51D5D44}"/>
               </a:ext>
             </a:extLst>
           </p:cNvPr>
@@ -4549,7 +5086,7 @@
             <a:spLocks noGrp="1"/>
           </p:cNvSpPr>
           <p:nvPr>
-            <p:ph type="body" idx="1"/>
+            <p:ph idx="1"/>
           </p:nvPr>
         </p:nvSpPr>
         <p:spPr/>
@@ -4559,15 +5096,19 @@
           <a:p>
             <a:r>
               <a:rPr lang="en-US" dirty="0"/>
-              <a:t>Everything is an object; </a:t>
-            </a:r>
-            <a:r>
-              <a:rPr lang="en-US" dirty="0" err="1"/>
-              <a:t>MorE</a:t>
-            </a:r>
+              <a:t>I am not an authority</a:t>
+            </a:r>
+          </a:p>
+          <a:p>
             <a:r>
               <a:rPr lang="en-US" dirty="0"/>
-              <a:t> Objects, More Problems.</a:t>
+              <a:t>I thought I understand Functional Programming because of Reactive Extensions, I did not</a:t>
+            </a:r>
+          </a:p>
+          <a:p>
+            <a:r>
+              <a:rPr lang="en-US" dirty="0"/>
+              <a:t>This is more functional programming jargon, “objective” programmers need not agree</a:t>
             </a:r>
           </a:p>
         </p:txBody>
@@ -4575,7 +5116,7 @@
     </p:spTree>
     <p:extLst>
       <p:ext uri="{BB962C8B-B14F-4D97-AF65-F5344CB8AC3E}">
-        <p14:creationId xmlns:p14="http://schemas.microsoft.com/office/powerpoint/2010/main" val="569485643"/>
+        <p14:creationId xmlns:p14="http://schemas.microsoft.com/office/powerpoint/2010/main" val="2059918176"/>
       </p:ext>
     </p:extLst>
   </p:cSld>
@@ -4607,7 +5148,7 @@
           <p:cNvPr id="2" name="Title 1">
             <a:extLst>
               <a:ext uri="{FF2B5EF4-FFF2-40B4-BE49-F238E27FC236}">
-                <a16:creationId xmlns:a16="http://schemas.microsoft.com/office/drawing/2014/main" id="{32DD53EE-3F7D-20AC-CCDD-936D26A986BD}"/>
+                <a16:creationId xmlns:a16="http://schemas.microsoft.com/office/drawing/2014/main" id="{AC9E3651-7C1D-74E4-3F6D-AC9399C17DF4}"/>
               </a:ext>
             </a:extLst>
           </p:cNvPr>
@@ -4625,17 +5166,17 @@
           <a:p>
             <a:r>
               <a:rPr lang="en-US" dirty="0"/>
-              <a:t>Object Oriented Basics</a:t>
-            </a:r>
-          </a:p>
-        </p:txBody>
-      </p:sp>
-      <p:sp>
-        <p:nvSpPr>
-          <p:cNvPr id="3" name="Content Placeholder 2">
+              <a:t>Objective</a:t>
+            </a:r>
+          </a:p>
+        </p:txBody>
+      </p:sp>
+      <p:sp>
+        <p:nvSpPr>
+          <p:cNvPr id="3" name="Text Placeholder 2">
             <a:extLst>
               <a:ext uri="{FF2B5EF4-FFF2-40B4-BE49-F238E27FC236}">
-                <a16:creationId xmlns:a16="http://schemas.microsoft.com/office/drawing/2014/main" id="{CB15A03F-54FF-D3E2-B3E1-02E6E346B641}"/>
+                <a16:creationId xmlns:a16="http://schemas.microsoft.com/office/drawing/2014/main" id="{E4C2F727-A449-49B3-7A97-F1DF5EEADC0D}"/>
               </a:ext>
             </a:extLst>
           </p:cNvPr>
@@ -4643,7 +5184,7 @@
             <a:spLocks noGrp="1"/>
           </p:cNvSpPr>
           <p:nvPr>
-            <p:ph idx="1"/>
+            <p:ph type="body" idx="1"/>
           </p:nvPr>
         </p:nvSpPr>
         <p:spPr/>
@@ -4653,25 +5194,15 @@
           <a:p>
             <a:r>
               <a:rPr lang="en-US" dirty="0"/>
-              <a:t>Abstraction</a:t>
-            </a:r>
-          </a:p>
-          <a:p>
+              <a:t>Everything is an object; </a:t>
+            </a:r>
+            <a:r>
+              <a:rPr lang="en-US" dirty="0" err="1"/>
+              <a:t>MorE</a:t>
+            </a:r>
             <a:r>
               <a:rPr lang="en-US" dirty="0"/>
-              <a:t>Encapsulation</a:t>
-            </a:r>
-          </a:p>
-          <a:p>
-            <a:r>
-              <a:rPr lang="en-US" dirty="0"/>
-              <a:t>Inheritance</a:t>
-            </a:r>
-          </a:p>
-          <a:p>
-            <a:r>
-              <a:rPr lang="en-US" dirty="0"/>
-              <a:t>Polymorphism</a:t>
+              <a:t> Objects, More Problems.</a:t>
             </a:r>
           </a:p>
         </p:txBody>
@@ -4679,7 +5210,7 @@
     </p:spTree>
     <p:extLst>
       <p:ext uri="{BB962C8B-B14F-4D97-AF65-F5344CB8AC3E}">
-        <p14:creationId xmlns:p14="http://schemas.microsoft.com/office/powerpoint/2010/main" val="1188321930"/>
+        <p14:creationId xmlns:p14="http://schemas.microsoft.com/office/powerpoint/2010/main" val="569485643"/>
       </p:ext>
     </p:extLst>
   </p:cSld>
@@ -4711,7 +5242,7 @@
           <p:cNvPr id="2" name="Title 1">
             <a:extLst>
               <a:ext uri="{FF2B5EF4-FFF2-40B4-BE49-F238E27FC236}">
-                <a16:creationId xmlns:a16="http://schemas.microsoft.com/office/drawing/2014/main" id="{985BBD09-9D83-5772-D5C8-377B4C42058C}"/>
+                <a16:creationId xmlns:a16="http://schemas.microsoft.com/office/drawing/2014/main" id="{32DD53EE-3F7D-20AC-CCDD-936D26A986BD}"/>
               </a:ext>
             </a:extLst>
           </p:cNvPr>
@@ -4729,12 +5260,8 @@
           <a:p>
             <a:r>
               <a:rPr lang="en-US" dirty="0"/>
-              <a:t>Functional Paradigms</a:t>
-            </a:r>
-            <a:br>
-              <a:rPr lang="en-US" dirty="0"/>
-            </a:br>
-            <a:endParaRPr lang="en-US" dirty="0"/>
+              <a:t>Object Oriented Basics</a:t>
+            </a:r>
           </a:p>
         </p:txBody>
       </p:sp>
@@ -4743,7 +5270,7 @@
           <p:cNvPr id="3" name="Content Placeholder 2">
             <a:extLst>
               <a:ext uri="{FF2B5EF4-FFF2-40B4-BE49-F238E27FC236}">
-                <a16:creationId xmlns:a16="http://schemas.microsoft.com/office/drawing/2014/main" id="{9CDEC449-C911-E4C6-38F8-A0D9E28AA850}"/>
+                <a16:creationId xmlns:a16="http://schemas.microsoft.com/office/drawing/2014/main" id="{CB15A03F-54FF-D3E2-B3E1-02E6E346B641}"/>
               </a:ext>
             </a:extLst>
           </p:cNvPr>
@@ -4761,19 +5288,25 @@
           <a:p>
             <a:r>
               <a:rPr lang="en-US" dirty="0"/>
-              <a:t>Type Restrictions as Validation</a:t>
+              <a:t>Abstraction</a:t>
             </a:r>
           </a:p>
           <a:p>
             <a:r>
               <a:rPr lang="en-US" dirty="0"/>
-              <a:t>Monadic Operations (we’ll explain this I promise)</a:t>
+              <a:t>Encapsulation</a:t>
             </a:r>
           </a:p>
           <a:p>
             <a:r>
               <a:rPr lang="en-US" dirty="0"/>
-              <a:t>Functions</a:t>
+              <a:t>Inheritance</a:t>
+            </a:r>
+          </a:p>
+          <a:p>
+            <a:r>
+              <a:rPr lang="en-US" dirty="0"/>
+              <a:t>Polymorphism</a:t>
             </a:r>
           </a:p>
         </p:txBody>
@@ -4781,7 +5314,7 @@
     </p:spTree>
     <p:extLst>
       <p:ext uri="{BB962C8B-B14F-4D97-AF65-F5344CB8AC3E}">
-        <p14:creationId xmlns:p14="http://schemas.microsoft.com/office/powerpoint/2010/main" val="3355305830"/>
+        <p14:creationId xmlns:p14="http://schemas.microsoft.com/office/powerpoint/2010/main" val="1188321930"/>
       </p:ext>
     </p:extLst>
   </p:cSld>
@@ -4813,7 +5346,7 @@
           <p:cNvPr id="2" name="Title 1">
             <a:extLst>
               <a:ext uri="{FF2B5EF4-FFF2-40B4-BE49-F238E27FC236}">
-                <a16:creationId xmlns:a16="http://schemas.microsoft.com/office/drawing/2014/main" id="{AFDBFE67-E338-020F-AA8A-85874AEDF83E}"/>
+                <a16:creationId xmlns:a16="http://schemas.microsoft.com/office/drawing/2014/main" id="{985BBD09-9D83-5772-D5C8-377B4C42058C}"/>
               </a:ext>
             </a:extLst>
           </p:cNvPr>
@@ -4831,8 +5364,12 @@
           <a:p>
             <a:r>
               <a:rPr lang="en-US" dirty="0"/>
-              <a:t>Add FP Books explanation of what a workflow looks like</a:t>
-            </a:r>
+              <a:t>Functional Paradigms</a:t>
+            </a:r>
+            <a:br>
+              <a:rPr lang="en-US" dirty="0"/>
+            </a:br>
+            <a:endParaRPr lang="en-US" dirty="0"/>
           </a:p>
         </p:txBody>
       </p:sp>
@@ -4841,7 +5378,7 @@
           <p:cNvPr id="3" name="Content Placeholder 2">
             <a:extLst>
               <a:ext uri="{FF2B5EF4-FFF2-40B4-BE49-F238E27FC236}">
-                <a16:creationId xmlns:a16="http://schemas.microsoft.com/office/drawing/2014/main" id="{5DDE1113-DBE0-CCC3-4AA9-85233F53F330}"/>
+                <a16:creationId xmlns:a16="http://schemas.microsoft.com/office/drawing/2014/main" id="{9CDEC449-C911-E4C6-38F8-A0D9E28AA850}"/>
               </a:ext>
             </a:extLst>
           </p:cNvPr>
@@ -4859,41 +5396,19 @@
           <a:p>
             <a:r>
               <a:rPr lang="en-US" dirty="0"/>
-              <a:t>Composing the pipeline steps together</a:t>
+              <a:t>Type Restrictions as Validation</a:t>
             </a:r>
           </a:p>
           <a:p>
             <a:r>
               <a:rPr lang="en-US" dirty="0"/>
-              <a:t>Looks just like how I compose my API services</a:t>
-            </a:r>
-          </a:p>
-          <a:p>
-            <a:pPr lvl="1"/>
+              <a:t>Monadic Operations (we’ll explain this I promise)</a:t>
+            </a:r>
+          </a:p>
+          <a:p>
             <a:r>
               <a:rPr lang="en-US" dirty="0"/>
-              <a:t>Client</a:t>
-            </a:r>
-          </a:p>
-          <a:p>
-            <a:pPr lvl="2"/>
-            <a:r>
-              <a:rPr lang="en-US" dirty="0"/>
-              <a:t>Caches</a:t>
-            </a:r>
-          </a:p>
-          <a:p>
-            <a:pPr lvl="1"/>
-            <a:r>
-              <a:rPr lang="en-US" dirty="0"/>
-              <a:t>Service</a:t>
-            </a:r>
-          </a:p>
-          <a:p>
-            <a:pPr lvl="2"/>
-            <a:r>
-              <a:rPr lang="en-US" dirty="0"/>
-              <a:t>Caches</a:t>
+              <a:t>Functions</a:t>
             </a:r>
           </a:p>
         </p:txBody>
@@ -4901,7 +5416,7 @@
     </p:spTree>
     <p:extLst>
       <p:ext uri="{BB962C8B-B14F-4D97-AF65-F5344CB8AC3E}">
-        <p14:creationId xmlns:p14="http://schemas.microsoft.com/office/powerpoint/2010/main" val="1707269977"/>
+        <p14:creationId xmlns:p14="http://schemas.microsoft.com/office/powerpoint/2010/main" val="3355305830"/>
       </p:ext>
     </p:extLst>
   </p:cSld>
@@ -4930,10 +5445,10 @@
       </p:grpSpPr>
       <p:sp>
         <p:nvSpPr>
-          <p:cNvPr id="4" name="Title 3">
+          <p:cNvPr id="2" name="Title 1">
             <a:extLst>
               <a:ext uri="{FF2B5EF4-FFF2-40B4-BE49-F238E27FC236}">
-                <a16:creationId xmlns:a16="http://schemas.microsoft.com/office/drawing/2014/main" id="{286B93D1-123B-7521-C5F3-F0541A63F624}"/>
+                <a16:creationId xmlns:a16="http://schemas.microsoft.com/office/drawing/2014/main" id="{AFDBFE67-E338-020F-AA8A-85874AEDF83E}"/>
               </a:ext>
             </a:extLst>
           </p:cNvPr>
@@ -4949,20 +5464,19 @@
           <a:bodyPr/>
           <a:lstStyle/>
           <a:p>
-            <a:pPr algn="ctr"/>
             <a:r>
               <a:rPr lang="en-US" dirty="0"/>
-              <a:t>The light bulb moment</a:t>
-            </a:r>
-          </a:p>
-        </p:txBody>
-      </p:sp>
-      <p:sp>
-        <p:nvSpPr>
-          <p:cNvPr id="5" name="Text Placeholder 4">
+              <a:t>Add FP Books explanation of what a workflow looks like</a:t>
+            </a:r>
+          </a:p>
+        </p:txBody>
+      </p:sp>
+      <p:sp>
+        <p:nvSpPr>
+          <p:cNvPr id="3" name="Content Placeholder 2">
             <a:extLst>
               <a:ext uri="{FF2B5EF4-FFF2-40B4-BE49-F238E27FC236}">
-                <a16:creationId xmlns:a16="http://schemas.microsoft.com/office/drawing/2014/main" id="{4477CC2F-F74C-33CE-B711-ED9852763A59}"/>
+                <a16:creationId xmlns:a16="http://schemas.microsoft.com/office/drawing/2014/main" id="{5DDE1113-DBE0-CCC3-4AA9-85233F53F330}"/>
               </a:ext>
             </a:extLst>
           </p:cNvPr>
@@ -4970,7 +5484,7 @@
             <a:spLocks noGrp="1"/>
           </p:cNvSpPr>
           <p:nvPr>
-            <p:ph type="body" idx="1"/>
+            <p:ph idx="1"/>
           </p:nvPr>
         </p:nvSpPr>
         <p:spPr/>
@@ -4980,2145 +5494,49 @@
           <a:p>
             <a:r>
               <a:rPr lang="en-US" dirty="0"/>
-              <a:t>C# Dependencies with Functions …</a:t>
-            </a:r>
-          </a:p>
-        </p:txBody>
-      </p:sp>
-      <p:sp>
-        <p:nvSpPr>
-          <p:cNvPr id="6" name="Content Placeholder 5">
-            <a:extLst>
-              <a:ext uri="{FF2B5EF4-FFF2-40B4-BE49-F238E27FC236}">
-                <a16:creationId xmlns:a16="http://schemas.microsoft.com/office/drawing/2014/main" id="{F59DC9C1-35BB-63FC-52FF-0125FB764E60}"/>
-              </a:ext>
-            </a:extLst>
-          </p:cNvPr>
-          <p:cNvSpPr>
-            <a:spLocks noGrp="1"/>
-          </p:cNvSpPr>
-          <p:nvPr>
-            <p:ph sz="half" idx="2"/>
-          </p:nvPr>
-        </p:nvSpPr>
-        <p:spPr/>
-        <p:txBody>
-          <a:bodyPr>
-            <a:normAutofit fontScale="47500" lnSpcReduction="20000"/>
-          </a:bodyPr>
-          <a:lstStyle/>
-          <a:p>
-            <a:br>
-              <a:rPr lang="en-US" sz="1800" dirty="0">
-                <a:solidFill>
-                  <a:srgbClr val="475F76"/>
-                </a:solidFill>
-                <a:effectLst/>
-                <a:latin typeface="JetBrains Mono"/>
-              </a:rPr>
-            </a:br>
-            <a:r>
-              <a:rPr lang="en-US" sz="1800" i="1" dirty="0">
-                <a:solidFill>
-                  <a:srgbClr val="B877DB"/>
-                </a:solidFill>
-                <a:effectLst/>
-                <a:latin typeface="JetBrains Mono"/>
-              </a:rPr>
-              <a:t>public </a:t>
-            </a:r>
-            <a:r>
-              <a:rPr lang="en-US" sz="1800" dirty="0" err="1">
-                <a:solidFill>
-                  <a:srgbClr val="BAACFF"/>
-                </a:solidFill>
-                <a:effectLst/>
-                <a:latin typeface="JetBrains Mono"/>
-              </a:rPr>
-              <a:t>StoreApiClient</a:t>
-            </a:r>
-            <a:r>
-              <a:rPr lang="en-US" sz="1800" dirty="0">
-                <a:solidFill>
-                  <a:srgbClr val="B4C2F0"/>
-                </a:solidFill>
-                <a:effectLst/>
-                <a:latin typeface="JetBrains Mono"/>
-              </a:rPr>
-              <a:t>(</a:t>
-            </a:r>
-            <a:r>
-              <a:rPr lang="en-US" sz="1800" i="1" dirty="0" err="1">
-                <a:solidFill>
-                  <a:srgbClr val="5C7EB1"/>
-                </a:solidFill>
-                <a:effectLst/>
-                <a:latin typeface="JetBrains Mono"/>
-              </a:rPr>
-              <a:t>IStoreApiContract</a:t>
-            </a:r>
-            <a:r>
-              <a:rPr lang="en-US" sz="1800" i="1" dirty="0">
-                <a:solidFill>
-                  <a:srgbClr val="5C7EB1"/>
-                </a:solidFill>
-                <a:effectLst/>
-                <a:latin typeface="JetBrains Mono"/>
-              </a:rPr>
-              <a:t> </a:t>
-            </a:r>
-            <a:r>
-              <a:rPr lang="en-US" sz="1800" dirty="0" err="1">
-                <a:solidFill>
-                  <a:srgbClr val="7FC2EF"/>
-                </a:solidFill>
-                <a:effectLst/>
-                <a:latin typeface="JetBrains Mono"/>
-              </a:rPr>
-              <a:t>apiContract</a:t>
-            </a:r>
-            <a:r>
-              <a:rPr lang="en-US" sz="1800" dirty="0">
-                <a:solidFill>
-                  <a:srgbClr val="B4C2F0"/>
-                </a:solidFill>
-                <a:effectLst/>
-                <a:latin typeface="JetBrains Mono"/>
-              </a:rPr>
-              <a:t>, </a:t>
-            </a:r>
-            <a:r>
-              <a:rPr lang="en-US" sz="1800" i="1" dirty="0" err="1">
-                <a:solidFill>
-                  <a:srgbClr val="5C7EB1"/>
-                </a:solidFill>
-                <a:effectLst/>
-                <a:latin typeface="JetBrains Mono"/>
-              </a:rPr>
-              <a:t>IBlobCache</a:t>
-            </a:r>
-            <a:r>
-              <a:rPr lang="en-US" sz="1800" i="1" dirty="0">
-                <a:solidFill>
-                  <a:srgbClr val="5C7EB1"/>
-                </a:solidFill>
-                <a:effectLst/>
-                <a:latin typeface="JetBrains Mono"/>
-              </a:rPr>
-              <a:t> </a:t>
-            </a:r>
-            <a:r>
-              <a:rPr lang="en-US" sz="1800" dirty="0" err="1">
-                <a:solidFill>
-                  <a:srgbClr val="7FC2EF"/>
-                </a:solidFill>
-                <a:effectLst/>
-                <a:latin typeface="JetBrains Mono"/>
-              </a:rPr>
-              <a:t>blobCache</a:t>
-            </a:r>
-            <a:r>
-              <a:rPr lang="en-US" sz="1800" dirty="0">
-                <a:solidFill>
-                  <a:srgbClr val="B4C2F0"/>
-                </a:solidFill>
-                <a:effectLst/>
-                <a:latin typeface="JetBrains Mono"/>
-              </a:rPr>
-              <a:t>, </a:t>
-            </a:r>
-            <a:r>
-              <a:rPr lang="en-US" sz="1800" i="1" dirty="0" err="1">
-                <a:solidFill>
-                  <a:srgbClr val="5C7EB1"/>
-                </a:solidFill>
-                <a:effectLst/>
-                <a:latin typeface="JetBrains Mono"/>
-              </a:rPr>
-              <a:t>ILogManager</a:t>
-            </a:r>
-            <a:r>
-              <a:rPr lang="en-US" sz="1800" i="1" dirty="0">
-                <a:solidFill>
-                  <a:srgbClr val="5C7EB1"/>
-                </a:solidFill>
-                <a:effectLst/>
-                <a:latin typeface="JetBrains Mono"/>
-              </a:rPr>
-              <a:t> </a:t>
-            </a:r>
-            <a:r>
-              <a:rPr lang="en-US" sz="1800" dirty="0">
-                <a:solidFill>
-                  <a:srgbClr val="7FC2EF"/>
-                </a:solidFill>
-                <a:effectLst/>
-                <a:latin typeface="JetBrains Mono"/>
-              </a:rPr>
-              <a:t>logger</a:t>
-            </a:r>
-            <a:r>
-              <a:rPr lang="en-US" sz="1800" dirty="0">
-                <a:solidFill>
-                  <a:srgbClr val="B4C2F0"/>
-                </a:solidFill>
-                <a:effectLst/>
-                <a:latin typeface="JetBrains Mono"/>
-              </a:rPr>
-              <a:t>)</a:t>
-            </a:r>
-            <a:br>
-              <a:rPr lang="en-US" sz="1800" dirty="0">
-                <a:solidFill>
-                  <a:srgbClr val="B4C2F0"/>
-                </a:solidFill>
-                <a:effectLst/>
-                <a:latin typeface="JetBrains Mono"/>
-              </a:rPr>
-            </a:br>
-            <a:r>
-              <a:rPr lang="en-US" sz="1800" dirty="0">
-                <a:solidFill>
-                  <a:srgbClr val="7FDAFF"/>
-                </a:solidFill>
-                <a:effectLst/>
-                <a:latin typeface="JetBrains Mono"/>
-              </a:rPr>
-              <a:t>{</a:t>
-            </a:r>
-            <a:br>
-              <a:rPr lang="en-US" sz="1800" dirty="0">
-                <a:solidFill>
-                  <a:srgbClr val="7FDAFF"/>
-                </a:solidFill>
-                <a:effectLst/>
-                <a:latin typeface="JetBrains Mono"/>
-              </a:rPr>
-            </a:br>
-            <a:r>
-              <a:rPr lang="en-US" sz="1800" dirty="0">
-                <a:solidFill>
-                  <a:srgbClr val="7FDAFF"/>
-                </a:solidFill>
-                <a:effectLst/>
-                <a:latin typeface="JetBrains Mono"/>
-              </a:rPr>
-              <a:t>    </a:t>
-            </a:r>
-            <a:r>
-              <a:rPr lang="en-US" sz="1800" dirty="0">
-                <a:solidFill>
-                  <a:srgbClr val="34D3FB"/>
-                </a:solidFill>
-                <a:effectLst/>
-                <a:latin typeface="JetBrains Mono"/>
-              </a:rPr>
-              <a:t>_</a:t>
-            </a:r>
-            <a:r>
-              <a:rPr lang="en-US" sz="1800" dirty="0" err="1">
-                <a:solidFill>
-                  <a:srgbClr val="34D3FB"/>
-                </a:solidFill>
-                <a:effectLst/>
-                <a:latin typeface="JetBrains Mono"/>
-              </a:rPr>
-              <a:t>apiContract</a:t>
-            </a:r>
-            <a:r>
-              <a:rPr lang="en-US" sz="1800" dirty="0">
-                <a:solidFill>
-                  <a:srgbClr val="34D3FB"/>
-                </a:solidFill>
-                <a:effectLst/>
-                <a:latin typeface="JetBrains Mono"/>
-              </a:rPr>
-              <a:t> </a:t>
-            </a:r>
-            <a:r>
-              <a:rPr lang="en-US" sz="1800" dirty="0">
-                <a:solidFill>
-                  <a:srgbClr val="BAACFF"/>
-                </a:solidFill>
-                <a:effectLst/>
-                <a:latin typeface="JetBrains Mono"/>
-              </a:rPr>
-              <a:t>= </a:t>
-            </a:r>
-            <a:r>
-              <a:rPr lang="en-US" sz="1800" dirty="0" err="1">
-                <a:solidFill>
-                  <a:srgbClr val="7FC2EF"/>
-                </a:solidFill>
-                <a:effectLst/>
-                <a:latin typeface="JetBrains Mono"/>
-              </a:rPr>
-              <a:t>apiContract</a:t>
-            </a:r>
-            <a:r>
-              <a:rPr lang="en-US" sz="1800" dirty="0">
-                <a:solidFill>
-                  <a:srgbClr val="B4C2F0"/>
-                </a:solidFill>
-                <a:effectLst/>
-                <a:latin typeface="JetBrains Mono"/>
-              </a:rPr>
-              <a:t>;</a:t>
-            </a:r>
-            <a:br>
-              <a:rPr lang="en-US" sz="1800" dirty="0">
-                <a:solidFill>
-                  <a:srgbClr val="B4C2F0"/>
-                </a:solidFill>
-                <a:effectLst/>
-                <a:latin typeface="JetBrains Mono"/>
-              </a:rPr>
-            </a:br>
-            <a:r>
-              <a:rPr lang="en-US" sz="1800" dirty="0">
-                <a:solidFill>
-                  <a:srgbClr val="B4C2F0"/>
-                </a:solidFill>
-                <a:effectLst/>
-                <a:latin typeface="JetBrains Mono"/>
-              </a:rPr>
-              <a:t>    </a:t>
-            </a:r>
-            <a:r>
-              <a:rPr lang="en-US" sz="1800" dirty="0">
-                <a:solidFill>
-                  <a:srgbClr val="34D3FB"/>
-                </a:solidFill>
-                <a:effectLst/>
-                <a:latin typeface="JetBrains Mono"/>
-              </a:rPr>
-              <a:t>_</a:t>
-            </a:r>
-            <a:r>
-              <a:rPr lang="en-US" sz="1800" dirty="0" err="1">
-                <a:solidFill>
-                  <a:srgbClr val="34D3FB"/>
-                </a:solidFill>
-                <a:effectLst/>
-                <a:latin typeface="JetBrains Mono"/>
-              </a:rPr>
-              <a:t>blobCache</a:t>
-            </a:r>
-            <a:r>
-              <a:rPr lang="en-US" sz="1800" dirty="0">
-                <a:solidFill>
-                  <a:srgbClr val="34D3FB"/>
-                </a:solidFill>
-                <a:effectLst/>
-                <a:latin typeface="JetBrains Mono"/>
-              </a:rPr>
-              <a:t> </a:t>
-            </a:r>
-            <a:r>
-              <a:rPr lang="en-US" sz="1800" dirty="0">
-                <a:solidFill>
-                  <a:srgbClr val="BAACFF"/>
-                </a:solidFill>
-                <a:effectLst/>
-                <a:latin typeface="JetBrains Mono"/>
-              </a:rPr>
-              <a:t>= </a:t>
-            </a:r>
-            <a:r>
-              <a:rPr lang="en-US" sz="1800" dirty="0" err="1">
-                <a:solidFill>
-                  <a:srgbClr val="7FC2EF"/>
-                </a:solidFill>
-                <a:effectLst/>
-                <a:latin typeface="JetBrains Mono"/>
-              </a:rPr>
-              <a:t>blobCache</a:t>
-            </a:r>
-            <a:r>
-              <a:rPr lang="en-US" sz="1800" dirty="0">
-                <a:solidFill>
-                  <a:srgbClr val="B4C2F0"/>
-                </a:solidFill>
-                <a:effectLst/>
-                <a:latin typeface="JetBrains Mono"/>
-              </a:rPr>
-              <a:t>;</a:t>
-            </a:r>
-            <a:br>
-              <a:rPr lang="en-US" sz="1800" dirty="0">
-                <a:solidFill>
-                  <a:srgbClr val="B4C2F0"/>
-                </a:solidFill>
-                <a:effectLst/>
-                <a:latin typeface="JetBrains Mono"/>
-              </a:rPr>
-            </a:br>
-            <a:r>
-              <a:rPr lang="en-US" sz="1800" dirty="0">
-                <a:solidFill>
-                  <a:srgbClr val="B4C2F0"/>
-                </a:solidFill>
-                <a:effectLst/>
-                <a:latin typeface="JetBrains Mono"/>
-              </a:rPr>
-              <a:t>    </a:t>
-            </a:r>
-            <a:r>
-              <a:rPr lang="en-US" sz="1800" dirty="0">
-                <a:solidFill>
-                  <a:srgbClr val="34D3FB"/>
-                </a:solidFill>
-                <a:effectLst/>
-                <a:latin typeface="JetBrains Mono"/>
-              </a:rPr>
-              <a:t>_logger </a:t>
-            </a:r>
-            <a:r>
-              <a:rPr lang="en-US" sz="1800" dirty="0">
-                <a:solidFill>
-                  <a:srgbClr val="BAACFF"/>
-                </a:solidFill>
-                <a:effectLst/>
-                <a:latin typeface="JetBrains Mono"/>
-              </a:rPr>
-              <a:t>= </a:t>
-            </a:r>
-            <a:r>
-              <a:rPr lang="en-US" sz="1800" dirty="0" err="1">
-                <a:solidFill>
-                  <a:srgbClr val="7FC2EF"/>
-                </a:solidFill>
-                <a:effectLst/>
-                <a:latin typeface="JetBrains Mono"/>
-              </a:rPr>
-              <a:t>logger</a:t>
-            </a:r>
-            <a:r>
-              <a:rPr lang="en-US" sz="1800" dirty="0" err="1">
-                <a:solidFill>
-                  <a:srgbClr val="B4C2F0"/>
-                </a:solidFill>
-                <a:effectLst/>
-                <a:latin typeface="JetBrains Mono"/>
-              </a:rPr>
-              <a:t>.</a:t>
-            </a:r>
-            <a:r>
-              <a:rPr lang="en-US" sz="1800" dirty="0" err="1">
-                <a:solidFill>
-                  <a:srgbClr val="FAB795"/>
-                </a:solidFill>
-                <a:effectLst/>
-                <a:latin typeface="JetBrains Mono"/>
-              </a:rPr>
-              <a:t>GetLogger</a:t>
-            </a:r>
-            <a:r>
-              <a:rPr lang="en-US" sz="1800" dirty="0">
-                <a:solidFill>
-                  <a:srgbClr val="B4C2F0"/>
-                </a:solidFill>
-                <a:effectLst/>
-                <a:latin typeface="JetBrains Mono"/>
-              </a:rPr>
-              <a:t>(</a:t>
-            </a:r>
-            <a:r>
-              <a:rPr lang="en-US" sz="1800" dirty="0" err="1">
-                <a:solidFill>
-                  <a:srgbClr val="FAB795"/>
-                </a:solidFill>
-                <a:effectLst/>
-                <a:latin typeface="JetBrains Mono"/>
-              </a:rPr>
-              <a:t>GetType</a:t>
-            </a:r>
-            <a:r>
-              <a:rPr lang="en-US" sz="1800" dirty="0">
-                <a:solidFill>
-                  <a:srgbClr val="B4C2F0"/>
-                </a:solidFill>
-                <a:effectLst/>
-                <a:latin typeface="JetBrains Mono"/>
-              </a:rPr>
-              <a:t>());</a:t>
-            </a:r>
-            <a:br>
-              <a:rPr lang="en-US" sz="1800" dirty="0">
-                <a:solidFill>
-                  <a:srgbClr val="B4C2F0"/>
-                </a:solidFill>
-                <a:effectLst/>
-                <a:latin typeface="JetBrains Mono"/>
-              </a:rPr>
-            </a:br>
-            <a:r>
-              <a:rPr lang="en-US" sz="1800" dirty="0">
-                <a:solidFill>
-                  <a:srgbClr val="7FDAFF"/>
-                </a:solidFill>
-                <a:effectLst/>
-                <a:latin typeface="JetBrains Mono"/>
-              </a:rPr>
-              <a:t>}</a:t>
-            </a:r>
-            <a:br>
-              <a:rPr lang="en-US" sz="1800" dirty="0">
-                <a:solidFill>
-                  <a:srgbClr val="7FDAFF"/>
-                </a:solidFill>
-                <a:effectLst/>
-                <a:latin typeface="JetBrains Mono"/>
-              </a:rPr>
-            </a:br>
-            <a:br>
-              <a:rPr lang="en-US" sz="1800" dirty="0">
-                <a:solidFill>
-                  <a:srgbClr val="475F76"/>
-                </a:solidFill>
-                <a:effectLst/>
-                <a:latin typeface="JetBrains Mono"/>
-              </a:rPr>
-            </a:br>
-            <a:r>
-              <a:rPr lang="en-US" sz="1800" i="1" dirty="0">
-                <a:solidFill>
-                  <a:srgbClr val="B877DB"/>
-                </a:solidFill>
-                <a:effectLst/>
-                <a:latin typeface="JetBrains Mono"/>
-              </a:rPr>
-              <a:t>public </a:t>
-            </a:r>
-            <a:r>
-              <a:rPr lang="en-US" sz="1800" i="1" dirty="0" err="1">
-                <a:solidFill>
-                  <a:srgbClr val="5C7EB1"/>
-                </a:solidFill>
-                <a:effectLst/>
-                <a:latin typeface="JetBrains Mono"/>
-              </a:rPr>
-              <a:t>IObservable</a:t>
-            </a:r>
-            <a:r>
-              <a:rPr lang="en-US" sz="1800" dirty="0">
-                <a:solidFill>
-                  <a:srgbClr val="BAACFF"/>
-                </a:solidFill>
-                <a:effectLst/>
-                <a:latin typeface="JetBrains Mono"/>
-              </a:rPr>
-              <a:t>&lt;</a:t>
-            </a:r>
-            <a:r>
-              <a:rPr lang="en-US" sz="1800" dirty="0" err="1">
-                <a:solidFill>
-                  <a:srgbClr val="BAACFF"/>
-                </a:solidFill>
-                <a:effectLst/>
-                <a:latin typeface="JetBrains Mono"/>
-              </a:rPr>
-              <a:t>StoreDto</a:t>
-            </a:r>
-            <a:r>
-              <a:rPr lang="en-US" sz="1800" dirty="0">
-                <a:solidFill>
-                  <a:srgbClr val="BAACFF"/>
-                </a:solidFill>
-                <a:effectLst/>
-                <a:latin typeface="JetBrains Mono"/>
-              </a:rPr>
-              <a:t>&gt; </a:t>
-            </a:r>
-            <a:r>
-              <a:rPr lang="en-US" sz="1800" dirty="0" err="1">
-                <a:solidFill>
-                  <a:srgbClr val="FAB795"/>
-                </a:solidFill>
-                <a:effectLst/>
-                <a:latin typeface="JetBrains Mono"/>
-              </a:rPr>
-              <a:t>GetStore</a:t>
-            </a:r>
-            <a:r>
-              <a:rPr lang="en-US" sz="1800" dirty="0">
-                <a:solidFill>
-                  <a:srgbClr val="B4C2F0"/>
-                </a:solidFill>
-                <a:effectLst/>
-                <a:latin typeface="JetBrains Mono"/>
-              </a:rPr>
-              <a:t>(</a:t>
-            </a:r>
-            <a:r>
-              <a:rPr lang="en-US" sz="1800" dirty="0" err="1">
-                <a:solidFill>
-                  <a:srgbClr val="DBBE7F"/>
-                </a:solidFill>
-                <a:effectLst/>
-                <a:latin typeface="JetBrains Mono"/>
-              </a:rPr>
-              <a:t>Guid</a:t>
-            </a:r>
-            <a:r>
-              <a:rPr lang="en-US" sz="1800" dirty="0">
-                <a:solidFill>
-                  <a:srgbClr val="DBBE7F"/>
-                </a:solidFill>
-                <a:effectLst/>
-                <a:latin typeface="JetBrains Mono"/>
-              </a:rPr>
-              <a:t> </a:t>
-            </a:r>
-            <a:r>
-              <a:rPr lang="en-US" sz="1800" dirty="0" err="1">
-                <a:solidFill>
-                  <a:srgbClr val="7FC2EF"/>
-                </a:solidFill>
-                <a:effectLst/>
-                <a:latin typeface="JetBrains Mono"/>
-              </a:rPr>
-              <a:t>storeId</a:t>
-            </a:r>
-            <a:r>
-              <a:rPr lang="en-US" sz="1800" dirty="0">
-                <a:solidFill>
-                  <a:srgbClr val="B4C2F0"/>
-                </a:solidFill>
-                <a:effectLst/>
-                <a:latin typeface="JetBrains Mono"/>
-              </a:rPr>
-              <a:t>, </a:t>
-            </a:r>
-            <a:r>
-              <a:rPr lang="en-US" sz="1800" i="1" dirty="0">
-                <a:solidFill>
-                  <a:srgbClr val="B877DB"/>
-                </a:solidFill>
-                <a:effectLst/>
-                <a:latin typeface="JetBrains Mono"/>
-              </a:rPr>
-              <a:t>bool </a:t>
-            </a:r>
-            <a:r>
-              <a:rPr lang="en-US" sz="1800" dirty="0" err="1">
-                <a:solidFill>
-                  <a:srgbClr val="7FC2EF"/>
-                </a:solidFill>
-                <a:effectLst/>
-                <a:latin typeface="JetBrains Mono"/>
-              </a:rPr>
-              <a:t>forceUpdate</a:t>
-            </a:r>
-            <a:r>
-              <a:rPr lang="en-US" sz="1800" dirty="0">
-                <a:solidFill>
-                  <a:srgbClr val="7FC2EF"/>
-                </a:solidFill>
-                <a:effectLst/>
-                <a:latin typeface="JetBrains Mono"/>
-              </a:rPr>
-              <a:t> </a:t>
-            </a:r>
-            <a:r>
-              <a:rPr lang="en-US" sz="1800" dirty="0">
-                <a:solidFill>
-                  <a:srgbClr val="BAACFF"/>
-                </a:solidFill>
-                <a:effectLst/>
-                <a:latin typeface="JetBrains Mono"/>
-              </a:rPr>
-              <a:t>= </a:t>
-            </a:r>
-            <a:r>
-              <a:rPr lang="en-US" sz="1800" i="1" dirty="0">
-                <a:solidFill>
-                  <a:srgbClr val="B877DB"/>
-                </a:solidFill>
-                <a:effectLst/>
-                <a:latin typeface="JetBrains Mono"/>
-              </a:rPr>
-              <a:t>false</a:t>
-            </a:r>
-            <a:r>
-              <a:rPr lang="en-US" sz="1800" dirty="0">
-                <a:solidFill>
-                  <a:srgbClr val="B4C2F0"/>
-                </a:solidFill>
-                <a:effectLst/>
-                <a:latin typeface="JetBrains Mono"/>
-              </a:rPr>
-              <a:t>) </a:t>
-            </a:r>
-            <a:r>
-              <a:rPr lang="en-US" sz="1800" dirty="0">
-                <a:solidFill>
-                  <a:srgbClr val="B6C4F2"/>
-                </a:solidFill>
-                <a:effectLst/>
-                <a:latin typeface="JetBrains Mono"/>
-              </a:rPr>
-              <a:t>=&gt;</a:t>
-            </a:r>
-            <a:br>
-              <a:rPr lang="en-US" sz="1800" dirty="0">
-                <a:solidFill>
-                  <a:srgbClr val="B6C4F2"/>
-                </a:solidFill>
-                <a:effectLst/>
-                <a:latin typeface="JetBrains Mono"/>
-              </a:rPr>
-            </a:br>
-            <a:r>
-              <a:rPr lang="en-US" sz="1800" dirty="0">
-                <a:solidFill>
-                  <a:srgbClr val="B6C4F2"/>
-                </a:solidFill>
-                <a:effectLst/>
-                <a:latin typeface="JetBrains Mono"/>
-              </a:rPr>
-              <a:t>    </a:t>
-            </a:r>
-            <a:r>
-              <a:rPr lang="en-US" sz="1800" dirty="0">
-                <a:solidFill>
-                  <a:srgbClr val="34D3FB"/>
-                </a:solidFill>
-                <a:effectLst/>
-                <a:latin typeface="JetBrains Mono"/>
-              </a:rPr>
-              <a:t>_</a:t>
-            </a:r>
-            <a:r>
-              <a:rPr lang="en-US" sz="1800" dirty="0" err="1">
-                <a:solidFill>
-                  <a:srgbClr val="34D3FB"/>
-                </a:solidFill>
-                <a:effectLst/>
-                <a:latin typeface="JetBrains Mono"/>
-              </a:rPr>
-              <a:t>apiContract</a:t>
-            </a:r>
-            <a:br>
-              <a:rPr lang="en-US" sz="1800" dirty="0">
-                <a:solidFill>
-                  <a:srgbClr val="34D3FB"/>
-                </a:solidFill>
-                <a:effectLst/>
-                <a:latin typeface="JetBrains Mono"/>
-              </a:rPr>
-            </a:br>
-            <a:r>
-              <a:rPr lang="en-US" sz="1800" dirty="0">
-                <a:solidFill>
-                  <a:srgbClr val="34D3FB"/>
-                </a:solidFill>
-                <a:effectLst/>
-                <a:latin typeface="JetBrains Mono"/>
-              </a:rPr>
-              <a:t>        </a:t>
-            </a:r>
-            <a:r>
-              <a:rPr lang="en-US" sz="1800" dirty="0">
-                <a:solidFill>
-                  <a:srgbClr val="B4C2F0"/>
-                </a:solidFill>
-                <a:effectLst/>
-                <a:latin typeface="JetBrains Mono"/>
-              </a:rPr>
-              <a:t>.</a:t>
-            </a:r>
-            <a:r>
-              <a:rPr lang="en-US" sz="1800" dirty="0" err="1">
-                <a:solidFill>
-                  <a:srgbClr val="FAB795"/>
-                </a:solidFill>
-                <a:effectLst/>
-                <a:latin typeface="JetBrains Mono"/>
-              </a:rPr>
-              <a:t>GetStore</a:t>
-            </a:r>
-            <a:r>
-              <a:rPr lang="en-US" sz="1800" dirty="0">
-                <a:solidFill>
-                  <a:srgbClr val="B4C2F0"/>
-                </a:solidFill>
-                <a:effectLst/>
-                <a:latin typeface="JetBrains Mono"/>
-              </a:rPr>
-              <a:t>(</a:t>
-            </a:r>
-            <a:r>
-              <a:rPr lang="en-US" sz="1800" dirty="0" err="1">
-                <a:solidFill>
-                  <a:srgbClr val="7FC2EF"/>
-                </a:solidFill>
-                <a:effectLst/>
-                <a:latin typeface="JetBrains Mono"/>
-              </a:rPr>
-              <a:t>storeId</a:t>
-            </a:r>
-            <a:r>
-              <a:rPr lang="en-US" sz="1800" dirty="0">
-                <a:solidFill>
-                  <a:srgbClr val="B4C2F0"/>
-                </a:solidFill>
-                <a:effectLst/>
-                <a:latin typeface="JetBrains Mono"/>
-              </a:rPr>
-              <a:t>, </a:t>
-            </a:r>
-            <a:r>
-              <a:rPr lang="en-US" sz="1800" dirty="0" err="1">
-                <a:solidFill>
-                  <a:srgbClr val="BAACFF"/>
-                </a:solidFill>
-                <a:effectLst/>
-                <a:latin typeface="JetBrains Mono"/>
-              </a:rPr>
-              <a:t>FunctionParameters</a:t>
-            </a:r>
-            <a:r>
-              <a:rPr lang="en-US" sz="1800" dirty="0" err="1">
-                <a:solidFill>
-                  <a:srgbClr val="B4C2F0"/>
-                </a:solidFill>
-                <a:effectLst/>
-                <a:latin typeface="JetBrains Mono"/>
-              </a:rPr>
-              <a:t>.</a:t>
-            </a:r>
-            <a:r>
-              <a:rPr lang="en-US" sz="1800" dirty="0" err="1">
-                <a:solidFill>
-                  <a:srgbClr val="34D3FB"/>
-                </a:solidFill>
-                <a:effectLst/>
-                <a:latin typeface="JetBrains Mono"/>
-              </a:rPr>
-              <a:t>Default</a:t>
-            </a:r>
-            <a:r>
-              <a:rPr lang="en-US" sz="1800" dirty="0">
-                <a:solidFill>
-                  <a:srgbClr val="B4C2F0"/>
-                </a:solidFill>
-                <a:effectLst/>
-                <a:latin typeface="JetBrains Mono"/>
-              </a:rPr>
-              <a:t>)</a:t>
-            </a:r>
-            <a:br>
-              <a:rPr lang="en-US" sz="1800" dirty="0">
-                <a:solidFill>
-                  <a:srgbClr val="B4C2F0"/>
-                </a:solidFill>
-                <a:effectLst/>
-                <a:latin typeface="JetBrains Mono"/>
-              </a:rPr>
-            </a:br>
-            <a:r>
-              <a:rPr lang="en-US" sz="1800" dirty="0">
-                <a:solidFill>
-                  <a:srgbClr val="B4C2F0"/>
-                </a:solidFill>
-                <a:effectLst/>
-                <a:latin typeface="JetBrains Mono"/>
-              </a:rPr>
-              <a:t>        .</a:t>
-            </a:r>
-            <a:r>
-              <a:rPr lang="en-US" sz="1800" dirty="0" err="1">
-                <a:solidFill>
-                  <a:srgbClr val="FAB795"/>
-                </a:solidFill>
-                <a:effectLst/>
-                <a:latin typeface="JetBrains Mono"/>
-              </a:rPr>
-              <a:t>CacheApiResult</a:t>
-            </a:r>
-            <a:r>
-              <a:rPr lang="en-US" sz="1800" dirty="0">
-                <a:solidFill>
-                  <a:srgbClr val="B4C2F0"/>
-                </a:solidFill>
-                <a:effectLst/>
-                <a:latin typeface="JetBrains Mono"/>
-              </a:rPr>
-              <a:t>(</a:t>
-            </a:r>
-            <a:r>
-              <a:rPr lang="en-US" sz="1800" dirty="0">
-                <a:solidFill>
-                  <a:srgbClr val="64D1A9"/>
-                </a:solidFill>
-                <a:effectLst/>
-                <a:latin typeface="JetBrains Mono"/>
-              </a:rPr>
-              <a:t>$"{</a:t>
-            </a:r>
-            <a:r>
-              <a:rPr lang="en-US" sz="1800" i="1" dirty="0" err="1">
-                <a:solidFill>
-                  <a:srgbClr val="B877DB"/>
-                </a:solidFill>
-                <a:effectLst/>
-                <a:latin typeface="JetBrains Mono"/>
-              </a:rPr>
-              <a:t>nameof</a:t>
-            </a:r>
-            <a:r>
-              <a:rPr lang="en-US" sz="1800" dirty="0">
-                <a:solidFill>
-                  <a:srgbClr val="B4C2F0"/>
-                </a:solidFill>
-                <a:effectLst/>
-                <a:latin typeface="JetBrains Mono"/>
-              </a:rPr>
-              <a:t>(</a:t>
-            </a:r>
-            <a:r>
-              <a:rPr lang="en-US" sz="1800" dirty="0" err="1">
-                <a:solidFill>
-                  <a:srgbClr val="FAB795"/>
-                </a:solidFill>
-                <a:effectLst/>
-                <a:latin typeface="JetBrains Mono"/>
-              </a:rPr>
-              <a:t>GetStore</a:t>
-            </a:r>
-            <a:r>
-              <a:rPr lang="en-US" sz="1800" dirty="0">
-                <a:solidFill>
-                  <a:srgbClr val="B4C2F0"/>
-                </a:solidFill>
-                <a:effectLst/>
-                <a:latin typeface="JetBrains Mono"/>
-              </a:rPr>
-              <a:t>)</a:t>
-            </a:r>
-            <a:r>
-              <a:rPr lang="en-US" sz="1800" dirty="0">
-                <a:solidFill>
-                  <a:srgbClr val="64D1A9"/>
-                </a:solidFill>
-                <a:effectLst/>
-                <a:latin typeface="JetBrains Mono"/>
-              </a:rPr>
-              <a:t>}-{</a:t>
-            </a:r>
-            <a:r>
-              <a:rPr lang="en-US" sz="1800" dirty="0" err="1">
-                <a:solidFill>
-                  <a:srgbClr val="7FC2EF"/>
-                </a:solidFill>
-                <a:effectLst/>
-                <a:latin typeface="JetBrains Mono"/>
-              </a:rPr>
-              <a:t>storeId</a:t>
-            </a:r>
-            <a:r>
-              <a:rPr lang="en-US" sz="1800" dirty="0">
-                <a:solidFill>
-                  <a:srgbClr val="64D1A9"/>
-                </a:solidFill>
-                <a:effectLst/>
-                <a:latin typeface="JetBrains Mono"/>
-              </a:rPr>
-              <a:t>}"</a:t>
-            </a:r>
-            <a:r>
-              <a:rPr lang="en-US" sz="1800" dirty="0">
-                <a:solidFill>
-                  <a:srgbClr val="B4C2F0"/>
-                </a:solidFill>
-                <a:effectLst/>
-                <a:latin typeface="JetBrains Mono"/>
-              </a:rPr>
-              <a:t>, </a:t>
-            </a:r>
-            <a:r>
-              <a:rPr lang="en-US" sz="1800" dirty="0">
-                <a:solidFill>
-                  <a:srgbClr val="34D3FB"/>
-                </a:solidFill>
-                <a:effectLst/>
-                <a:latin typeface="JetBrains Mono"/>
-              </a:rPr>
-              <a:t>_</a:t>
-            </a:r>
-            <a:r>
-              <a:rPr lang="en-US" sz="1800" dirty="0" err="1">
-                <a:solidFill>
-                  <a:srgbClr val="34D3FB"/>
-                </a:solidFill>
-                <a:effectLst/>
-                <a:latin typeface="JetBrains Mono"/>
-              </a:rPr>
-              <a:t>blobCache</a:t>
-            </a:r>
-            <a:r>
-              <a:rPr lang="en-US" sz="1800" dirty="0">
-                <a:solidFill>
-                  <a:srgbClr val="B4C2F0"/>
-                </a:solidFill>
-                <a:effectLst/>
-                <a:latin typeface="JetBrains Mono"/>
-              </a:rPr>
-              <a:t>, </a:t>
-            </a:r>
-            <a:r>
-              <a:rPr lang="en-US" sz="1800" dirty="0">
-                <a:solidFill>
-                  <a:srgbClr val="34D3FB"/>
-                </a:solidFill>
-                <a:effectLst/>
-                <a:latin typeface="JetBrains Mono"/>
-              </a:rPr>
-              <a:t>_logger</a:t>
-            </a:r>
-            <a:r>
-              <a:rPr lang="en-US" sz="1800" dirty="0">
-                <a:solidFill>
-                  <a:srgbClr val="B4C2F0"/>
-                </a:solidFill>
-                <a:effectLst/>
-                <a:latin typeface="JetBrains Mono"/>
-              </a:rPr>
-              <a:t>, </a:t>
-            </a:r>
-            <a:r>
-              <a:rPr lang="en-US" sz="1800" dirty="0" err="1">
-                <a:solidFill>
-                  <a:srgbClr val="7FC2EF"/>
-                </a:solidFill>
-                <a:effectLst/>
-                <a:latin typeface="JetBrains Mono"/>
-              </a:rPr>
-              <a:t>forceUpdate</a:t>
-            </a:r>
-            <a:r>
-              <a:rPr lang="en-US" sz="1800" dirty="0">
-                <a:solidFill>
-                  <a:srgbClr val="B6C4F2"/>
-                </a:solidFill>
-                <a:effectLst/>
-                <a:latin typeface="JetBrains Mono"/>
-              </a:rPr>
-              <a:t>: </a:t>
-            </a:r>
-            <a:r>
-              <a:rPr lang="en-US" sz="1800" dirty="0" err="1">
-                <a:solidFill>
-                  <a:srgbClr val="7FC2EF"/>
-                </a:solidFill>
-                <a:effectLst/>
-                <a:latin typeface="JetBrains Mono"/>
-              </a:rPr>
-              <a:t>forceUpdate</a:t>
-            </a:r>
-            <a:r>
-              <a:rPr lang="en-US" sz="1800" dirty="0">
-                <a:solidFill>
-                  <a:srgbClr val="B4C2F0"/>
-                </a:solidFill>
-                <a:effectLst/>
-                <a:latin typeface="JetBrains Mono"/>
-              </a:rPr>
-              <a:t>);</a:t>
-            </a:r>
-            <a:br>
-              <a:rPr lang="en-US" sz="1800" dirty="0">
-                <a:solidFill>
-                  <a:srgbClr val="B4C2F0"/>
-                </a:solidFill>
-                <a:effectLst/>
-                <a:latin typeface="JetBrains Mono"/>
-              </a:rPr>
-            </a:br>
-            <a:br>
-              <a:rPr lang="en-US" sz="1800" dirty="0">
-                <a:solidFill>
-                  <a:srgbClr val="475F76"/>
-                </a:solidFill>
-                <a:effectLst/>
-                <a:latin typeface="JetBrains Mono"/>
-              </a:rPr>
-            </a:br>
-            <a:r>
-              <a:rPr lang="en-US" sz="1800" i="1" dirty="0">
-                <a:solidFill>
-                  <a:srgbClr val="B877DB"/>
-                </a:solidFill>
-                <a:effectLst/>
-                <a:latin typeface="JetBrains Mono"/>
-              </a:rPr>
-              <a:t>public </a:t>
-            </a:r>
-            <a:r>
-              <a:rPr lang="en-US" sz="1800" i="1" dirty="0" err="1">
-                <a:solidFill>
-                  <a:srgbClr val="5C7EB1"/>
-                </a:solidFill>
-                <a:effectLst/>
-                <a:latin typeface="JetBrains Mono"/>
-              </a:rPr>
-              <a:t>IObservable</a:t>
-            </a:r>
-            <a:r>
-              <a:rPr lang="en-US" sz="1800" dirty="0">
-                <a:solidFill>
-                  <a:srgbClr val="BAACFF"/>
-                </a:solidFill>
-                <a:effectLst/>
-                <a:latin typeface="JetBrains Mono"/>
-              </a:rPr>
-              <a:t>&lt;</a:t>
-            </a:r>
-            <a:r>
-              <a:rPr lang="en-US" sz="1800" i="1" dirty="0" err="1">
-                <a:solidFill>
-                  <a:srgbClr val="5C7EB1"/>
-                </a:solidFill>
-                <a:effectLst/>
-                <a:latin typeface="JetBrains Mono"/>
-              </a:rPr>
-              <a:t>IEnumerable</a:t>
-            </a:r>
-            <a:r>
-              <a:rPr lang="en-US" sz="1800" dirty="0">
-                <a:solidFill>
-                  <a:srgbClr val="BAACFF"/>
-                </a:solidFill>
-                <a:effectLst/>
-                <a:latin typeface="JetBrains Mono"/>
-              </a:rPr>
-              <a:t>&lt;</a:t>
-            </a:r>
-            <a:r>
-              <a:rPr lang="en-US" sz="1800" dirty="0" err="1">
-                <a:solidFill>
-                  <a:srgbClr val="BAACFF"/>
-                </a:solidFill>
-                <a:effectLst/>
-                <a:latin typeface="JetBrains Mono"/>
-              </a:rPr>
-              <a:t>StoreDto</a:t>
-            </a:r>
-            <a:r>
-              <a:rPr lang="en-US" sz="1800" dirty="0">
-                <a:solidFill>
-                  <a:srgbClr val="BAACFF"/>
-                </a:solidFill>
-                <a:effectLst/>
-                <a:latin typeface="JetBrains Mono"/>
-              </a:rPr>
-              <a:t>&gt;&gt; </a:t>
-            </a:r>
-            <a:r>
-              <a:rPr lang="en-US" sz="1800" dirty="0" err="1">
-                <a:solidFill>
-                  <a:srgbClr val="FAB795"/>
-                </a:solidFill>
-                <a:effectLst/>
-                <a:latin typeface="JetBrains Mono"/>
-              </a:rPr>
-              <a:t>GetStores</a:t>
-            </a:r>
-            <a:r>
-              <a:rPr lang="en-US" sz="1800" dirty="0">
-                <a:solidFill>
-                  <a:srgbClr val="B4C2F0"/>
-                </a:solidFill>
-                <a:effectLst/>
-                <a:latin typeface="JetBrains Mono"/>
-              </a:rPr>
-              <a:t>(</a:t>
-            </a:r>
-            <a:r>
-              <a:rPr lang="en-US" sz="1800" i="1" dirty="0">
-                <a:solidFill>
-                  <a:srgbClr val="B877DB"/>
-                </a:solidFill>
-                <a:effectLst/>
-                <a:latin typeface="JetBrains Mono"/>
-              </a:rPr>
-              <a:t>bool </a:t>
-            </a:r>
-            <a:r>
-              <a:rPr lang="en-US" sz="1800" dirty="0" err="1">
-                <a:solidFill>
-                  <a:srgbClr val="7FC2EF"/>
-                </a:solidFill>
-                <a:effectLst/>
-                <a:latin typeface="JetBrains Mono"/>
-              </a:rPr>
-              <a:t>forceUpdate</a:t>
-            </a:r>
-            <a:r>
-              <a:rPr lang="en-US" sz="1800" dirty="0">
-                <a:solidFill>
-                  <a:srgbClr val="7FC2EF"/>
-                </a:solidFill>
-                <a:effectLst/>
-                <a:latin typeface="JetBrains Mono"/>
-              </a:rPr>
-              <a:t> </a:t>
-            </a:r>
-            <a:r>
-              <a:rPr lang="en-US" sz="1800" dirty="0">
-                <a:solidFill>
-                  <a:srgbClr val="BAACFF"/>
-                </a:solidFill>
-                <a:effectLst/>
-                <a:latin typeface="JetBrains Mono"/>
-              </a:rPr>
-              <a:t>= </a:t>
-            </a:r>
-            <a:r>
-              <a:rPr lang="en-US" sz="1800" i="1" dirty="0">
-                <a:solidFill>
-                  <a:srgbClr val="B877DB"/>
-                </a:solidFill>
-                <a:effectLst/>
-                <a:latin typeface="JetBrains Mono"/>
-              </a:rPr>
-              <a:t>false</a:t>
-            </a:r>
-            <a:r>
-              <a:rPr lang="en-US" sz="1800" dirty="0">
-                <a:solidFill>
-                  <a:srgbClr val="B4C2F0"/>
-                </a:solidFill>
-                <a:effectLst/>
-                <a:latin typeface="JetBrains Mono"/>
-              </a:rPr>
-              <a:t>) </a:t>
-            </a:r>
-            <a:r>
-              <a:rPr lang="en-US" sz="1800" dirty="0">
-                <a:solidFill>
-                  <a:srgbClr val="B6C4F2"/>
-                </a:solidFill>
-                <a:effectLst/>
-                <a:latin typeface="JetBrains Mono"/>
-              </a:rPr>
-              <a:t>=&gt;</a:t>
-            </a:r>
-            <a:br>
-              <a:rPr lang="en-US" sz="1800" dirty="0">
-                <a:solidFill>
-                  <a:srgbClr val="B6C4F2"/>
-                </a:solidFill>
-                <a:effectLst/>
-                <a:latin typeface="JetBrains Mono"/>
-              </a:rPr>
-            </a:br>
-            <a:r>
-              <a:rPr lang="en-US" sz="1800" dirty="0">
-                <a:solidFill>
-                  <a:srgbClr val="B6C4F2"/>
-                </a:solidFill>
-                <a:effectLst/>
-                <a:latin typeface="JetBrains Mono"/>
-              </a:rPr>
-              <a:t>    </a:t>
-            </a:r>
-            <a:r>
-              <a:rPr lang="en-US" sz="1800" dirty="0">
-                <a:solidFill>
-                  <a:srgbClr val="34D3FB"/>
-                </a:solidFill>
-                <a:effectLst/>
-                <a:latin typeface="JetBrains Mono"/>
-              </a:rPr>
-              <a:t>_</a:t>
-            </a:r>
-            <a:r>
-              <a:rPr lang="en-US" sz="1800" dirty="0" err="1">
-                <a:solidFill>
-                  <a:srgbClr val="34D3FB"/>
-                </a:solidFill>
-                <a:effectLst/>
-                <a:latin typeface="JetBrains Mono"/>
-              </a:rPr>
-              <a:t>apiContract</a:t>
-            </a:r>
-            <a:br>
-              <a:rPr lang="en-US" sz="1800" dirty="0">
-                <a:solidFill>
-                  <a:srgbClr val="34D3FB"/>
-                </a:solidFill>
-                <a:effectLst/>
-                <a:latin typeface="JetBrains Mono"/>
-              </a:rPr>
-            </a:br>
-            <a:r>
-              <a:rPr lang="en-US" sz="1800" dirty="0">
-                <a:solidFill>
-                  <a:srgbClr val="34D3FB"/>
-                </a:solidFill>
-                <a:effectLst/>
-                <a:latin typeface="JetBrains Mono"/>
-              </a:rPr>
-              <a:t>        </a:t>
-            </a:r>
-            <a:r>
-              <a:rPr lang="en-US" sz="1800" dirty="0">
-                <a:solidFill>
-                  <a:srgbClr val="B4C2F0"/>
-                </a:solidFill>
-                <a:effectLst/>
-                <a:latin typeface="JetBrains Mono"/>
-              </a:rPr>
-              <a:t>.</a:t>
-            </a:r>
-            <a:r>
-              <a:rPr lang="en-US" sz="1800" dirty="0" err="1">
-                <a:solidFill>
-                  <a:srgbClr val="FAB795"/>
-                </a:solidFill>
-                <a:effectLst/>
-                <a:latin typeface="JetBrains Mono"/>
-              </a:rPr>
-              <a:t>GetStores</a:t>
-            </a:r>
-            <a:r>
-              <a:rPr lang="en-US" sz="1800" dirty="0">
-                <a:solidFill>
-                  <a:srgbClr val="B4C2F0"/>
-                </a:solidFill>
-                <a:effectLst/>
-                <a:latin typeface="JetBrains Mono"/>
-              </a:rPr>
-              <a:t>(</a:t>
-            </a:r>
-            <a:r>
-              <a:rPr lang="en-US" sz="1800" dirty="0" err="1">
-                <a:solidFill>
-                  <a:srgbClr val="BAACFF"/>
-                </a:solidFill>
-                <a:effectLst/>
-                <a:latin typeface="JetBrains Mono"/>
-              </a:rPr>
-              <a:t>FunctionParameters</a:t>
-            </a:r>
-            <a:r>
-              <a:rPr lang="en-US" sz="1800" dirty="0" err="1">
-                <a:solidFill>
-                  <a:srgbClr val="B4C2F0"/>
-                </a:solidFill>
-                <a:effectLst/>
-                <a:latin typeface="JetBrains Mono"/>
-              </a:rPr>
-              <a:t>.</a:t>
-            </a:r>
-            <a:r>
-              <a:rPr lang="en-US" sz="1800" dirty="0" err="1">
-                <a:solidFill>
-                  <a:srgbClr val="34D3FB"/>
-                </a:solidFill>
-                <a:effectLst/>
-                <a:latin typeface="JetBrains Mono"/>
-              </a:rPr>
-              <a:t>Default</a:t>
-            </a:r>
-            <a:r>
-              <a:rPr lang="en-US" sz="1800" dirty="0">
-                <a:solidFill>
-                  <a:srgbClr val="B4C2F0"/>
-                </a:solidFill>
-                <a:effectLst/>
-                <a:latin typeface="JetBrains Mono"/>
-              </a:rPr>
-              <a:t>)</a:t>
-            </a:r>
-            <a:br>
-              <a:rPr lang="en-US" sz="1800" dirty="0">
-                <a:solidFill>
-                  <a:srgbClr val="B4C2F0"/>
-                </a:solidFill>
-                <a:effectLst/>
-                <a:latin typeface="JetBrains Mono"/>
-              </a:rPr>
-            </a:br>
-            <a:r>
-              <a:rPr lang="en-US" sz="1800" dirty="0">
-                <a:solidFill>
-                  <a:srgbClr val="B4C2F0"/>
-                </a:solidFill>
-                <a:effectLst/>
-                <a:latin typeface="JetBrains Mono"/>
-              </a:rPr>
-              <a:t>        .</a:t>
-            </a:r>
-            <a:r>
-              <a:rPr lang="en-US" sz="1800" dirty="0" err="1">
-                <a:solidFill>
-                  <a:srgbClr val="FAB795"/>
-                </a:solidFill>
-                <a:effectLst/>
-                <a:latin typeface="JetBrains Mono"/>
-              </a:rPr>
-              <a:t>CacheApiResult</a:t>
-            </a:r>
-            <a:r>
-              <a:rPr lang="en-US" sz="1800" dirty="0">
-                <a:solidFill>
-                  <a:srgbClr val="B4C2F0"/>
-                </a:solidFill>
-                <a:effectLst/>
-                <a:latin typeface="JetBrains Mono"/>
-              </a:rPr>
-              <a:t>(</a:t>
-            </a:r>
-            <a:r>
-              <a:rPr lang="en-US" sz="1800" dirty="0">
-                <a:solidFill>
-                  <a:srgbClr val="64D1A9"/>
-                </a:solidFill>
-                <a:effectLst/>
-                <a:latin typeface="JetBrains Mono"/>
-              </a:rPr>
-              <a:t>$"{</a:t>
-            </a:r>
-            <a:r>
-              <a:rPr lang="en-US" sz="1800" i="1" dirty="0" err="1">
-                <a:solidFill>
-                  <a:srgbClr val="B877DB"/>
-                </a:solidFill>
-                <a:effectLst/>
-                <a:latin typeface="JetBrains Mono"/>
-              </a:rPr>
-              <a:t>nameof</a:t>
-            </a:r>
-            <a:r>
-              <a:rPr lang="en-US" sz="1800" dirty="0">
-                <a:solidFill>
-                  <a:srgbClr val="B4C2F0"/>
-                </a:solidFill>
-                <a:effectLst/>
-                <a:latin typeface="JetBrains Mono"/>
-              </a:rPr>
-              <a:t>(</a:t>
-            </a:r>
-            <a:r>
-              <a:rPr lang="en-US" sz="1800" dirty="0" err="1">
-                <a:solidFill>
-                  <a:srgbClr val="FAB795"/>
-                </a:solidFill>
-                <a:effectLst/>
-                <a:latin typeface="JetBrains Mono"/>
-              </a:rPr>
-              <a:t>GetStores</a:t>
-            </a:r>
-            <a:r>
-              <a:rPr lang="en-US" sz="1800" dirty="0">
-                <a:solidFill>
-                  <a:srgbClr val="B4C2F0"/>
-                </a:solidFill>
-                <a:effectLst/>
-                <a:latin typeface="JetBrains Mono"/>
-              </a:rPr>
-              <a:t>)</a:t>
-            </a:r>
-            <a:r>
-              <a:rPr lang="en-US" sz="1800" dirty="0">
-                <a:solidFill>
-                  <a:srgbClr val="64D1A9"/>
-                </a:solidFill>
-                <a:effectLst/>
-                <a:latin typeface="JetBrains Mono"/>
-              </a:rPr>
-              <a:t>}"</a:t>
-            </a:r>
-            <a:r>
-              <a:rPr lang="en-US" sz="1800" dirty="0">
-                <a:solidFill>
-                  <a:srgbClr val="B4C2F0"/>
-                </a:solidFill>
-                <a:effectLst/>
-                <a:latin typeface="JetBrains Mono"/>
-              </a:rPr>
-              <a:t>, </a:t>
-            </a:r>
-            <a:r>
-              <a:rPr lang="en-US" sz="1800" dirty="0">
-                <a:solidFill>
-                  <a:srgbClr val="34D3FB"/>
-                </a:solidFill>
-                <a:effectLst/>
-                <a:latin typeface="JetBrains Mono"/>
-              </a:rPr>
-              <a:t>_</a:t>
-            </a:r>
-            <a:r>
-              <a:rPr lang="en-US" sz="1800" dirty="0" err="1">
-                <a:solidFill>
-                  <a:srgbClr val="34D3FB"/>
-                </a:solidFill>
-                <a:effectLst/>
-                <a:latin typeface="JetBrains Mono"/>
-              </a:rPr>
-              <a:t>blobCache</a:t>
-            </a:r>
-            <a:r>
-              <a:rPr lang="en-US" sz="1800" dirty="0">
-                <a:solidFill>
-                  <a:srgbClr val="B4C2F0"/>
-                </a:solidFill>
-                <a:effectLst/>
-                <a:latin typeface="JetBrains Mono"/>
-              </a:rPr>
-              <a:t>, </a:t>
-            </a:r>
-            <a:r>
-              <a:rPr lang="en-US" sz="1800" dirty="0">
-                <a:solidFill>
-                  <a:srgbClr val="34D3FB"/>
-                </a:solidFill>
-                <a:effectLst/>
-                <a:latin typeface="JetBrains Mono"/>
-              </a:rPr>
-              <a:t>_logger</a:t>
-            </a:r>
-            <a:r>
-              <a:rPr lang="en-US" sz="1800" dirty="0">
-                <a:solidFill>
-                  <a:srgbClr val="B4C2F0"/>
-                </a:solidFill>
-                <a:effectLst/>
-                <a:latin typeface="JetBrains Mono"/>
-              </a:rPr>
-              <a:t>, </a:t>
-            </a:r>
-            <a:r>
-              <a:rPr lang="en-US" sz="1800" dirty="0" err="1">
-                <a:solidFill>
-                  <a:srgbClr val="7FC2EF"/>
-                </a:solidFill>
-                <a:effectLst/>
-                <a:latin typeface="JetBrains Mono"/>
-              </a:rPr>
-              <a:t>forceUpdate</a:t>
-            </a:r>
-            <a:r>
-              <a:rPr lang="en-US" sz="1800" dirty="0">
-                <a:solidFill>
-                  <a:srgbClr val="B6C4F2"/>
-                </a:solidFill>
-                <a:effectLst/>
-                <a:latin typeface="JetBrains Mono"/>
-              </a:rPr>
-              <a:t>: </a:t>
-            </a:r>
-            <a:r>
-              <a:rPr lang="en-US" sz="1800" dirty="0" err="1">
-                <a:solidFill>
-                  <a:srgbClr val="7FC2EF"/>
-                </a:solidFill>
-                <a:effectLst/>
-                <a:latin typeface="JetBrains Mono"/>
-              </a:rPr>
-              <a:t>forceUpdate</a:t>
-            </a:r>
-            <a:r>
-              <a:rPr lang="en-US" sz="1800" dirty="0">
-                <a:solidFill>
-                  <a:srgbClr val="B4C2F0"/>
-                </a:solidFill>
-                <a:effectLst/>
-                <a:latin typeface="JetBrains Mono"/>
-              </a:rPr>
-              <a:t>);</a:t>
-            </a:r>
-            <a:br>
-              <a:rPr lang="en-US" sz="1800" dirty="0">
-                <a:solidFill>
-                  <a:srgbClr val="B4C2F0"/>
-                </a:solidFill>
-                <a:effectLst/>
-                <a:latin typeface="JetBrains Mono"/>
-              </a:rPr>
-            </a:br>
-            <a:br>
-              <a:rPr lang="en-US" sz="1800" dirty="0">
-                <a:solidFill>
-                  <a:srgbClr val="475F76"/>
-                </a:solidFill>
-                <a:effectLst/>
-                <a:latin typeface="JetBrains Mono"/>
-              </a:rPr>
-            </a:br>
-            <a:r>
-              <a:rPr lang="en-US" sz="1800" i="1" dirty="0">
-                <a:solidFill>
-                  <a:srgbClr val="B877DB"/>
-                </a:solidFill>
-                <a:effectLst/>
-                <a:latin typeface="JetBrains Mono"/>
-              </a:rPr>
-              <a:t>public </a:t>
-            </a:r>
-            <a:r>
-              <a:rPr lang="en-US" sz="1800" i="1" dirty="0" err="1">
-                <a:solidFill>
-                  <a:srgbClr val="5C7EB1"/>
-                </a:solidFill>
-                <a:effectLst/>
-                <a:latin typeface="JetBrains Mono"/>
-              </a:rPr>
-              <a:t>IObservable</a:t>
-            </a:r>
-            <a:r>
-              <a:rPr lang="en-US" sz="1800" dirty="0">
-                <a:solidFill>
-                  <a:srgbClr val="BAACFF"/>
-                </a:solidFill>
-                <a:effectLst/>
-                <a:latin typeface="JetBrains Mono"/>
-              </a:rPr>
-              <a:t>&lt;</a:t>
-            </a:r>
-            <a:r>
-              <a:rPr lang="en-US" sz="1800" i="1" dirty="0" err="1">
-                <a:solidFill>
-                  <a:srgbClr val="5C7EB1"/>
-                </a:solidFill>
-                <a:effectLst/>
-                <a:latin typeface="JetBrains Mono"/>
-              </a:rPr>
-              <a:t>IEnumerable</a:t>
-            </a:r>
-            <a:r>
-              <a:rPr lang="en-US" sz="1800" dirty="0">
-                <a:solidFill>
-                  <a:srgbClr val="BAACFF"/>
-                </a:solidFill>
-                <a:effectLst/>
-                <a:latin typeface="JetBrains Mono"/>
-              </a:rPr>
-              <a:t>&lt;</a:t>
-            </a:r>
-            <a:r>
-              <a:rPr lang="en-US" sz="1800" i="1" dirty="0">
-                <a:solidFill>
-                  <a:srgbClr val="B877DB"/>
-                </a:solidFill>
-                <a:effectLst/>
-                <a:latin typeface="JetBrains Mono"/>
-              </a:rPr>
-              <a:t>string</a:t>
-            </a:r>
-            <a:r>
-              <a:rPr lang="en-US" sz="1800" dirty="0">
-                <a:solidFill>
-                  <a:srgbClr val="B6C4F2"/>
-                </a:solidFill>
-                <a:effectLst/>
-                <a:latin typeface="JetBrains Mono"/>
-              </a:rPr>
-              <a:t>?</a:t>
-            </a:r>
-            <a:r>
-              <a:rPr lang="en-US" sz="1800" dirty="0">
-                <a:solidFill>
-                  <a:srgbClr val="BAACFF"/>
-                </a:solidFill>
-                <a:effectLst/>
-                <a:latin typeface="JetBrains Mono"/>
-              </a:rPr>
-              <a:t>&gt;&gt; </a:t>
-            </a:r>
-            <a:r>
-              <a:rPr lang="en-US" sz="1800" dirty="0" err="1">
-                <a:solidFill>
-                  <a:srgbClr val="FAB795"/>
-                </a:solidFill>
-                <a:effectLst/>
-                <a:latin typeface="JetBrains Mono"/>
-              </a:rPr>
-              <a:t>GetStoreMetadata</a:t>
-            </a:r>
-            <a:r>
-              <a:rPr lang="en-US" sz="1800" dirty="0">
-                <a:solidFill>
-                  <a:srgbClr val="B4C2F0"/>
-                </a:solidFill>
-                <a:effectLst/>
-                <a:latin typeface="JetBrains Mono"/>
-              </a:rPr>
-              <a:t>(</a:t>
-            </a:r>
-            <a:r>
-              <a:rPr lang="en-US" sz="1800" i="1" dirty="0">
-                <a:solidFill>
-                  <a:srgbClr val="B877DB"/>
-                </a:solidFill>
-                <a:effectLst/>
-                <a:latin typeface="JetBrains Mono"/>
-              </a:rPr>
-              <a:t>bool </a:t>
-            </a:r>
-            <a:r>
-              <a:rPr lang="en-US" sz="1800" dirty="0" err="1">
-                <a:solidFill>
-                  <a:srgbClr val="7FC2EF"/>
-                </a:solidFill>
-                <a:effectLst/>
-                <a:latin typeface="JetBrains Mono"/>
-              </a:rPr>
-              <a:t>forceUpdate</a:t>
-            </a:r>
-            <a:r>
-              <a:rPr lang="en-US" sz="1800" dirty="0">
-                <a:solidFill>
-                  <a:srgbClr val="7FC2EF"/>
-                </a:solidFill>
-                <a:effectLst/>
-                <a:latin typeface="JetBrains Mono"/>
-              </a:rPr>
-              <a:t> </a:t>
-            </a:r>
-            <a:r>
-              <a:rPr lang="en-US" sz="1800" dirty="0">
-                <a:solidFill>
-                  <a:srgbClr val="BAACFF"/>
-                </a:solidFill>
-                <a:effectLst/>
-                <a:latin typeface="JetBrains Mono"/>
-              </a:rPr>
-              <a:t>= </a:t>
-            </a:r>
-            <a:r>
-              <a:rPr lang="en-US" sz="1800" i="1" dirty="0">
-                <a:solidFill>
-                  <a:srgbClr val="B877DB"/>
-                </a:solidFill>
-                <a:effectLst/>
-                <a:latin typeface="JetBrains Mono"/>
-              </a:rPr>
-              <a:t>false</a:t>
-            </a:r>
-            <a:r>
-              <a:rPr lang="en-US" sz="1800" dirty="0">
-                <a:solidFill>
-                  <a:srgbClr val="B4C2F0"/>
-                </a:solidFill>
-                <a:effectLst/>
-                <a:latin typeface="JetBrains Mono"/>
-              </a:rPr>
-              <a:t>) </a:t>
-            </a:r>
-            <a:r>
-              <a:rPr lang="en-US" sz="1800" dirty="0">
-                <a:solidFill>
-                  <a:srgbClr val="B6C4F2"/>
-                </a:solidFill>
-                <a:effectLst/>
-                <a:latin typeface="JetBrains Mono"/>
-              </a:rPr>
-              <a:t>=&gt;</a:t>
-            </a:r>
-            <a:br>
-              <a:rPr lang="en-US" sz="1800" dirty="0">
-                <a:solidFill>
-                  <a:srgbClr val="B6C4F2"/>
-                </a:solidFill>
-                <a:effectLst/>
-                <a:latin typeface="JetBrains Mono"/>
-              </a:rPr>
-            </a:br>
-            <a:r>
-              <a:rPr lang="en-US" sz="1800" dirty="0">
-                <a:solidFill>
-                  <a:srgbClr val="B6C4F2"/>
-                </a:solidFill>
-                <a:effectLst/>
-                <a:latin typeface="JetBrains Mono"/>
-              </a:rPr>
-              <a:t>    </a:t>
-            </a:r>
-            <a:r>
-              <a:rPr lang="en-US" sz="1800" dirty="0">
-                <a:solidFill>
-                  <a:srgbClr val="34D3FB"/>
-                </a:solidFill>
-                <a:effectLst/>
-                <a:latin typeface="JetBrains Mono"/>
-              </a:rPr>
-              <a:t>_</a:t>
-            </a:r>
-            <a:r>
-              <a:rPr lang="en-US" sz="1800" dirty="0" err="1">
-                <a:solidFill>
-                  <a:srgbClr val="34D3FB"/>
-                </a:solidFill>
-                <a:effectLst/>
-                <a:latin typeface="JetBrains Mono"/>
-              </a:rPr>
-              <a:t>apiContract</a:t>
-            </a:r>
-            <a:br>
-              <a:rPr lang="en-US" sz="1800" dirty="0">
-                <a:solidFill>
-                  <a:srgbClr val="34D3FB"/>
-                </a:solidFill>
-                <a:effectLst/>
-                <a:latin typeface="JetBrains Mono"/>
-              </a:rPr>
-            </a:br>
-            <a:r>
-              <a:rPr lang="en-US" sz="1800" dirty="0">
-                <a:solidFill>
-                  <a:srgbClr val="34D3FB"/>
-                </a:solidFill>
-                <a:effectLst/>
-                <a:latin typeface="JetBrains Mono"/>
-              </a:rPr>
-              <a:t>        </a:t>
-            </a:r>
-            <a:r>
-              <a:rPr lang="en-US" sz="1800" dirty="0">
-                <a:solidFill>
-                  <a:srgbClr val="B4C2F0"/>
-                </a:solidFill>
-                <a:effectLst/>
-                <a:latin typeface="JetBrains Mono"/>
-              </a:rPr>
-              <a:t>.</a:t>
-            </a:r>
-            <a:r>
-              <a:rPr lang="en-US" sz="1800" dirty="0" err="1">
-                <a:solidFill>
-                  <a:srgbClr val="FAB795"/>
-                </a:solidFill>
-                <a:effectLst/>
-                <a:latin typeface="JetBrains Mono"/>
-              </a:rPr>
-              <a:t>GetMetadata</a:t>
-            </a:r>
-            <a:r>
-              <a:rPr lang="en-US" sz="1800" dirty="0">
-                <a:solidFill>
-                  <a:srgbClr val="B4C2F0"/>
-                </a:solidFill>
-                <a:effectLst/>
-                <a:latin typeface="JetBrains Mono"/>
-              </a:rPr>
-              <a:t>(</a:t>
-            </a:r>
-            <a:r>
-              <a:rPr lang="en-US" sz="1800" dirty="0" err="1">
-                <a:solidFill>
-                  <a:srgbClr val="BAACFF"/>
-                </a:solidFill>
-                <a:effectLst/>
-                <a:latin typeface="JetBrains Mono"/>
-              </a:rPr>
-              <a:t>FunctionParameters</a:t>
-            </a:r>
-            <a:r>
-              <a:rPr lang="en-US" sz="1800" dirty="0" err="1">
-                <a:solidFill>
-                  <a:srgbClr val="B4C2F0"/>
-                </a:solidFill>
-                <a:effectLst/>
-                <a:latin typeface="JetBrains Mono"/>
-              </a:rPr>
-              <a:t>.</a:t>
-            </a:r>
-            <a:r>
-              <a:rPr lang="en-US" sz="1800" dirty="0" err="1">
-                <a:solidFill>
-                  <a:srgbClr val="34D3FB"/>
-                </a:solidFill>
-                <a:effectLst/>
-                <a:latin typeface="JetBrains Mono"/>
-              </a:rPr>
-              <a:t>Default</a:t>
-            </a:r>
-            <a:r>
-              <a:rPr lang="en-US" sz="1800" dirty="0">
-                <a:solidFill>
-                  <a:srgbClr val="B4C2F0"/>
-                </a:solidFill>
-                <a:effectLst/>
-                <a:latin typeface="JetBrains Mono"/>
-              </a:rPr>
-              <a:t>)</a:t>
-            </a:r>
-            <a:br>
-              <a:rPr lang="en-US" sz="1800" dirty="0">
-                <a:solidFill>
-                  <a:srgbClr val="B4C2F0"/>
-                </a:solidFill>
-                <a:effectLst/>
-                <a:latin typeface="JetBrains Mono"/>
-              </a:rPr>
-            </a:br>
-            <a:r>
-              <a:rPr lang="en-US" sz="1800" dirty="0">
-                <a:solidFill>
-                  <a:srgbClr val="B4C2F0"/>
-                </a:solidFill>
-                <a:effectLst/>
-                <a:latin typeface="JetBrains Mono"/>
-              </a:rPr>
-              <a:t>        .</a:t>
-            </a:r>
-            <a:r>
-              <a:rPr lang="en-US" sz="1800" dirty="0" err="1">
-                <a:solidFill>
-                  <a:srgbClr val="FAB795"/>
-                </a:solidFill>
-                <a:effectLst/>
-                <a:latin typeface="JetBrains Mono"/>
-              </a:rPr>
-              <a:t>CacheApiResult</a:t>
-            </a:r>
-            <a:r>
-              <a:rPr lang="en-US" sz="1800" dirty="0">
-                <a:solidFill>
-                  <a:srgbClr val="B4C2F0"/>
-                </a:solidFill>
-                <a:effectLst/>
-                <a:latin typeface="JetBrains Mono"/>
-              </a:rPr>
-              <a:t>(</a:t>
-            </a:r>
-            <a:r>
-              <a:rPr lang="en-US" sz="1800" dirty="0">
-                <a:solidFill>
-                  <a:srgbClr val="64D1A9"/>
-                </a:solidFill>
-                <a:effectLst/>
-                <a:latin typeface="JetBrains Mono"/>
-              </a:rPr>
-              <a:t>$"{</a:t>
-            </a:r>
-            <a:r>
-              <a:rPr lang="en-US" sz="1800" i="1" dirty="0" err="1">
-                <a:solidFill>
-                  <a:srgbClr val="B877DB"/>
-                </a:solidFill>
-                <a:effectLst/>
-                <a:latin typeface="JetBrains Mono"/>
-              </a:rPr>
-              <a:t>nameof</a:t>
-            </a:r>
-            <a:r>
-              <a:rPr lang="en-US" sz="1800" dirty="0">
-                <a:solidFill>
-                  <a:srgbClr val="B4C2F0"/>
-                </a:solidFill>
-                <a:effectLst/>
-                <a:latin typeface="JetBrains Mono"/>
-              </a:rPr>
-              <a:t>(</a:t>
-            </a:r>
-            <a:r>
-              <a:rPr lang="en-US" sz="1800" dirty="0" err="1">
-                <a:solidFill>
-                  <a:srgbClr val="FAB795"/>
-                </a:solidFill>
-                <a:effectLst/>
-                <a:latin typeface="JetBrains Mono"/>
-              </a:rPr>
-              <a:t>GetStoreMetadata</a:t>
-            </a:r>
-            <a:r>
-              <a:rPr lang="en-US" sz="1800" dirty="0">
-                <a:solidFill>
-                  <a:srgbClr val="B4C2F0"/>
-                </a:solidFill>
-                <a:effectLst/>
-                <a:latin typeface="JetBrains Mono"/>
-              </a:rPr>
-              <a:t>)</a:t>
-            </a:r>
-            <a:r>
-              <a:rPr lang="en-US" sz="1800" dirty="0">
-                <a:solidFill>
-                  <a:srgbClr val="64D1A9"/>
-                </a:solidFill>
-                <a:effectLst/>
-                <a:latin typeface="JetBrains Mono"/>
-              </a:rPr>
-              <a:t>}"</a:t>
-            </a:r>
-            <a:r>
-              <a:rPr lang="en-US" sz="1800" dirty="0">
-                <a:solidFill>
-                  <a:srgbClr val="B4C2F0"/>
-                </a:solidFill>
-                <a:effectLst/>
-                <a:latin typeface="JetBrains Mono"/>
-              </a:rPr>
-              <a:t>, </a:t>
-            </a:r>
-            <a:r>
-              <a:rPr lang="en-US" sz="1800" dirty="0">
-                <a:solidFill>
-                  <a:srgbClr val="34D3FB"/>
-                </a:solidFill>
-                <a:effectLst/>
-                <a:latin typeface="JetBrains Mono"/>
-              </a:rPr>
-              <a:t>_</a:t>
-            </a:r>
-            <a:r>
-              <a:rPr lang="en-US" sz="1800" dirty="0" err="1">
-                <a:solidFill>
-                  <a:srgbClr val="34D3FB"/>
-                </a:solidFill>
-                <a:effectLst/>
-                <a:latin typeface="JetBrains Mono"/>
-              </a:rPr>
-              <a:t>blobCache</a:t>
-            </a:r>
-            <a:r>
-              <a:rPr lang="en-US" sz="1800" dirty="0">
-                <a:solidFill>
-                  <a:srgbClr val="B4C2F0"/>
-                </a:solidFill>
-                <a:effectLst/>
-                <a:latin typeface="JetBrains Mono"/>
-              </a:rPr>
-              <a:t>, </a:t>
-            </a:r>
-            <a:r>
-              <a:rPr lang="en-US" sz="1800" dirty="0">
-                <a:solidFill>
-                  <a:srgbClr val="34D3FB"/>
-                </a:solidFill>
-                <a:effectLst/>
-                <a:latin typeface="JetBrains Mono"/>
-              </a:rPr>
-              <a:t>_logger</a:t>
-            </a:r>
-            <a:r>
-              <a:rPr lang="en-US" sz="1800" dirty="0">
-                <a:solidFill>
-                  <a:srgbClr val="B4C2F0"/>
-                </a:solidFill>
-                <a:effectLst/>
-                <a:latin typeface="JetBrains Mono"/>
-              </a:rPr>
-              <a:t>, </a:t>
-            </a:r>
-            <a:r>
-              <a:rPr lang="en-US" sz="1800" dirty="0" err="1">
-                <a:solidFill>
-                  <a:srgbClr val="7FC2EF"/>
-                </a:solidFill>
-                <a:effectLst/>
-                <a:latin typeface="JetBrains Mono"/>
-              </a:rPr>
-              <a:t>forceUpdate</a:t>
-            </a:r>
-            <a:r>
-              <a:rPr lang="en-US" sz="1800" dirty="0">
-                <a:solidFill>
-                  <a:srgbClr val="B6C4F2"/>
-                </a:solidFill>
-                <a:effectLst/>
-                <a:latin typeface="JetBrains Mono"/>
-              </a:rPr>
-              <a:t>: </a:t>
-            </a:r>
-            <a:r>
-              <a:rPr lang="en-US" sz="1800" dirty="0" err="1">
-                <a:solidFill>
-                  <a:srgbClr val="7FC2EF"/>
-                </a:solidFill>
-                <a:effectLst/>
-                <a:latin typeface="JetBrains Mono"/>
-              </a:rPr>
-              <a:t>forceUpdate</a:t>
-            </a:r>
-            <a:r>
-              <a:rPr lang="en-US" sz="1800" dirty="0">
-                <a:solidFill>
-                  <a:srgbClr val="B4C2F0"/>
-                </a:solidFill>
-                <a:effectLst/>
-                <a:latin typeface="JetBrains Mono"/>
-              </a:rPr>
-              <a:t>);</a:t>
-            </a:r>
-            <a:endParaRPr lang="en-US" sz="1800" dirty="0">
-              <a:solidFill>
-                <a:srgbClr val="B6C4F2"/>
-              </a:solidFill>
-              <a:effectLst/>
-              <a:latin typeface="JetBrains Mono"/>
-            </a:endParaRPr>
-          </a:p>
-          <a:p>
-            <a:endParaRPr lang="en-US" dirty="0"/>
-          </a:p>
-        </p:txBody>
-      </p:sp>
-      <p:sp>
-        <p:nvSpPr>
-          <p:cNvPr id="7" name="Text Placeholder 6">
-            <a:extLst>
-              <a:ext uri="{FF2B5EF4-FFF2-40B4-BE49-F238E27FC236}">
-                <a16:creationId xmlns:a16="http://schemas.microsoft.com/office/drawing/2014/main" id="{DF183272-0DF2-5D57-5A1C-2276A120E13C}"/>
-              </a:ext>
-            </a:extLst>
-          </p:cNvPr>
-          <p:cNvSpPr>
-            <a:spLocks noGrp="1"/>
-          </p:cNvSpPr>
-          <p:nvPr>
-            <p:ph type="body" sz="quarter" idx="3"/>
-          </p:nvPr>
-        </p:nvSpPr>
-        <p:spPr/>
-        <p:txBody>
-          <a:bodyPr/>
-          <a:lstStyle/>
+              <a:t>Composing the pipeline steps together</a:t>
+            </a:r>
+          </a:p>
           <a:p>
             <a:r>
               <a:rPr lang="en-US" dirty="0"/>
-              <a:t>F# Functions as Dependencies …?</a:t>
-            </a:r>
-          </a:p>
-        </p:txBody>
-      </p:sp>
-      <p:sp>
-        <p:nvSpPr>
-          <p:cNvPr id="8" name="Content Placeholder 7">
-            <a:extLst>
-              <a:ext uri="{FF2B5EF4-FFF2-40B4-BE49-F238E27FC236}">
-                <a16:creationId xmlns:a16="http://schemas.microsoft.com/office/drawing/2014/main" id="{984F43BB-4759-0052-87C3-EF375750366A}"/>
-              </a:ext>
-            </a:extLst>
-          </p:cNvPr>
-          <p:cNvSpPr>
-            <a:spLocks noGrp="1"/>
-          </p:cNvSpPr>
-          <p:nvPr>
-            <p:ph sz="quarter" idx="4"/>
-          </p:nvPr>
-        </p:nvSpPr>
-        <p:spPr/>
-        <p:txBody>
-          <a:bodyPr>
-            <a:normAutofit fontScale="47500" lnSpcReduction="20000"/>
-          </a:bodyPr>
-          <a:lstStyle/>
-          <a:p>
-            <a:endParaRPr lang="en-US" dirty="0"/>
+              <a:t>Looks just like how I compose my API services</a:t>
+            </a:r>
+          </a:p>
+          <a:p>
+            <a:pPr lvl="1"/>
+            <a:r>
+              <a:rPr lang="en-US" dirty="0"/>
+              <a:t>Client</a:t>
+            </a:r>
+          </a:p>
+          <a:p>
+            <a:pPr lvl="2"/>
+            <a:r>
+              <a:rPr lang="en-US" dirty="0"/>
+              <a:t>Caches</a:t>
+            </a:r>
+          </a:p>
+          <a:p>
+            <a:pPr lvl="1"/>
+            <a:r>
+              <a:rPr lang="en-US" dirty="0"/>
+              <a:t>Service</a:t>
+            </a:r>
+          </a:p>
+          <a:p>
+            <a:pPr lvl="2"/>
+            <a:r>
+              <a:rPr lang="en-US" dirty="0"/>
+              <a:t>Caches</a:t>
+            </a:r>
           </a:p>
         </p:txBody>
       </p:sp>
     </p:spTree>
     <p:extLst>
       <p:ext uri="{BB962C8B-B14F-4D97-AF65-F5344CB8AC3E}">
-        <p14:creationId xmlns:p14="http://schemas.microsoft.com/office/powerpoint/2010/main" val="368410186"/>
+        <p14:creationId xmlns:p14="http://schemas.microsoft.com/office/powerpoint/2010/main" val="1707269977"/>
       </p:ext>
     </p:extLst>
   </p:cSld>
@@ -7147,10 +5565,10 @@
       </p:grpSpPr>
       <p:sp>
         <p:nvSpPr>
-          <p:cNvPr id="2" name="Title 1">
+          <p:cNvPr id="4" name="Title 3">
             <a:extLst>
               <a:ext uri="{FF2B5EF4-FFF2-40B4-BE49-F238E27FC236}">
-                <a16:creationId xmlns:a16="http://schemas.microsoft.com/office/drawing/2014/main" id="{956A72C7-137C-C7B9-9CF9-388F46523C00}"/>
+                <a16:creationId xmlns:a16="http://schemas.microsoft.com/office/drawing/2014/main" id="{286B93D1-123B-7521-C5F3-F0541A63F624}"/>
               </a:ext>
             </a:extLst>
           </p:cNvPr>
@@ -7169,17 +5587,17 @@
             <a:pPr algn="ctr"/>
             <a:r>
               <a:rPr lang="en-US" dirty="0"/>
-              <a:t>The Silver Bullet: Reactive Extensions</a:t>
-            </a:r>
-          </a:p>
-        </p:txBody>
-      </p:sp>
-      <p:sp>
-        <p:nvSpPr>
-          <p:cNvPr id="3" name="Content Placeholder 2">
+              <a:t>The light bulb moment</a:t>
+            </a:r>
+          </a:p>
+        </p:txBody>
+      </p:sp>
+      <p:sp>
+        <p:nvSpPr>
+          <p:cNvPr id="5" name="Text Placeholder 4">
             <a:extLst>
               <a:ext uri="{FF2B5EF4-FFF2-40B4-BE49-F238E27FC236}">
-                <a16:creationId xmlns:a16="http://schemas.microsoft.com/office/drawing/2014/main" id="{14E14430-C0A5-1652-6FDD-EA60D4233023}"/>
+                <a16:creationId xmlns:a16="http://schemas.microsoft.com/office/drawing/2014/main" id="{4477CC2F-F74C-33CE-B711-ED9852763A59}"/>
               </a:ext>
             </a:extLst>
           </p:cNvPr>
@@ -7187,7 +5605,7 @@
             <a:spLocks noGrp="1"/>
           </p:cNvSpPr>
           <p:nvPr>
-            <p:ph idx="1"/>
+            <p:ph type="body" idx="1"/>
           </p:nvPr>
         </p:nvSpPr>
         <p:spPr/>
@@ -7197,27 +5615,2145 @@
           <a:p>
             <a:r>
               <a:rPr lang="en-US" dirty="0"/>
-              <a:t>Not a silver bullet</a:t>
-            </a:r>
-          </a:p>
+              <a:t>C# Dependencies with Functions …</a:t>
+            </a:r>
+          </a:p>
+        </p:txBody>
+      </p:sp>
+      <p:sp>
+        <p:nvSpPr>
+          <p:cNvPr id="6" name="Content Placeholder 5">
+            <a:extLst>
+              <a:ext uri="{FF2B5EF4-FFF2-40B4-BE49-F238E27FC236}">
+                <a16:creationId xmlns:a16="http://schemas.microsoft.com/office/drawing/2014/main" id="{F59DC9C1-35BB-63FC-52FF-0125FB764E60}"/>
+              </a:ext>
+            </a:extLst>
+          </p:cNvPr>
+          <p:cNvSpPr>
+            <a:spLocks noGrp="1"/>
+          </p:cNvSpPr>
+          <p:nvPr>
+            <p:ph sz="half" idx="2"/>
+          </p:nvPr>
+        </p:nvSpPr>
+        <p:spPr/>
+        <p:txBody>
+          <a:bodyPr>
+            <a:normAutofit fontScale="47500" lnSpcReduction="20000"/>
+          </a:bodyPr>
+          <a:lstStyle/>
+          <a:p>
+            <a:br>
+              <a:rPr lang="en-US" sz="1800" dirty="0">
+                <a:solidFill>
+                  <a:srgbClr val="475F76"/>
+                </a:solidFill>
+                <a:effectLst/>
+                <a:latin typeface="JetBrains Mono"/>
+              </a:rPr>
+            </a:br>
+            <a:r>
+              <a:rPr lang="en-US" sz="1800" i="1" dirty="0">
+                <a:solidFill>
+                  <a:srgbClr val="B877DB"/>
+                </a:solidFill>
+                <a:effectLst/>
+                <a:latin typeface="JetBrains Mono"/>
+              </a:rPr>
+              <a:t>public </a:t>
+            </a:r>
+            <a:r>
+              <a:rPr lang="en-US" sz="1800" dirty="0" err="1">
+                <a:solidFill>
+                  <a:srgbClr val="BAACFF"/>
+                </a:solidFill>
+                <a:effectLst/>
+                <a:latin typeface="JetBrains Mono"/>
+              </a:rPr>
+              <a:t>StoreApiClient</a:t>
+            </a:r>
+            <a:r>
+              <a:rPr lang="en-US" sz="1800" dirty="0">
+                <a:solidFill>
+                  <a:srgbClr val="B4C2F0"/>
+                </a:solidFill>
+                <a:effectLst/>
+                <a:latin typeface="JetBrains Mono"/>
+              </a:rPr>
+              <a:t>(</a:t>
+            </a:r>
+            <a:r>
+              <a:rPr lang="en-US" sz="1800" i="1" dirty="0" err="1">
+                <a:solidFill>
+                  <a:srgbClr val="5C7EB1"/>
+                </a:solidFill>
+                <a:effectLst/>
+                <a:latin typeface="JetBrains Mono"/>
+              </a:rPr>
+              <a:t>IStoreApiContract</a:t>
+            </a:r>
+            <a:r>
+              <a:rPr lang="en-US" sz="1800" i="1" dirty="0">
+                <a:solidFill>
+                  <a:srgbClr val="5C7EB1"/>
+                </a:solidFill>
+                <a:effectLst/>
+                <a:latin typeface="JetBrains Mono"/>
+              </a:rPr>
+              <a:t> </a:t>
+            </a:r>
+            <a:r>
+              <a:rPr lang="en-US" sz="1800" dirty="0" err="1">
+                <a:solidFill>
+                  <a:srgbClr val="7FC2EF"/>
+                </a:solidFill>
+                <a:effectLst/>
+                <a:latin typeface="JetBrains Mono"/>
+              </a:rPr>
+              <a:t>apiContract</a:t>
+            </a:r>
+            <a:r>
+              <a:rPr lang="en-US" sz="1800" dirty="0">
+                <a:solidFill>
+                  <a:srgbClr val="B4C2F0"/>
+                </a:solidFill>
+                <a:effectLst/>
+                <a:latin typeface="JetBrains Mono"/>
+              </a:rPr>
+              <a:t>, </a:t>
+            </a:r>
+            <a:r>
+              <a:rPr lang="en-US" sz="1800" i="1" dirty="0" err="1">
+                <a:solidFill>
+                  <a:srgbClr val="5C7EB1"/>
+                </a:solidFill>
+                <a:effectLst/>
+                <a:latin typeface="JetBrains Mono"/>
+              </a:rPr>
+              <a:t>IBlobCache</a:t>
+            </a:r>
+            <a:r>
+              <a:rPr lang="en-US" sz="1800" i="1" dirty="0">
+                <a:solidFill>
+                  <a:srgbClr val="5C7EB1"/>
+                </a:solidFill>
+                <a:effectLst/>
+                <a:latin typeface="JetBrains Mono"/>
+              </a:rPr>
+              <a:t> </a:t>
+            </a:r>
+            <a:r>
+              <a:rPr lang="en-US" sz="1800" dirty="0" err="1">
+                <a:solidFill>
+                  <a:srgbClr val="7FC2EF"/>
+                </a:solidFill>
+                <a:effectLst/>
+                <a:latin typeface="JetBrains Mono"/>
+              </a:rPr>
+              <a:t>blobCache</a:t>
+            </a:r>
+            <a:r>
+              <a:rPr lang="en-US" sz="1800" dirty="0">
+                <a:solidFill>
+                  <a:srgbClr val="B4C2F0"/>
+                </a:solidFill>
+                <a:effectLst/>
+                <a:latin typeface="JetBrains Mono"/>
+              </a:rPr>
+              <a:t>, </a:t>
+            </a:r>
+            <a:r>
+              <a:rPr lang="en-US" sz="1800" i="1" dirty="0" err="1">
+                <a:solidFill>
+                  <a:srgbClr val="5C7EB1"/>
+                </a:solidFill>
+                <a:effectLst/>
+                <a:latin typeface="JetBrains Mono"/>
+              </a:rPr>
+              <a:t>ILogManager</a:t>
+            </a:r>
+            <a:r>
+              <a:rPr lang="en-US" sz="1800" i="1" dirty="0">
+                <a:solidFill>
+                  <a:srgbClr val="5C7EB1"/>
+                </a:solidFill>
+                <a:effectLst/>
+                <a:latin typeface="JetBrains Mono"/>
+              </a:rPr>
+              <a:t> </a:t>
+            </a:r>
+            <a:r>
+              <a:rPr lang="en-US" sz="1800" dirty="0">
+                <a:solidFill>
+                  <a:srgbClr val="7FC2EF"/>
+                </a:solidFill>
+                <a:effectLst/>
+                <a:latin typeface="JetBrains Mono"/>
+              </a:rPr>
+              <a:t>logger</a:t>
+            </a:r>
+            <a:r>
+              <a:rPr lang="en-US" sz="1800" dirty="0">
+                <a:solidFill>
+                  <a:srgbClr val="B4C2F0"/>
+                </a:solidFill>
+                <a:effectLst/>
+                <a:latin typeface="JetBrains Mono"/>
+              </a:rPr>
+              <a:t>)</a:t>
+            </a:r>
+            <a:br>
+              <a:rPr lang="en-US" sz="1800" dirty="0">
+                <a:solidFill>
+                  <a:srgbClr val="B4C2F0"/>
+                </a:solidFill>
+                <a:effectLst/>
+                <a:latin typeface="JetBrains Mono"/>
+              </a:rPr>
+            </a:br>
+            <a:r>
+              <a:rPr lang="en-US" sz="1800" dirty="0">
+                <a:solidFill>
+                  <a:srgbClr val="7FDAFF"/>
+                </a:solidFill>
+                <a:effectLst/>
+                <a:latin typeface="JetBrains Mono"/>
+              </a:rPr>
+              <a:t>{</a:t>
+            </a:r>
+            <a:br>
+              <a:rPr lang="en-US" sz="1800" dirty="0">
+                <a:solidFill>
+                  <a:srgbClr val="7FDAFF"/>
+                </a:solidFill>
+                <a:effectLst/>
+                <a:latin typeface="JetBrains Mono"/>
+              </a:rPr>
+            </a:br>
+            <a:r>
+              <a:rPr lang="en-US" sz="1800" dirty="0">
+                <a:solidFill>
+                  <a:srgbClr val="7FDAFF"/>
+                </a:solidFill>
+                <a:effectLst/>
+                <a:latin typeface="JetBrains Mono"/>
+              </a:rPr>
+              <a:t>    </a:t>
+            </a:r>
+            <a:r>
+              <a:rPr lang="en-US" sz="1800" dirty="0">
+                <a:solidFill>
+                  <a:srgbClr val="34D3FB"/>
+                </a:solidFill>
+                <a:effectLst/>
+                <a:latin typeface="JetBrains Mono"/>
+              </a:rPr>
+              <a:t>_</a:t>
+            </a:r>
+            <a:r>
+              <a:rPr lang="en-US" sz="1800" dirty="0" err="1">
+                <a:solidFill>
+                  <a:srgbClr val="34D3FB"/>
+                </a:solidFill>
+                <a:effectLst/>
+                <a:latin typeface="JetBrains Mono"/>
+              </a:rPr>
+              <a:t>apiContract</a:t>
+            </a:r>
+            <a:r>
+              <a:rPr lang="en-US" sz="1800" dirty="0">
+                <a:solidFill>
+                  <a:srgbClr val="34D3FB"/>
+                </a:solidFill>
+                <a:effectLst/>
+                <a:latin typeface="JetBrains Mono"/>
+              </a:rPr>
+              <a:t> </a:t>
+            </a:r>
+            <a:r>
+              <a:rPr lang="en-US" sz="1800" dirty="0">
+                <a:solidFill>
+                  <a:srgbClr val="BAACFF"/>
+                </a:solidFill>
+                <a:effectLst/>
+                <a:latin typeface="JetBrains Mono"/>
+              </a:rPr>
+              <a:t>= </a:t>
+            </a:r>
+            <a:r>
+              <a:rPr lang="en-US" sz="1800" dirty="0" err="1">
+                <a:solidFill>
+                  <a:srgbClr val="7FC2EF"/>
+                </a:solidFill>
+                <a:effectLst/>
+                <a:latin typeface="JetBrains Mono"/>
+              </a:rPr>
+              <a:t>apiContract</a:t>
+            </a:r>
+            <a:r>
+              <a:rPr lang="en-US" sz="1800" dirty="0">
+                <a:solidFill>
+                  <a:srgbClr val="B4C2F0"/>
+                </a:solidFill>
+                <a:effectLst/>
+                <a:latin typeface="JetBrains Mono"/>
+              </a:rPr>
+              <a:t>;</a:t>
+            </a:r>
+            <a:br>
+              <a:rPr lang="en-US" sz="1800" dirty="0">
+                <a:solidFill>
+                  <a:srgbClr val="B4C2F0"/>
+                </a:solidFill>
+                <a:effectLst/>
+                <a:latin typeface="JetBrains Mono"/>
+              </a:rPr>
+            </a:br>
+            <a:r>
+              <a:rPr lang="en-US" sz="1800" dirty="0">
+                <a:solidFill>
+                  <a:srgbClr val="B4C2F0"/>
+                </a:solidFill>
+                <a:effectLst/>
+                <a:latin typeface="JetBrains Mono"/>
+              </a:rPr>
+              <a:t>    </a:t>
+            </a:r>
+            <a:r>
+              <a:rPr lang="en-US" sz="1800" dirty="0">
+                <a:solidFill>
+                  <a:srgbClr val="34D3FB"/>
+                </a:solidFill>
+                <a:effectLst/>
+                <a:latin typeface="JetBrains Mono"/>
+              </a:rPr>
+              <a:t>_</a:t>
+            </a:r>
+            <a:r>
+              <a:rPr lang="en-US" sz="1800" dirty="0" err="1">
+                <a:solidFill>
+                  <a:srgbClr val="34D3FB"/>
+                </a:solidFill>
+                <a:effectLst/>
+                <a:latin typeface="JetBrains Mono"/>
+              </a:rPr>
+              <a:t>blobCache</a:t>
+            </a:r>
+            <a:r>
+              <a:rPr lang="en-US" sz="1800" dirty="0">
+                <a:solidFill>
+                  <a:srgbClr val="34D3FB"/>
+                </a:solidFill>
+                <a:effectLst/>
+                <a:latin typeface="JetBrains Mono"/>
+              </a:rPr>
+              <a:t> </a:t>
+            </a:r>
+            <a:r>
+              <a:rPr lang="en-US" sz="1800" dirty="0">
+                <a:solidFill>
+                  <a:srgbClr val="BAACFF"/>
+                </a:solidFill>
+                <a:effectLst/>
+                <a:latin typeface="JetBrains Mono"/>
+              </a:rPr>
+              <a:t>= </a:t>
+            </a:r>
+            <a:r>
+              <a:rPr lang="en-US" sz="1800" dirty="0" err="1">
+                <a:solidFill>
+                  <a:srgbClr val="7FC2EF"/>
+                </a:solidFill>
+                <a:effectLst/>
+                <a:latin typeface="JetBrains Mono"/>
+              </a:rPr>
+              <a:t>blobCache</a:t>
+            </a:r>
+            <a:r>
+              <a:rPr lang="en-US" sz="1800" dirty="0">
+                <a:solidFill>
+                  <a:srgbClr val="B4C2F0"/>
+                </a:solidFill>
+                <a:effectLst/>
+                <a:latin typeface="JetBrains Mono"/>
+              </a:rPr>
+              <a:t>;</a:t>
+            </a:r>
+            <a:br>
+              <a:rPr lang="en-US" sz="1800" dirty="0">
+                <a:solidFill>
+                  <a:srgbClr val="B4C2F0"/>
+                </a:solidFill>
+                <a:effectLst/>
+                <a:latin typeface="JetBrains Mono"/>
+              </a:rPr>
+            </a:br>
+            <a:r>
+              <a:rPr lang="en-US" sz="1800" dirty="0">
+                <a:solidFill>
+                  <a:srgbClr val="B4C2F0"/>
+                </a:solidFill>
+                <a:effectLst/>
+                <a:latin typeface="JetBrains Mono"/>
+              </a:rPr>
+              <a:t>    </a:t>
+            </a:r>
+            <a:r>
+              <a:rPr lang="en-US" sz="1800" dirty="0">
+                <a:solidFill>
+                  <a:srgbClr val="34D3FB"/>
+                </a:solidFill>
+                <a:effectLst/>
+                <a:latin typeface="JetBrains Mono"/>
+              </a:rPr>
+              <a:t>_logger </a:t>
+            </a:r>
+            <a:r>
+              <a:rPr lang="en-US" sz="1800" dirty="0">
+                <a:solidFill>
+                  <a:srgbClr val="BAACFF"/>
+                </a:solidFill>
+                <a:effectLst/>
+                <a:latin typeface="JetBrains Mono"/>
+              </a:rPr>
+              <a:t>= </a:t>
+            </a:r>
+            <a:r>
+              <a:rPr lang="en-US" sz="1800" dirty="0" err="1">
+                <a:solidFill>
+                  <a:srgbClr val="7FC2EF"/>
+                </a:solidFill>
+                <a:effectLst/>
+                <a:latin typeface="JetBrains Mono"/>
+              </a:rPr>
+              <a:t>logger</a:t>
+            </a:r>
+            <a:r>
+              <a:rPr lang="en-US" sz="1800" dirty="0" err="1">
+                <a:solidFill>
+                  <a:srgbClr val="B4C2F0"/>
+                </a:solidFill>
+                <a:effectLst/>
+                <a:latin typeface="JetBrains Mono"/>
+              </a:rPr>
+              <a:t>.</a:t>
+            </a:r>
+            <a:r>
+              <a:rPr lang="en-US" sz="1800" dirty="0" err="1">
+                <a:solidFill>
+                  <a:srgbClr val="FAB795"/>
+                </a:solidFill>
+                <a:effectLst/>
+                <a:latin typeface="JetBrains Mono"/>
+              </a:rPr>
+              <a:t>GetLogger</a:t>
+            </a:r>
+            <a:r>
+              <a:rPr lang="en-US" sz="1800" dirty="0">
+                <a:solidFill>
+                  <a:srgbClr val="B4C2F0"/>
+                </a:solidFill>
+                <a:effectLst/>
+                <a:latin typeface="JetBrains Mono"/>
+              </a:rPr>
+              <a:t>(</a:t>
+            </a:r>
+            <a:r>
+              <a:rPr lang="en-US" sz="1800" dirty="0" err="1">
+                <a:solidFill>
+                  <a:srgbClr val="FAB795"/>
+                </a:solidFill>
+                <a:effectLst/>
+                <a:latin typeface="JetBrains Mono"/>
+              </a:rPr>
+              <a:t>GetType</a:t>
+            </a:r>
+            <a:r>
+              <a:rPr lang="en-US" sz="1800" dirty="0">
+                <a:solidFill>
+                  <a:srgbClr val="B4C2F0"/>
+                </a:solidFill>
+                <a:effectLst/>
+                <a:latin typeface="JetBrains Mono"/>
+              </a:rPr>
+              <a:t>());</a:t>
+            </a:r>
+            <a:br>
+              <a:rPr lang="en-US" sz="1800" dirty="0">
+                <a:solidFill>
+                  <a:srgbClr val="B4C2F0"/>
+                </a:solidFill>
+                <a:effectLst/>
+                <a:latin typeface="JetBrains Mono"/>
+              </a:rPr>
+            </a:br>
+            <a:r>
+              <a:rPr lang="en-US" sz="1800" dirty="0">
+                <a:solidFill>
+                  <a:srgbClr val="7FDAFF"/>
+                </a:solidFill>
+                <a:effectLst/>
+                <a:latin typeface="JetBrains Mono"/>
+              </a:rPr>
+              <a:t>}</a:t>
+            </a:r>
+            <a:br>
+              <a:rPr lang="en-US" sz="1800" dirty="0">
+                <a:solidFill>
+                  <a:srgbClr val="7FDAFF"/>
+                </a:solidFill>
+                <a:effectLst/>
+                <a:latin typeface="JetBrains Mono"/>
+              </a:rPr>
+            </a:br>
+            <a:br>
+              <a:rPr lang="en-US" sz="1800" dirty="0">
+                <a:solidFill>
+                  <a:srgbClr val="475F76"/>
+                </a:solidFill>
+                <a:effectLst/>
+                <a:latin typeface="JetBrains Mono"/>
+              </a:rPr>
+            </a:br>
+            <a:r>
+              <a:rPr lang="en-US" sz="1800" i="1" dirty="0">
+                <a:solidFill>
+                  <a:srgbClr val="B877DB"/>
+                </a:solidFill>
+                <a:effectLst/>
+                <a:latin typeface="JetBrains Mono"/>
+              </a:rPr>
+              <a:t>public </a:t>
+            </a:r>
+            <a:r>
+              <a:rPr lang="en-US" sz="1800" i="1" dirty="0" err="1">
+                <a:solidFill>
+                  <a:srgbClr val="5C7EB1"/>
+                </a:solidFill>
+                <a:effectLst/>
+                <a:latin typeface="JetBrains Mono"/>
+              </a:rPr>
+              <a:t>IObservable</a:t>
+            </a:r>
+            <a:r>
+              <a:rPr lang="en-US" sz="1800" dirty="0">
+                <a:solidFill>
+                  <a:srgbClr val="BAACFF"/>
+                </a:solidFill>
+                <a:effectLst/>
+                <a:latin typeface="JetBrains Mono"/>
+              </a:rPr>
+              <a:t>&lt;</a:t>
+            </a:r>
+            <a:r>
+              <a:rPr lang="en-US" sz="1800" dirty="0" err="1">
+                <a:solidFill>
+                  <a:srgbClr val="BAACFF"/>
+                </a:solidFill>
+                <a:effectLst/>
+                <a:latin typeface="JetBrains Mono"/>
+              </a:rPr>
+              <a:t>StoreDto</a:t>
+            </a:r>
+            <a:r>
+              <a:rPr lang="en-US" sz="1800" dirty="0">
+                <a:solidFill>
+                  <a:srgbClr val="BAACFF"/>
+                </a:solidFill>
+                <a:effectLst/>
+                <a:latin typeface="JetBrains Mono"/>
+              </a:rPr>
+              <a:t>&gt; </a:t>
+            </a:r>
+            <a:r>
+              <a:rPr lang="en-US" sz="1800" dirty="0" err="1">
+                <a:solidFill>
+                  <a:srgbClr val="FAB795"/>
+                </a:solidFill>
+                <a:effectLst/>
+                <a:latin typeface="JetBrains Mono"/>
+              </a:rPr>
+              <a:t>GetStore</a:t>
+            </a:r>
+            <a:r>
+              <a:rPr lang="en-US" sz="1800" dirty="0">
+                <a:solidFill>
+                  <a:srgbClr val="B4C2F0"/>
+                </a:solidFill>
+                <a:effectLst/>
+                <a:latin typeface="JetBrains Mono"/>
+              </a:rPr>
+              <a:t>(</a:t>
+            </a:r>
+            <a:r>
+              <a:rPr lang="en-US" sz="1800" dirty="0" err="1">
+                <a:solidFill>
+                  <a:srgbClr val="DBBE7F"/>
+                </a:solidFill>
+                <a:effectLst/>
+                <a:latin typeface="JetBrains Mono"/>
+              </a:rPr>
+              <a:t>Guid</a:t>
+            </a:r>
+            <a:r>
+              <a:rPr lang="en-US" sz="1800" dirty="0">
+                <a:solidFill>
+                  <a:srgbClr val="DBBE7F"/>
+                </a:solidFill>
+                <a:effectLst/>
+                <a:latin typeface="JetBrains Mono"/>
+              </a:rPr>
+              <a:t> </a:t>
+            </a:r>
+            <a:r>
+              <a:rPr lang="en-US" sz="1800" dirty="0" err="1">
+                <a:solidFill>
+                  <a:srgbClr val="7FC2EF"/>
+                </a:solidFill>
+                <a:effectLst/>
+                <a:latin typeface="JetBrains Mono"/>
+              </a:rPr>
+              <a:t>storeId</a:t>
+            </a:r>
+            <a:r>
+              <a:rPr lang="en-US" sz="1800" dirty="0">
+                <a:solidFill>
+                  <a:srgbClr val="B4C2F0"/>
+                </a:solidFill>
+                <a:effectLst/>
+                <a:latin typeface="JetBrains Mono"/>
+              </a:rPr>
+              <a:t>, </a:t>
+            </a:r>
+            <a:r>
+              <a:rPr lang="en-US" sz="1800" i="1" dirty="0">
+                <a:solidFill>
+                  <a:srgbClr val="B877DB"/>
+                </a:solidFill>
+                <a:effectLst/>
+                <a:latin typeface="JetBrains Mono"/>
+              </a:rPr>
+              <a:t>bool </a:t>
+            </a:r>
+            <a:r>
+              <a:rPr lang="en-US" sz="1800" dirty="0" err="1">
+                <a:solidFill>
+                  <a:srgbClr val="7FC2EF"/>
+                </a:solidFill>
+                <a:effectLst/>
+                <a:latin typeface="JetBrains Mono"/>
+              </a:rPr>
+              <a:t>forceUpdate</a:t>
+            </a:r>
+            <a:r>
+              <a:rPr lang="en-US" sz="1800" dirty="0">
+                <a:solidFill>
+                  <a:srgbClr val="7FC2EF"/>
+                </a:solidFill>
+                <a:effectLst/>
+                <a:latin typeface="JetBrains Mono"/>
+              </a:rPr>
+              <a:t> </a:t>
+            </a:r>
+            <a:r>
+              <a:rPr lang="en-US" sz="1800" dirty="0">
+                <a:solidFill>
+                  <a:srgbClr val="BAACFF"/>
+                </a:solidFill>
+                <a:effectLst/>
+                <a:latin typeface="JetBrains Mono"/>
+              </a:rPr>
+              <a:t>= </a:t>
+            </a:r>
+            <a:r>
+              <a:rPr lang="en-US" sz="1800" i="1" dirty="0">
+                <a:solidFill>
+                  <a:srgbClr val="B877DB"/>
+                </a:solidFill>
+                <a:effectLst/>
+                <a:latin typeface="JetBrains Mono"/>
+              </a:rPr>
+              <a:t>false</a:t>
+            </a:r>
+            <a:r>
+              <a:rPr lang="en-US" sz="1800" dirty="0">
+                <a:solidFill>
+                  <a:srgbClr val="B4C2F0"/>
+                </a:solidFill>
+                <a:effectLst/>
+                <a:latin typeface="JetBrains Mono"/>
+              </a:rPr>
+              <a:t>) </a:t>
+            </a:r>
+            <a:r>
+              <a:rPr lang="en-US" sz="1800" dirty="0">
+                <a:solidFill>
+                  <a:srgbClr val="B6C4F2"/>
+                </a:solidFill>
+                <a:effectLst/>
+                <a:latin typeface="JetBrains Mono"/>
+              </a:rPr>
+              <a:t>=&gt;</a:t>
+            </a:r>
+            <a:br>
+              <a:rPr lang="en-US" sz="1800" dirty="0">
+                <a:solidFill>
+                  <a:srgbClr val="B6C4F2"/>
+                </a:solidFill>
+                <a:effectLst/>
+                <a:latin typeface="JetBrains Mono"/>
+              </a:rPr>
+            </a:br>
+            <a:r>
+              <a:rPr lang="en-US" sz="1800" dirty="0">
+                <a:solidFill>
+                  <a:srgbClr val="B6C4F2"/>
+                </a:solidFill>
+                <a:effectLst/>
+                <a:latin typeface="JetBrains Mono"/>
+              </a:rPr>
+              <a:t>    </a:t>
+            </a:r>
+            <a:r>
+              <a:rPr lang="en-US" sz="1800" dirty="0">
+                <a:solidFill>
+                  <a:srgbClr val="34D3FB"/>
+                </a:solidFill>
+                <a:effectLst/>
+                <a:latin typeface="JetBrains Mono"/>
+              </a:rPr>
+              <a:t>_</a:t>
+            </a:r>
+            <a:r>
+              <a:rPr lang="en-US" sz="1800" dirty="0" err="1">
+                <a:solidFill>
+                  <a:srgbClr val="34D3FB"/>
+                </a:solidFill>
+                <a:effectLst/>
+                <a:latin typeface="JetBrains Mono"/>
+              </a:rPr>
+              <a:t>apiContract</a:t>
+            </a:r>
+            <a:br>
+              <a:rPr lang="en-US" sz="1800" dirty="0">
+                <a:solidFill>
+                  <a:srgbClr val="34D3FB"/>
+                </a:solidFill>
+                <a:effectLst/>
+                <a:latin typeface="JetBrains Mono"/>
+              </a:rPr>
+            </a:br>
+            <a:r>
+              <a:rPr lang="en-US" sz="1800" dirty="0">
+                <a:solidFill>
+                  <a:srgbClr val="34D3FB"/>
+                </a:solidFill>
+                <a:effectLst/>
+                <a:latin typeface="JetBrains Mono"/>
+              </a:rPr>
+              <a:t>        </a:t>
+            </a:r>
+            <a:r>
+              <a:rPr lang="en-US" sz="1800" dirty="0">
+                <a:solidFill>
+                  <a:srgbClr val="B4C2F0"/>
+                </a:solidFill>
+                <a:effectLst/>
+                <a:latin typeface="JetBrains Mono"/>
+              </a:rPr>
+              <a:t>.</a:t>
+            </a:r>
+            <a:r>
+              <a:rPr lang="en-US" sz="1800" dirty="0" err="1">
+                <a:solidFill>
+                  <a:srgbClr val="FAB795"/>
+                </a:solidFill>
+                <a:effectLst/>
+                <a:latin typeface="JetBrains Mono"/>
+              </a:rPr>
+              <a:t>GetStore</a:t>
+            </a:r>
+            <a:r>
+              <a:rPr lang="en-US" sz="1800" dirty="0">
+                <a:solidFill>
+                  <a:srgbClr val="B4C2F0"/>
+                </a:solidFill>
+                <a:effectLst/>
+                <a:latin typeface="JetBrains Mono"/>
+              </a:rPr>
+              <a:t>(</a:t>
+            </a:r>
+            <a:r>
+              <a:rPr lang="en-US" sz="1800" dirty="0" err="1">
+                <a:solidFill>
+                  <a:srgbClr val="7FC2EF"/>
+                </a:solidFill>
+                <a:effectLst/>
+                <a:latin typeface="JetBrains Mono"/>
+              </a:rPr>
+              <a:t>storeId</a:t>
+            </a:r>
+            <a:r>
+              <a:rPr lang="en-US" sz="1800" dirty="0">
+                <a:solidFill>
+                  <a:srgbClr val="B4C2F0"/>
+                </a:solidFill>
+                <a:effectLst/>
+                <a:latin typeface="JetBrains Mono"/>
+              </a:rPr>
+              <a:t>, </a:t>
+            </a:r>
+            <a:r>
+              <a:rPr lang="en-US" sz="1800" dirty="0" err="1">
+                <a:solidFill>
+                  <a:srgbClr val="BAACFF"/>
+                </a:solidFill>
+                <a:effectLst/>
+                <a:latin typeface="JetBrains Mono"/>
+              </a:rPr>
+              <a:t>FunctionParameters</a:t>
+            </a:r>
+            <a:r>
+              <a:rPr lang="en-US" sz="1800" dirty="0" err="1">
+                <a:solidFill>
+                  <a:srgbClr val="B4C2F0"/>
+                </a:solidFill>
+                <a:effectLst/>
+                <a:latin typeface="JetBrains Mono"/>
+              </a:rPr>
+              <a:t>.</a:t>
+            </a:r>
+            <a:r>
+              <a:rPr lang="en-US" sz="1800" dirty="0" err="1">
+                <a:solidFill>
+                  <a:srgbClr val="34D3FB"/>
+                </a:solidFill>
+                <a:effectLst/>
+                <a:latin typeface="JetBrains Mono"/>
+              </a:rPr>
+              <a:t>Default</a:t>
+            </a:r>
+            <a:r>
+              <a:rPr lang="en-US" sz="1800" dirty="0">
+                <a:solidFill>
+                  <a:srgbClr val="B4C2F0"/>
+                </a:solidFill>
+                <a:effectLst/>
+                <a:latin typeface="JetBrains Mono"/>
+              </a:rPr>
+              <a:t>)</a:t>
+            </a:r>
+            <a:br>
+              <a:rPr lang="en-US" sz="1800" dirty="0">
+                <a:solidFill>
+                  <a:srgbClr val="B4C2F0"/>
+                </a:solidFill>
+                <a:effectLst/>
+                <a:latin typeface="JetBrains Mono"/>
+              </a:rPr>
+            </a:br>
+            <a:r>
+              <a:rPr lang="en-US" sz="1800" dirty="0">
+                <a:solidFill>
+                  <a:srgbClr val="B4C2F0"/>
+                </a:solidFill>
+                <a:effectLst/>
+                <a:latin typeface="JetBrains Mono"/>
+              </a:rPr>
+              <a:t>        .</a:t>
+            </a:r>
+            <a:r>
+              <a:rPr lang="en-US" sz="1800" dirty="0" err="1">
+                <a:solidFill>
+                  <a:srgbClr val="FAB795"/>
+                </a:solidFill>
+                <a:effectLst/>
+                <a:latin typeface="JetBrains Mono"/>
+              </a:rPr>
+              <a:t>CacheApiResult</a:t>
+            </a:r>
+            <a:r>
+              <a:rPr lang="en-US" sz="1800" dirty="0">
+                <a:solidFill>
+                  <a:srgbClr val="B4C2F0"/>
+                </a:solidFill>
+                <a:effectLst/>
+                <a:latin typeface="JetBrains Mono"/>
+              </a:rPr>
+              <a:t>(</a:t>
+            </a:r>
+            <a:r>
+              <a:rPr lang="en-US" sz="1800" dirty="0">
+                <a:solidFill>
+                  <a:srgbClr val="64D1A9"/>
+                </a:solidFill>
+                <a:effectLst/>
+                <a:latin typeface="JetBrains Mono"/>
+              </a:rPr>
+              <a:t>$"{</a:t>
+            </a:r>
+            <a:r>
+              <a:rPr lang="en-US" sz="1800" i="1" dirty="0" err="1">
+                <a:solidFill>
+                  <a:srgbClr val="B877DB"/>
+                </a:solidFill>
+                <a:effectLst/>
+                <a:latin typeface="JetBrains Mono"/>
+              </a:rPr>
+              <a:t>nameof</a:t>
+            </a:r>
+            <a:r>
+              <a:rPr lang="en-US" sz="1800" dirty="0">
+                <a:solidFill>
+                  <a:srgbClr val="B4C2F0"/>
+                </a:solidFill>
+                <a:effectLst/>
+                <a:latin typeface="JetBrains Mono"/>
+              </a:rPr>
+              <a:t>(</a:t>
+            </a:r>
+            <a:r>
+              <a:rPr lang="en-US" sz="1800" dirty="0" err="1">
+                <a:solidFill>
+                  <a:srgbClr val="FAB795"/>
+                </a:solidFill>
+                <a:effectLst/>
+                <a:latin typeface="JetBrains Mono"/>
+              </a:rPr>
+              <a:t>GetStore</a:t>
+            </a:r>
+            <a:r>
+              <a:rPr lang="en-US" sz="1800" dirty="0">
+                <a:solidFill>
+                  <a:srgbClr val="B4C2F0"/>
+                </a:solidFill>
+                <a:effectLst/>
+                <a:latin typeface="JetBrains Mono"/>
+              </a:rPr>
+              <a:t>)</a:t>
+            </a:r>
+            <a:r>
+              <a:rPr lang="en-US" sz="1800" dirty="0">
+                <a:solidFill>
+                  <a:srgbClr val="64D1A9"/>
+                </a:solidFill>
+                <a:effectLst/>
+                <a:latin typeface="JetBrains Mono"/>
+              </a:rPr>
+              <a:t>}-{</a:t>
+            </a:r>
+            <a:r>
+              <a:rPr lang="en-US" sz="1800" dirty="0" err="1">
+                <a:solidFill>
+                  <a:srgbClr val="7FC2EF"/>
+                </a:solidFill>
+                <a:effectLst/>
+                <a:latin typeface="JetBrains Mono"/>
+              </a:rPr>
+              <a:t>storeId</a:t>
+            </a:r>
+            <a:r>
+              <a:rPr lang="en-US" sz="1800" dirty="0">
+                <a:solidFill>
+                  <a:srgbClr val="64D1A9"/>
+                </a:solidFill>
+                <a:effectLst/>
+                <a:latin typeface="JetBrains Mono"/>
+              </a:rPr>
+              <a:t>}"</a:t>
+            </a:r>
+            <a:r>
+              <a:rPr lang="en-US" sz="1800" dirty="0">
+                <a:solidFill>
+                  <a:srgbClr val="B4C2F0"/>
+                </a:solidFill>
+                <a:effectLst/>
+                <a:latin typeface="JetBrains Mono"/>
+              </a:rPr>
+              <a:t>, </a:t>
+            </a:r>
+            <a:r>
+              <a:rPr lang="en-US" sz="1800" dirty="0">
+                <a:solidFill>
+                  <a:srgbClr val="34D3FB"/>
+                </a:solidFill>
+                <a:effectLst/>
+                <a:latin typeface="JetBrains Mono"/>
+              </a:rPr>
+              <a:t>_</a:t>
+            </a:r>
+            <a:r>
+              <a:rPr lang="en-US" sz="1800" dirty="0" err="1">
+                <a:solidFill>
+                  <a:srgbClr val="34D3FB"/>
+                </a:solidFill>
+                <a:effectLst/>
+                <a:latin typeface="JetBrains Mono"/>
+              </a:rPr>
+              <a:t>blobCache</a:t>
+            </a:r>
+            <a:r>
+              <a:rPr lang="en-US" sz="1800" dirty="0">
+                <a:solidFill>
+                  <a:srgbClr val="B4C2F0"/>
+                </a:solidFill>
+                <a:effectLst/>
+                <a:latin typeface="JetBrains Mono"/>
+              </a:rPr>
+              <a:t>, </a:t>
+            </a:r>
+            <a:r>
+              <a:rPr lang="en-US" sz="1800" dirty="0">
+                <a:solidFill>
+                  <a:srgbClr val="34D3FB"/>
+                </a:solidFill>
+                <a:effectLst/>
+                <a:latin typeface="JetBrains Mono"/>
+              </a:rPr>
+              <a:t>_logger</a:t>
+            </a:r>
+            <a:r>
+              <a:rPr lang="en-US" sz="1800" dirty="0">
+                <a:solidFill>
+                  <a:srgbClr val="B4C2F0"/>
+                </a:solidFill>
+                <a:effectLst/>
+                <a:latin typeface="JetBrains Mono"/>
+              </a:rPr>
+              <a:t>, </a:t>
+            </a:r>
+            <a:r>
+              <a:rPr lang="en-US" sz="1800" dirty="0" err="1">
+                <a:solidFill>
+                  <a:srgbClr val="7FC2EF"/>
+                </a:solidFill>
+                <a:effectLst/>
+                <a:latin typeface="JetBrains Mono"/>
+              </a:rPr>
+              <a:t>forceUpdate</a:t>
+            </a:r>
+            <a:r>
+              <a:rPr lang="en-US" sz="1800" dirty="0">
+                <a:solidFill>
+                  <a:srgbClr val="B6C4F2"/>
+                </a:solidFill>
+                <a:effectLst/>
+                <a:latin typeface="JetBrains Mono"/>
+              </a:rPr>
+              <a:t>: </a:t>
+            </a:r>
+            <a:r>
+              <a:rPr lang="en-US" sz="1800" dirty="0" err="1">
+                <a:solidFill>
+                  <a:srgbClr val="7FC2EF"/>
+                </a:solidFill>
+                <a:effectLst/>
+                <a:latin typeface="JetBrains Mono"/>
+              </a:rPr>
+              <a:t>forceUpdate</a:t>
+            </a:r>
+            <a:r>
+              <a:rPr lang="en-US" sz="1800" dirty="0">
+                <a:solidFill>
+                  <a:srgbClr val="B4C2F0"/>
+                </a:solidFill>
+                <a:effectLst/>
+                <a:latin typeface="JetBrains Mono"/>
+              </a:rPr>
+              <a:t>);</a:t>
+            </a:r>
+            <a:br>
+              <a:rPr lang="en-US" sz="1800" dirty="0">
+                <a:solidFill>
+                  <a:srgbClr val="B4C2F0"/>
+                </a:solidFill>
+                <a:effectLst/>
+                <a:latin typeface="JetBrains Mono"/>
+              </a:rPr>
+            </a:br>
+            <a:br>
+              <a:rPr lang="en-US" sz="1800" dirty="0">
+                <a:solidFill>
+                  <a:srgbClr val="475F76"/>
+                </a:solidFill>
+                <a:effectLst/>
+                <a:latin typeface="JetBrains Mono"/>
+              </a:rPr>
+            </a:br>
+            <a:r>
+              <a:rPr lang="en-US" sz="1800" i="1" dirty="0">
+                <a:solidFill>
+                  <a:srgbClr val="B877DB"/>
+                </a:solidFill>
+                <a:effectLst/>
+                <a:latin typeface="JetBrains Mono"/>
+              </a:rPr>
+              <a:t>public </a:t>
+            </a:r>
+            <a:r>
+              <a:rPr lang="en-US" sz="1800" i="1" dirty="0" err="1">
+                <a:solidFill>
+                  <a:srgbClr val="5C7EB1"/>
+                </a:solidFill>
+                <a:effectLst/>
+                <a:latin typeface="JetBrains Mono"/>
+              </a:rPr>
+              <a:t>IObservable</a:t>
+            </a:r>
+            <a:r>
+              <a:rPr lang="en-US" sz="1800" dirty="0">
+                <a:solidFill>
+                  <a:srgbClr val="BAACFF"/>
+                </a:solidFill>
+                <a:effectLst/>
+                <a:latin typeface="JetBrains Mono"/>
+              </a:rPr>
+              <a:t>&lt;</a:t>
+            </a:r>
+            <a:r>
+              <a:rPr lang="en-US" sz="1800" i="1" dirty="0" err="1">
+                <a:solidFill>
+                  <a:srgbClr val="5C7EB1"/>
+                </a:solidFill>
+                <a:effectLst/>
+                <a:latin typeface="JetBrains Mono"/>
+              </a:rPr>
+              <a:t>IEnumerable</a:t>
+            </a:r>
+            <a:r>
+              <a:rPr lang="en-US" sz="1800" dirty="0">
+                <a:solidFill>
+                  <a:srgbClr val="BAACFF"/>
+                </a:solidFill>
+                <a:effectLst/>
+                <a:latin typeface="JetBrains Mono"/>
+              </a:rPr>
+              <a:t>&lt;</a:t>
+            </a:r>
+            <a:r>
+              <a:rPr lang="en-US" sz="1800" dirty="0" err="1">
+                <a:solidFill>
+                  <a:srgbClr val="BAACFF"/>
+                </a:solidFill>
+                <a:effectLst/>
+                <a:latin typeface="JetBrains Mono"/>
+              </a:rPr>
+              <a:t>StoreDto</a:t>
+            </a:r>
+            <a:r>
+              <a:rPr lang="en-US" sz="1800" dirty="0">
+                <a:solidFill>
+                  <a:srgbClr val="BAACFF"/>
+                </a:solidFill>
+                <a:effectLst/>
+                <a:latin typeface="JetBrains Mono"/>
+              </a:rPr>
+              <a:t>&gt;&gt; </a:t>
+            </a:r>
+            <a:r>
+              <a:rPr lang="en-US" sz="1800" dirty="0" err="1">
+                <a:solidFill>
+                  <a:srgbClr val="FAB795"/>
+                </a:solidFill>
+                <a:effectLst/>
+                <a:latin typeface="JetBrains Mono"/>
+              </a:rPr>
+              <a:t>GetStores</a:t>
+            </a:r>
+            <a:r>
+              <a:rPr lang="en-US" sz="1800" dirty="0">
+                <a:solidFill>
+                  <a:srgbClr val="B4C2F0"/>
+                </a:solidFill>
+                <a:effectLst/>
+                <a:latin typeface="JetBrains Mono"/>
+              </a:rPr>
+              <a:t>(</a:t>
+            </a:r>
+            <a:r>
+              <a:rPr lang="en-US" sz="1800" i="1" dirty="0">
+                <a:solidFill>
+                  <a:srgbClr val="B877DB"/>
+                </a:solidFill>
+                <a:effectLst/>
+                <a:latin typeface="JetBrains Mono"/>
+              </a:rPr>
+              <a:t>bool </a:t>
+            </a:r>
+            <a:r>
+              <a:rPr lang="en-US" sz="1800" dirty="0" err="1">
+                <a:solidFill>
+                  <a:srgbClr val="7FC2EF"/>
+                </a:solidFill>
+                <a:effectLst/>
+                <a:latin typeface="JetBrains Mono"/>
+              </a:rPr>
+              <a:t>forceUpdate</a:t>
+            </a:r>
+            <a:r>
+              <a:rPr lang="en-US" sz="1800" dirty="0">
+                <a:solidFill>
+                  <a:srgbClr val="7FC2EF"/>
+                </a:solidFill>
+                <a:effectLst/>
+                <a:latin typeface="JetBrains Mono"/>
+              </a:rPr>
+              <a:t> </a:t>
+            </a:r>
+            <a:r>
+              <a:rPr lang="en-US" sz="1800" dirty="0">
+                <a:solidFill>
+                  <a:srgbClr val="BAACFF"/>
+                </a:solidFill>
+                <a:effectLst/>
+                <a:latin typeface="JetBrains Mono"/>
+              </a:rPr>
+              <a:t>= </a:t>
+            </a:r>
+            <a:r>
+              <a:rPr lang="en-US" sz="1800" i="1" dirty="0">
+                <a:solidFill>
+                  <a:srgbClr val="B877DB"/>
+                </a:solidFill>
+                <a:effectLst/>
+                <a:latin typeface="JetBrains Mono"/>
+              </a:rPr>
+              <a:t>false</a:t>
+            </a:r>
+            <a:r>
+              <a:rPr lang="en-US" sz="1800" dirty="0">
+                <a:solidFill>
+                  <a:srgbClr val="B4C2F0"/>
+                </a:solidFill>
+                <a:effectLst/>
+                <a:latin typeface="JetBrains Mono"/>
+              </a:rPr>
+              <a:t>) </a:t>
+            </a:r>
+            <a:r>
+              <a:rPr lang="en-US" sz="1800" dirty="0">
+                <a:solidFill>
+                  <a:srgbClr val="B6C4F2"/>
+                </a:solidFill>
+                <a:effectLst/>
+                <a:latin typeface="JetBrains Mono"/>
+              </a:rPr>
+              <a:t>=&gt;</a:t>
+            </a:r>
+            <a:br>
+              <a:rPr lang="en-US" sz="1800" dirty="0">
+                <a:solidFill>
+                  <a:srgbClr val="B6C4F2"/>
+                </a:solidFill>
+                <a:effectLst/>
+                <a:latin typeface="JetBrains Mono"/>
+              </a:rPr>
+            </a:br>
+            <a:r>
+              <a:rPr lang="en-US" sz="1800" dirty="0">
+                <a:solidFill>
+                  <a:srgbClr val="B6C4F2"/>
+                </a:solidFill>
+                <a:effectLst/>
+                <a:latin typeface="JetBrains Mono"/>
+              </a:rPr>
+              <a:t>    </a:t>
+            </a:r>
+            <a:r>
+              <a:rPr lang="en-US" sz="1800" dirty="0">
+                <a:solidFill>
+                  <a:srgbClr val="34D3FB"/>
+                </a:solidFill>
+                <a:effectLst/>
+                <a:latin typeface="JetBrains Mono"/>
+              </a:rPr>
+              <a:t>_</a:t>
+            </a:r>
+            <a:r>
+              <a:rPr lang="en-US" sz="1800" dirty="0" err="1">
+                <a:solidFill>
+                  <a:srgbClr val="34D3FB"/>
+                </a:solidFill>
+                <a:effectLst/>
+                <a:latin typeface="JetBrains Mono"/>
+              </a:rPr>
+              <a:t>apiContract</a:t>
+            </a:r>
+            <a:br>
+              <a:rPr lang="en-US" sz="1800" dirty="0">
+                <a:solidFill>
+                  <a:srgbClr val="34D3FB"/>
+                </a:solidFill>
+                <a:effectLst/>
+                <a:latin typeface="JetBrains Mono"/>
+              </a:rPr>
+            </a:br>
+            <a:r>
+              <a:rPr lang="en-US" sz="1800" dirty="0">
+                <a:solidFill>
+                  <a:srgbClr val="34D3FB"/>
+                </a:solidFill>
+                <a:effectLst/>
+                <a:latin typeface="JetBrains Mono"/>
+              </a:rPr>
+              <a:t>        </a:t>
+            </a:r>
+            <a:r>
+              <a:rPr lang="en-US" sz="1800" dirty="0">
+                <a:solidFill>
+                  <a:srgbClr val="B4C2F0"/>
+                </a:solidFill>
+                <a:effectLst/>
+                <a:latin typeface="JetBrains Mono"/>
+              </a:rPr>
+              <a:t>.</a:t>
+            </a:r>
+            <a:r>
+              <a:rPr lang="en-US" sz="1800" dirty="0" err="1">
+                <a:solidFill>
+                  <a:srgbClr val="FAB795"/>
+                </a:solidFill>
+                <a:effectLst/>
+                <a:latin typeface="JetBrains Mono"/>
+              </a:rPr>
+              <a:t>GetStores</a:t>
+            </a:r>
+            <a:r>
+              <a:rPr lang="en-US" sz="1800" dirty="0">
+                <a:solidFill>
+                  <a:srgbClr val="B4C2F0"/>
+                </a:solidFill>
+                <a:effectLst/>
+                <a:latin typeface="JetBrains Mono"/>
+              </a:rPr>
+              <a:t>(</a:t>
+            </a:r>
+            <a:r>
+              <a:rPr lang="en-US" sz="1800" dirty="0" err="1">
+                <a:solidFill>
+                  <a:srgbClr val="BAACFF"/>
+                </a:solidFill>
+                <a:effectLst/>
+                <a:latin typeface="JetBrains Mono"/>
+              </a:rPr>
+              <a:t>FunctionParameters</a:t>
+            </a:r>
+            <a:r>
+              <a:rPr lang="en-US" sz="1800" dirty="0" err="1">
+                <a:solidFill>
+                  <a:srgbClr val="B4C2F0"/>
+                </a:solidFill>
+                <a:effectLst/>
+                <a:latin typeface="JetBrains Mono"/>
+              </a:rPr>
+              <a:t>.</a:t>
+            </a:r>
+            <a:r>
+              <a:rPr lang="en-US" sz="1800" dirty="0" err="1">
+                <a:solidFill>
+                  <a:srgbClr val="34D3FB"/>
+                </a:solidFill>
+                <a:effectLst/>
+                <a:latin typeface="JetBrains Mono"/>
+              </a:rPr>
+              <a:t>Default</a:t>
+            </a:r>
+            <a:r>
+              <a:rPr lang="en-US" sz="1800" dirty="0">
+                <a:solidFill>
+                  <a:srgbClr val="B4C2F0"/>
+                </a:solidFill>
+                <a:effectLst/>
+                <a:latin typeface="JetBrains Mono"/>
+              </a:rPr>
+              <a:t>)</a:t>
+            </a:r>
+            <a:br>
+              <a:rPr lang="en-US" sz="1800" dirty="0">
+                <a:solidFill>
+                  <a:srgbClr val="B4C2F0"/>
+                </a:solidFill>
+                <a:effectLst/>
+                <a:latin typeface="JetBrains Mono"/>
+              </a:rPr>
+            </a:br>
+            <a:r>
+              <a:rPr lang="en-US" sz="1800" dirty="0">
+                <a:solidFill>
+                  <a:srgbClr val="B4C2F0"/>
+                </a:solidFill>
+                <a:effectLst/>
+                <a:latin typeface="JetBrains Mono"/>
+              </a:rPr>
+              <a:t>        .</a:t>
+            </a:r>
+            <a:r>
+              <a:rPr lang="en-US" sz="1800" dirty="0" err="1">
+                <a:solidFill>
+                  <a:srgbClr val="FAB795"/>
+                </a:solidFill>
+                <a:effectLst/>
+                <a:latin typeface="JetBrains Mono"/>
+              </a:rPr>
+              <a:t>CacheApiResult</a:t>
+            </a:r>
+            <a:r>
+              <a:rPr lang="en-US" sz="1800" dirty="0">
+                <a:solidFill>
+                  <a:srgbClr val="B4C2F0"/>
+                </a:solidFill>
+                <a:effectLst/>
+                <a:latin typeface="JetBrains Mono"/>
+              </a:rPr>
+              <a:t>(</a:t>
+            </a:r>
+            <a:r>
+              <a:rPr lang="en-US" sz="1800" dirty="0">
+                <a:solidFill>
+                  <a:srgbClr val="64D1A9"/>
+                </a:solidFill>
+                <a:effectLst/>
+                <a:latin typeface="JetBrains Mono"/>
+              </a:rPr>
+              <a:t>$"{</a:t>
+            </a:r>
+            <a:r>
+              <a:rPr lang="en-US" sz="1800" i="1" dirty="0" err="1">
+                <a:solidFill>
+                  <a:srgbClr val="B877DB"/>
+                </a:solidFill>
+                <a:effectLst/>
+                <a:latin typeface="JetBrains Mono"/>
+              </a:rPr>
+              <a:t>nameof</a:t>
+            </a:r>
+            <a:r>
+              <a:rPr lang="en-US" sz="1800" dirty="0">
+                <a:solidFill>
+                  <a:srgbClr val="B4C2F0"/>
+                </a:solidFill>
+                <a:effectLst/>
+                <a:latin typeface="JetBrains Mono"/>
+              </a:rPr>
+              <a:t>(</a:t>
+            </a:r>
+            <a:r>
+              <a:rPr lang="en-US" sz="1800" dirty="0" err="1">
+                <a:solidFill>
+                  <a:srgbClr val="FAB795"/>
+                </a:solidFill>
+                <a:effectLst/>
+                <a:latin typeface="JetBrains Mono"/>
+              </a:rPr>
+              <a:t>GetStores</a:t>
+            </a:r>
+            <a:r>
+              <a:rPr lang="en-US" sz="1800" dirty="0">
+                <a:solidFill>
+                  <a:srgbClr val="B4C2F0"/>
+                </a:solidFill>
+                <a:effectLst/>
+                <a:latin typeface="JetBrains Mono"/>
+              </a:rPr>
+              <a:t>)</a:t>
+            </a:r>
+            <a:r>
+              <a:rPr lang="en-US" sz="1800" dirty="0">
+                <a:solidFill>
+                  <a:srgbClr val="64D1A9"/>
+                </a:solidFill>
+                <a:effectLst/>
+                <a:latin typeface="JetBrains Mono"/>
+              </a:rPr>
+              <a:t>}"</a:t>
+            </a:r>
+            <a:r>
+              <a:rPr lang="en-US" sz="1800" dirty="0">
+                <a:solidFill>
+                  <a:srgbClr val="B4C2F0"/>
+                </a:solidFill>
+                <a:effectLst/>
+                <a:latin typeface="JetBrains Mono"/>
+              </a:rPr>
+              <a:t>, </a:t>
+            </a:r>
+            <a:r>
+              <a:rPr lang="en-US" sz="1800" dirty="0">
+                <a:solidFill>
+                  <a:srgbClr val="34D3FB"/>
+                </a:solidFill>
+                <a:effectLst/>
+                <a:latin typeface="JetBrains Mono"/>
+              </a:rPr>
+              <a:t>_</a:t>
+            </a:r>
+            <a:r>
+              <a:rPr lang="en-US" sz="1800" dirty="0" err="1">
+                <a:solidFill>
+                  <a:srgbClr val="34D3FB"/>
+                </a:solidFill>
+                <a:effectLst/>
+                <a:latin typeface="JetBrains Mono"/>
+              </a:rPr>
+              <a:t>blobCache</a:t>
+            </a:r>
+            <a:r>
+              <a:rPr lang="en-US" sz="1800" dirty="0">
+                <a:solidFill>
+                  <a:srgbClr val="B4C2F0"/>
+                </a:solidFill>
+                <a:effectLst/>
+                <a:latin typeface="JetBrains Mono"/>
+              </a:rPr>
+              <a:t>, </a:t>
+            </a:r>
+            <a:r>
+              <a:rPr lang="en-US" sz="1800" dirty="0">
+                <a:solidFill>
+                  <a:srgbClr val="34D3FB"/>
+                </a:solidFill>
+                <a:effectLst/>
+                <a:latin typeface="JetBrains Mono"/>
+              </a:rPr>
+              <a:t>_logger</a:t>
+            </a:r>
+            <a:r>
+              <a:rPr lang="en-US" sz="1800" dirty="0">
+                <a:solidFill>
+                  <a:srgbClr val="B4C2F0"/>
+                </a:solidFill>
+                <a:effectLst/>
+                <a:latin typeface="JetBrains Mono"/>
+              </a:rPr>
+              <a:t>, </a:t>
+            </a:r>
+            <a:r>
+              <a:rPr lang="en-US" sz="1800" dirty="0" err="1">
+                <a:solidFill>
+                  <a:srgbClr val="7FC2EF"/>
+                </a:solidFill>
+                <a:effectLst/>
+                <a:latin typeface="JetBrains Mono"/>
+              </a:rPr>
+              <a:t>forceUpdate</a:t>
+            </a:r>
+            <a:r>
+              <a:rPr lang="en-US" sz="1800" dirty="0">
+                <a:solidFill>
+                  <a:srgbClr val="B6C4F2"/>
+                </a:solidFill>
+                <a:effectLst/>
+                <a:latin typeface="JetBrains Mono"/>
+              </a:rPr>
+              <a:t>: </a:t>
+            </a:r>
+            <a:r>
+              <a:rPr lang="en-US" sz="1800" dirty="0" err="1">
+                <a:solidFill>
+                  <a:srgbClr val="7FC2EF"/>
+                </a:solidFill>
+                <a:effectLst/>
+                <a:latin typeface="JetBrains Mono"/>
+              </a:rPr>
+              <a:t>forceUpdate</a:t>
+            </a:r>
+            <a:r>
+              <a:rPr lang="en-US" sz="1800" dirty="0">
+                <a:solidFill>
+                  <a:srgbClr val="B4C2F0"/>
+                </a:solidFill>
+                <a:effectLst/>
+                <a:latin typeface="JetBrains Mono"/>
+              </a:rPr>
+              <a:t>);</a:t>
+            </a:r>
+            <a:br>
+              <a:rPr lang="en-US" sz="1800" dirty="0">
+                <a:solidFill>
+                  <a:srgbClr val="B4C2F0"/>
+                </a:solidFill>
+                <a:effectLst/>
+                <a:latin typeface="JetBrains Mono"/>
+              </a:rPr>
+            </a:br>
+            <a:br>
+              <a:rPr lang="en-US" sz="1800" dirty="0">
+                <a:solidFill>
+                  <a:srgbClr val="475F76"/>
+                </a:solidFill>
+                <a:effectLst/>
+                <a:latin typeface="JetBrains Mono"/>
+              </a:rPr>
+            </a:br>
+            <a:r>
+              <a:rPr lang="en-US" sz="1800" i="1" dirty="0">
+                <a:solidFill>
+                  <a:srgbClr val="B877DB"/>
+                </a:solidFill>
+                <a:effectLst/>
+                <a:latin typeface="JetBrains Mono"/>
+              </a:rPr>
+              <a:t>public </a:t>
+            </a:r>
+            <a:r>
+              <a:rPr lang="en-US" sz="1800" i="1" dirty="0" err="1">
+                <a:solidFill>
+                  <a:srgbClr val="5C7EB1"/>
+                </a:solidFill>
+                <a:effectLst/>
+                <a:latin typeface="JetBrains Mono"/>
+              </a:rPr>
+              <a:t>IObservable</a:t>
+            </a:r>
+            <a:r>
+              <a:rPr lang="en-US" sz="1800" dirty="0">
+                <a:solidFill>
+                  <a:srgbClr val="BAACFF"/>
+                </a:solidFill>
+                <a:effectLst/>
+                <a:latin typeface="JetBrains Mono"/>
+              </a:rPr>
+              <a:t>&lt;</a:t>
+            </a:r>
+            <a:r>
+              <a:rPr lang="en-US" sz="1800" i="1" dirty="0" err="1">
+                <a:solidFill>
+                  <a:srgbClr val="5C7EB1"/>
+                </a:solidFill>
+                <a:effectLst/>
+                <a:latin typeface="JetBrains Mono"/>
+              </a:rPr>
+              <a:t>IEnumerable</a:t>
+            </a:r>
+            <a:r>
+              <a:rPr lang="en-US" sz="1800" dirty="0">
+                <a:solidFill>
+                  <a:srgbClr val="BAACFF"/>
+                </a:solidFill>
+                <a:effectLst/>
+                <a:latin typeface="JetBrains Mono"/>
+              </a:rPr>
+              <a:t>&lt;</a:t>
+            </a:r>
+            <a:r>
+              <a:rPr lang="en-US" sz="1800" i="1" dirty="0">
+                <a:solidFill>
+                  <a:srgbClr val="B877DB"/>
+                </a:solidFill>
+                <a:effectLst/>
+                <a:latin typeface="JetBrains Mono"/>
+              </a:rPr>
+              <a:t>string</a:t>
+            </a:r>
+            <a:r>
+              <a:rPr lang="en-US" sz="1800" dirty="0">
+                <a:solidFill>
+                  <a:srgbClr val="B6C4F2"/>
+                </a:solidFill>
+                <a:effectLst/>
+                <a:latin typeface="JetBrains Mono"/>
+              </a:rPr>
+              <a:t>?</a:t>
+            </a:r>
+            <a:r>
+              <a:rPr lang="en-US" sz="1800" dirty="0">
+                <a:solidFill>
+                  <a:srgbClr val="BAACFF"/>
+                </a:solidFill>
+                <a:effectLst/>
+                <a:latin typeface="JetBrains Mono"/>
+              </a:rPr>
+              <a:t>&gt;&gt; </a:t>
+            </a:r>
+            <a:r>
+              <a:rPr lang="en-US" sz="1800" dirty="0" err="1">
+                <a:solidFill>
+                  <a:srgbClr val="FAB795"/>
+                </a:solidFill>
+                <a:effectLst/>
+                <a:latin typeface="JetBrains Mono"/>
+              </a:rPr>
+              <a:t>GetStoreMetadata</a:t>
+            </a:r>
+            <a:r>
+              <a:rPr lang="en-US" sz="1800" dirty="0">
+                <a:solidFill>
+                  <a:srgbClr val="B4C2F0"/>
+                </a:solidFill>
+                <a:effectLst/>
+                <a:latin typeface="JetBrains Mono"/>
+              </a:rPr>
+              <a:t>(</a:t>
+            </a:r>
+            <a:r>
+              <a:rPr lang="en-US" sz="1800" i="1" dirty="0">
+                <a:solidFill>
+                  <a:srgbClr val="B877DB"/>
+                </a:solidFill>
+                <a:effectLst/>
+                <a:latin typeface="JetBrains Mono"/>
+              </a:rPr>
+              <a:t>bool </a:t>
+            </a:r>
+            <a:r>
+              <a:rPr lang="en-US" sz="1800" dirty="0" err="1">
+                <a:solidFill>
+                  <a:srgbClr val="7FC2EF"/>
+                </a:solidFill>
+                <a:effectLst/>
+                <a:latin typeface="JetBrains Mono"/>
+              </a:rPr>
+              <a:t>forceUpdate</a:t>
+            </a:r>
+            <a:r>
+              <a:rPr lang="en-US" sz="1800" dirty="0">
+                <a:solidFill>
+                  <a:srgbClr val="7FC2EF"/>
+                </a:solidFill>
+                <a:effectLst/>
+                <a:latin typeface="JetBrains Mono"/>
+              </a:rPr>
+              <a:t> </a:t>
+            </a:r>
+            <a:r>
+              <a:rPr lang="en-US" sz="1800" dirty="0">
+                <a:solidFill>
+                  <a:srgbClr val="BAACFF"/>
+                </a:solidFill>
+                <a:effectLst/>
+                <a:latin typeface="JetBrains Mono"/>
+              </a:rPr>
+              <a:t>= </a:t>
+            </a:r>
+            <a:r>
+              <a:rPr lang="en-US" sz="1800" i="1" dirty="0">
+                <a:solidFill>
+                  <a:srgbClr val="B877DB"/>
+                </a:solidFill>
+                <a:effectLst/>
+                <a:latin typeface="JetBrains Mono"/>
+              </a:rPr>
+              <a:t>false</a:t>
+            </a:r>
+            <a:r>
+              <a:rPr lang="en-US" sz="1800" dirty="0">
+                <a:solidFill>
+                  <a:srgbClr val="B4C2F0"/>
+                </a:solidFill>
+                <a:effectLst/>
+                <a:latin typeface="JetBrains Mono"/>
+              </a:rPr>
+              <a:t>) </a:t>
+            </a:r>
+            <a:r>
+              <a:rPr lang="en-US" sz="1800" dirty="0">
+                <a:solidFill>
+                  <a:srgbClr val="B6C4F2"/>
+                </a:solidFill>
+                <a:effectLst/>
+                <a:latin typeface="JetBrains Mono"/>
+              </a:rPr>
+              <a:t>=&gt;</a:t>
+            </a:r>
+            <a:br>
+              <a:rPr lang="en-US" sz="1800" dirty="0">
+                <a:solidFill>
+                  <a:srgbClr val="B6C4F2"/>
+                </a:solidFill>
+                <a:effectLst/>
+                <a:latin typeface="JetBrains Mono"/>
+              </a:rPr>
+            </a:br>
+            <a:r>
+              <a:rPr lang="en-US" sz="1800" dirty="0">
+                <a:solidFill>
+                  <a:srgbClr val="B6C4F2"/>
+                </a:solidFill>
+                <a:effectLst/>
+                <a:latin typeface="JetBrains Mono"/>
+              </a:rPr>
+              <a:t>    </a:t>
+            </a:r>
+            <a:r>
+              <a:rPr lang="en-US" sz="1800" dirty="0">
+                <a:solidFill>
+                  <a:srgbClr val="34D3FB"/>
+                </a:solidFill>
+                <a:effectLst/>
+                <a:latin typeface="JetBrains Mono"/>
+              </a:rPr>
+              <a:t>_</a:t>
+            </a:r>
+            <a:r>
+              <a:rPr lang="en-US" sz="1800" dirty="0" err="1">
+                <a:solidFill>
+                  <a:srgbClr val="34D3FB"/>
+                </a:solidFill>
+                <a:effectLst/>
+                <a:latin typeface="JetBrains Mono"/>
+              </a:rPr>
+              <a:t>apiContract</a:t>
+            </a:r>
+            <a:br>
+              <a:rPr lang="en-US" sz="1800" dirty="0">
+                <a:solidFill>
+                  <a:srgbClr val="34D3FB"/>
+                </a:solidFill>
+                <a:effectLst/>
+                <a:latin typeface="JetBrains Mono"/>
+              </a:rPr>
+            </a:br>
+            <a:r>
+              <a:rPr lang="en-US" sz="1800" dirty="0">
+                <a:solidFill>
+                  <a:srgbClr val="34D3FB"/>
+                </a:solidFill>
+                <a:effectLst/>
+                <a:latin typeface="JetBrains Mono"/>
+              </a:rPr>
+              <a:t>        </a:t>
+            </a:r>
+            <a:r>
+              <a:rPr lang="en-US" sz="1800" dirty="0">
+                <a:solidFill>
+                  <a:srgbClr val="B4C2F0"/>
+                </a:solidFill>
+                <a:effectLst/>
+                <a:latin typeface="JetBrains Mono"/>
+              </a:rPr>
+              <a:t>.</a:t>
+            </a:r>
+            <a:r>
+              <a:rPr lang="en-US" sz="1800" dirty="0" err="1">
+                <a:solidFill>
+                  <a:srgbClr val="FAB795"/>
+                </a:solidFill>
+                <a:effectLst/>
+                <a:latin typeface="JetBrains Mono"/>
+              </a:rPr>
+              <a:t>GetMetadata</a:t>
+            </a:r>
+            <a:r>
+              <a:rPr lang="en-US" sz="1800" dirty="0">
+                <a:solidFill>
+                  <a:srgbClr val="B4C2F0"/>
+                </a:solidFill>
+                <a:effectLst/>
+                <a:latin typeface="JetBrains Mono"/>
+              </a:rPr>
+              <a:t>(</a:t>
+            </a:r>
+            <a:r>
+              <a:rPr lang="en-US" sz="1800" dirty="0" err="1">
+                <a:solidFill>
+                  <a:srgbClr val="BAACFF"/>
+                </a:solidFill>
+                <a:effectLst/>
+                <a:latin typeface="JetBrains Mono"/>
+              </a:rPr>
+              <a:t>FunctionParameters</a:t>
+            </a:r>
+            <a:r>
+              <a:rPr lang="en-US" sz="1800" dirty="0" err="1">
+                <a:solidFill>
+                  <a:srgbClr val="B4C2F0"/>
+                </a:solidFill>
+                <a:effectLst/>
+                <a:latin typeface="JetBrains Mono"/>
+              </a:rPr>
+              <a:t>.</a:t>
+            </a:r>
+            <a:r>
+              <a:rPr lang="en-US" sz="1800" dirty="0" err="1">
+                <a:solidFill>
+                  <a:srgbClr val="34D3FB"/>
+                </a:solidFill>
+                <a:effectLst/>
+                <a:latin typeface="JetBrains Mono"/>
+              </a:rPr>
+              <a:t>Default</a:t>
+            </a:r>
+            <a:r>
+              <a:rPr lang="en-US" sz="1800" dirty="0">
+                <a:solidFill>
+                  <a:srgbClr val="B4C2F0"/>
+                </a:solidFill>
+                <a:effectLst/>
+                <a:latin typeface="JetBrains Mono"/>
+              </a:rPr>
+              <a:t>)</a:t>
+            </a:r>
+            <a:br>
+              <a:rPr lang="en-US" sz="1800" dirty="0">
+                <a:solidFill>
+                  <a:srgbClr val="B4C2F0"/>
+                </a:solidFill>
+                <a:effectLst/>
+                <a:latin typeface="JetBrains Mono"/>
+              </a:rPr>
+            </a:br>
+            <a:r>
+              <a:rPr lang="en-US" sz="1800" dirty="0">
+                <a:solidFill>
+                  <a:srgbClr val="B4C2F0"/>
+                </a:solidFill>
+                <a:effectLst/>
+                <a:latin typeface="JetBrains Mono"/>
+              </a:rPr>
+              <a:t>        .</a:t>
+            </a:r>
+            <a:r>
+              <a:rPr lang="en-US" sz="1800" dirty="0" err="1">
+                <a:solidFill>
+                  <a:srgbClr val="FAB795"/>
+                </a:solidFill>
+                <a:effectLst/>
+                <a:latin typeface="JetBrains Mono"/>
+              </a:rPr>
+              <a:t>CacheApiResult</a:t>
+            </a:r>
+            <a:r>
+              <a:rPr lang="en-US" sz="1800" dirty="0">
+                <a:solidFill>
+                  <a:srgbClr val="B4C2F0"/>
+                </a:solidFill>
+                <a:effectLst/>
+                <a:latin typeface="JetBrains Mono"/>
+              </a:rPr>
+              <a:t>(</a:t>
+            </a:r>
+            <a:r>
+              <a:rPr lang="en-US" sz="1800" dirty="0">
+                <a:solidFill>
+                  <a:srgbClr val="64D1A9"/>
+                </a:solidFill>
+                <a:effectLst/>
+                <a:latin typeface="JetBrains Mono"/>
+              </a:rPr>
+              <a:t>$"{</a:t>
+            </a:r>
+            <a:r>
+              <a:rPr lang="en-US" sz="1800" i="1" dirty="0" err="1">
+                <a:solidFill>
+                  <a:srgbClr val="B877DB"/>
+                </a:solidFill>
+                <a:effectLst/>
+                <a:latin typeface="JetBrains Mono"/>
+              </a:rPr>
+              <a:t>nameof</a:t>
+            </a:r>
+            <a:r>
+              <a:rPr lang="en-US" sz="1800" dirty="0">
+                <a:solidFill>
+                  <a:srgbClr val="B4C2F0"/>
+                </a:solidFill>
+                <a:effectLst/>
+                <a:latin typeface="JetBrains Mono"/>
+              </a:rPr>
+              <a:t>(</a:t>
+            </a:r>
+            <a:r>
+              <a:rPr lang="en-US" sz="1800" dirty="0" err="1">
+                <a:solidFill>
+                  <a:srgbClr val="FAB795"/>
+                </a:solidFill>
+                <a:effectLst/>
+                <a:latin typeface="JetBrains Mono"/>
+              </a:rPr>
+              <a:t>GetStoreMetadata</a:t>
+            </a:r>
+            <a:r>
+              <a:rPr lang="en-US" sz="1800" dirty="0">
+                <a:solidFill>
+                  <a:srgbClr val="B4C2F0"/>
+                </a:solidFill>
+                <a:effectLst/>
+                <a:latin typeface="JetBrains Mono"/>
+              </a:rPr>
+              <a:t>)</a:t>
+            </a:r>
+            <a:r>
+              <a:rPr lang="en-US" sz="1800" dirty="0">
+                <a:solidFill>
+                  <a:srgbClr val="64D1A9"/>
+                </a:solidFill>
+                <a:effectLst/>
+                <a:latin typeface="JetBrains Mono"/>
+              </a:rPr>
+              <a:t>}"</a:t>
+            </a:r>
+            <a:r>
+              <a:rPr lang="en-US" sz="1800" dirty="0">
+                <a:solidFill>
+                  <a:srgbClr val="B4C2F0"/>
+                </a:solidFill>
+                <a:effectLst/>
+                <a:latin typeface="JetBrains Mono"/>
+              </a:rPr>
+              <a:t>, </a:t>
+            </a:r>
+            <a:r>
+              <a:rPr lang="en-US" sz="1800" dirty="0">
+                <a:solidFill>
+                  <a:srgbClr val="34D3FB"/>
+                </a:solidFill>
+                <a:effectLst/>
+                <a:latin typeface="JetBrains Mono"/>
+              </a:rPr>
+              <a:t>_</a:t>
+            </a:r>
+            <a:r>
+              <a:rPr lang="en-US" sz="1800" dirty="0" err="1">
+                <a:solidFill>
+                  <a:srgbClr val="34D3FB"/>
+                </a:solidFill>
+                <a:effectLst/>
+                <a:latin typeface="JetBrains Mono"/>
+              </a:rPr>
+              <a:t>blobCache</a:t>
+            </a:r>
+            <a:r>
+              <a:rPr lang="en-US" sz="1800" dirty="0">
+                <a:solidFill>
+                  <a:srgbClr val="B4C2F0"/>
+                </a:solidFill>
+                <a:effectLst/>
+                <a:latin typeface="JetBrains Mono"/>
+              </a:rPr>
+              <a:t>, </a:t>
+            </a:r>
+            <a:r>
+              <a:rPr lang="en-US" sz="1800" dirty="0">
+                <a:solidFill>
+                  <a:srgbClr val="34D3FB"/>
+                </a:solidFill>
+                <a:effectLst/>
+                <a:latin typeface="JetBrains Mono"/>
+              </a:rPr>
+              <a:t>_logger</a:t>
+            </a:r>
+            <a:r>
+              <a:rPr lang="en-US" sz="1800" dirty="0">
+                <a:solidFill>
+                  <a:srgbClr val="B4C2F0"/>
+                </a:solidFill>
+                <a:effectLst/>
+                <a:latin typeface="JetBrains Mono"/>
+              </a:rPr>
+              <a:t>, </a:t>
+            </a:r>
+            <a:r>
+              <a:rPr lang="en-US" sz="1800" dirty="0" err="1">
+                <a:solidFill>
+                  <a:srgbClr val="7FC2EF"/>
+                </a:solidFill>
+                <a:effectLst/>
+                <a:latin typeface="JetBrains Mono"/>
+              </a:rPr>
+              <a:t>forceUpdate</a:t>
+            </a:r>
+            <a:r>
+              <a:rPr lang="en-US" sz="1800" dirty="0">
+                <a:solidFill>
+                  <a:srgbClr val="B6C4F2"/>
+                </a:solidFill>
+                <a:effectLst/>
+                <a:latin typeface="JetBrains Mono"/>
+              </a:rPr>
+              <a:t>: </a:t>
+            </a:r>
+            <a:r>
+              <a:rPr lang="en-US" sz="1800" dirty="0" err="1">
+                <a:solidFill>
+                  <a:srgbClr val="7FC2EF"/>
+                </a:solidFill>
+                <a:effectLst/>
+                <a:latin typeface="JetBrains Mono"/>
+              </a:rPr>
+              <a:t>forceUpdate</a:t>
+            </a:r>
+            <a:r>
+              <a:rPr lang="en-US" sz="1800" dirty="0">
+                <a:solidFill>
+                  <a:srgbClr val="B4C2F0"/>
+                </a:solidFill>
+                <a:effectLst/>
+                <a:latin typeface="JetBrains Mono"/>
+              </a:rPr>
+              <a:t>);</a:t>
+            </a:r>
+            <a:endParaRPr lang="en-US" sz="1800" dirty="0">
+              <a:solidFill>
+                <a:srgbClr val="B6C4F2"/>
+              </a:solidFill>
+              <a:effectLst/>
+              <a:latin typeface="JetBrains Mono"/>
+            </a:endParaRPr>
+          </a:p>
+          <a:p>
+            <a:endParaRPr lang="en-US" dirty="0"/>
+          </a:p>
+        </p:txBody>
+      </p:sp>
+      <p:sp>
+        <p:nvSpPr>
+          <p:cNvPr id="7" name="Text Placeholder 6">
+            <a:extLst>
+              <a:ext uri="{FF2B5EF4-FFF2-40B4-BE49-F238E27FC236}">
+                <a16:creationId xmlns:a16="http://schemas.microsoft.com/office/drawing/2014/main" id="{DF183272-0DF2-5D57-5A1C-2276A120E13C}"/>
+              </a:ext>
+            </a:extLst>
+          </p:cNvPr>
+          <p:cNvSpPr>
+            <a:spLocks noGrp="1"/>
+          </p:cNvSpPr>
+          <p:nvPr>
+            <p:ph type="body" sz="quarter" idx="3"/>
+          </p:nvPr>
+        </p:nvSpPr>
+        <p:spPr/>
+        <p:txBody>
+          <a:bodyPr/>
+          <a:lstStyle/>
           <a:p>
             <a:r>
               <a:rPr lang="en-US" dirty="0"/>
-              <a:t>Still have to handle FP concerns (learned this the hard way)</a:t>
-            </a:r>
-          </a:p>
-          <a:p>
-            <a:r>
-              <a:rPr lang="en-US" dirty="0"/>
-              <a:t>Have to move modeling away from objects and towards a “pipeline” approach</a:t>
-            </a:r>
+              <a:t>F# Functions as Dependencies …?</a:t>
+            </a:r>
+          </a:p>
+        </p:txBody>
+      </p:sp>
+      <p:sp>
+        <p:nvSpPr>
+          <p:cNvPr id="8" name="Content Placeholder 7">
+            <a:extLst>
+              <a:ext uri="{FF2B5EF4-FFF2-40B4-BE49-F238E27FC236}">
+                <a16:creationId xmlns:a16="http://schemas.microsoft.com/office/drawing/2014/main" id="{984F43BB-4759-0052-87C3-EF375750366A}"/>
+              </a:ext>
+            </a:extLst>
+          </p:cNvPr>
+          <p:cNvSpPr>
+            <a:spLocks noGrp="1"/>
+          </p:cNvSpPr>
+          <p:nvPr>
+            <p:ph sz="quarter" idx="4"/>
+          </p:nvPr>
+        </p:nvSpPr>
+        <p:spPr/>
+        <p:txBody>
+          <a:bodyPr>
+            <a:normAutofit fontScale="47500" lnSpcReduction="20000"/>
+          </a:bodyPr>
+          <a:lstStyle/>
+          <a:p>
+            <a:endParaRPr lang="en-US" dirty="0"/>
           </a:p>
         </p:txBody>
       </p:sp>
     </p:spTree>
     <p:extLst>
       <p:ext uri="{BB962C8B-B14F-4D97-AF65-F5344CB8AC3E}">
-        <p14:creationId xmlns:p14="http://schemas.microsoft.com/office/powerpoint/2010/main" val="788130530"/>
+        <p14:creationId xmlns:p14="http://schemas.microsoft.com/office/powerpoint/2010/main" val="368410186"/>
       </p:ext>
     </p:extLst>
   </p:cSld>
